--- a/Images/Diagrams.pptx
+++ b/Images/Diagrams.pptx
@@ -5,11 +5,12 @@
     <p:sldMasterId id="2147483648" r:id="rId1"/>
   </p:sldMasterIdLst>
   <p:notesMasterIdLst>
-    <p:notesMasterId r:id="rId4"/>
+    <p:notesMasterId r:id="rId5"/>
   </p:notesMasterIdLst>
   <p:sldIdLst>
     <p:sldId id="256" r:id="rId2"/>
     <p:sldId id="257" r:id="rId3"/>
+    <p:sldId id="258" r:id="rId4"/>
   </p:sldIdLst>
   <p:sldSz cx="12192000" cy="6858000"/>
   <p:notesSz cx="6858000" cy="9144000"/>
@@ -540,6 +541,96 @@
     <p:extLst>
       <p:ext uri="{BB962C8B-B14F-4D97-AF65-F5344CB8AC3E}">
         <p14:creationId xmlns:p14="http://schemas.microsoft.com/office/powerpoint/2010/main" val="327505323"/>
+      </p:ext>
+    </p:extLst>
+  </p:cSld>
+  <p:clrMapOvr>
+    <a:masterClrMapping/>
+  </p:clrMapOvr>
+</p:notes>
+</file>
+
+<file path=ppt/notesSlides/notesSlide2.xml><?xml version="1.0" encoding="utf-8"?>
+<p:notes xmlns:a="http://schemas.openxmlformats.org/drawingml/2006/main" xmlns:r="http://schemas.openxmlformats.org/officeDocument/2006/relationships" xmlns:p="http://schemas.openxmlformats.org/presentationml/2006/main">
+  <p:cSld>
+    <p:spTree>
+      <p:nvGrpSpPr>
+        <p:cNvPr id="1" name=""/>
+        <p:cNvGrpSpPr/>
+        <p:nvPr/>
+      </p:nvGrpSpPr>
+      <p:grpSpPr>
+        <a:xfrm>
+          <a:off x="0" y="0"/>
+          <a:ext cx="0" cy="0"/>
+          <a:chOff x="0" y="0"/>
+          <a:chExt cx="0" cy="0"/>
+        </a:xfrm>
+      </p:grpSpPr>
+      <p:sp>
+        <p:nvSpPr>
+          <p:cNvPr id="2" name="Slide Image Placeholder 1"/>
+          <p:cNvSpPr>
+            <a:spLocks noGrp="1" noRot="1" noChangeAspect="1"/>
+          </p:cNvSpPr>
+          <p:nvPr>
+            <p:ph type="sldImg"/>
+          </p:nvPr>
+        </p:nvSpPr>
+        <p:spPr/>
+      </p:sp>
+      <p:sp>
+        <p:nvSpPr>
+          <p:cNvPr id="3" name="Notes Placeholder 2"/>
+          <p:cNvSpPr>
+            <a:spLocks noGrp="1"/>
+          </p:cNvSpPr>
+          <p:nvPr>
+            <p:ph type="body" idx="1"/>
+          </p:nvPr>
+        </p:nvSpPr>
+        <p:spPr/>
+        <p:txBody>
+          <a:bodyPr/>
+          <a:lstStyle/>
+          <a:p>
+            <a:r>
+              <a:rPr lang="en-GB" dirty="0"/>
+              <a:t>d</a:t>
+            </a:r>
+          </a:p>
+          <a:p>
+            <a:endParaRPr lang="en-US" dirty="0"/>
+          </a:p>
+        </p:txBody>
+      </p:sp>
+      <p:sp>
+        <p:nvSpPr>
+          <p:cNvPr id="4" name="Slide Number Placeholder 3"/>
+          <p:cNvSpPr>
+            <a:spLocks noGrp="1"/>
+          </p:cNvSpPr>
+          <p:nvPr>
+            <p:ph type="sldNum" sz="quarter" idx="5"/>
+          </p:nvPr>
+        </p:nvSpPr>
+        <p:spPr/>
+        <p:txBody>
+          <a:bodyPr/>
+          <a:lstStyle/>
+          <a:p>
+            <a:fld id="{E1441AE4-823E-464E-AC6B-938E2966D599}" type="slidenum">
+              <a:rPr lang="en-US" smtClean="0"/>
+              <a:t>3</a:t>
+            </a:fld>
+            <a:endParaRPr lang="en-US"/>
+          </a:p>
+        </p:txBody>
+      </p:sp>
+    </p:spTree>
+    <p:extLst>
+      <p:ext uri="{BB962C8B-B14F-4D97-AF65-F5344CB8AC3E}">
+        <p14:creationId xmlns:p14="http://schemas.microsoft.com/office/powerpoint/2010/main" val="4228229347"/>
       </p:ext>
     </p:extLst>
   </p:cSld>
@@ -26740,6 +26831,7431 @@
 </p:sld>
 </file>
 
+<file path=ppt/slides/slide3.xml><?xml version="1.0" encoding="utf-8"?>
+<p:sld xmlns:a="http://schemas.openxmlformats.org/drawingml/2006/main" xmlns:r="http://schemas.openxmlformats.org/officeDocument/2006/relationships" xmlns:p="http://schemas.openxmlformats.org/presentationml/2006/main">
+  <p:cSld>
+    <p:spTree>
+      <p:nvGrpSpPr>
+        <p:cNvPr id="1" name=""/>
+        <p:cNvGrpSpPr/>
+        <p:nvPr/>
+      </p:nvGrpSpPr>
+      <p:grpSpPr>
+        <a:xfrm>
+          <a:off x="0" y="0"/>
+          <a:ext cx="0" cy="0"/>
+          <a:chOff x="0" y="0"/>
+          <a:chExt cx="0" cy="0"/>
+        </a:xfrm>
+      </p:grpSpPr>
+      <p:sp>
+        <p:nvSpPr>
+          <p:cNvPr id="81" name="Rectangle 80">
+            <a:extLst>
+              <a:ext uri="{FF2B5EF4-FFF2-40B4-BE49-F238E27FC236}">
+                <a16:creationId xmlns:a16="http://schemas.microsoft.com/office/drawing/2014/main" id="{762335D7-529B-57A6-D980-58FF7E5EA6C3}"/>
+              </a:ext>
+            </a:extLst>
+          </p:cNvPr>
+          <p:cNvSpPr/>
+          <p:nvPr/>
+        </p:nvSpPr>
+        <p:spPr>
+          <a:xfrm>
+            <a:off x="1188102" y="123825"/>
+            <a:ext cx="6400800" cy="6400800"/>
+          </a:xfrm>
+          <a:prstGeom prst="rect">
+            <a:avLst/>
+          </a:prstGeom>
+          <a:noFill/>
+        </p:spPr>
+        <p:style>
+          <a:lnRef idx="2">
+            <a:schemeClr val="accent1">
+              <a:shade val="50000"/>
+            </a:schemeClr>
+          </a:lnRef>
+          <a:fillRef idx="1">
+            <a:schemeClr val="accent1"/>
+          </a:fillRef>
+          <a:effectRef idx="0">
+            <a:schemeClr val="accent1"/>
+          </a:effectRef>
+          <a:fontRef idx="minor">
+            <a:schemeClr val="lt1"/>
+          </a:fontRef>
+        </p:style>
+        <p:txBody>
+          <a:bodyPr rtlCol="0" anchor="ctr"/>
+          <a:lstStyle/>
+          <a:p>
+            <a:pPr algn="ctr"/>
+            <a:endParaRPr lang="en-US"/>
+          </a:p>
+        </p:txBody>
+      </p:sp>
+      <p:graphicFrame>
+        <p:nvGraphicFramePr>
+          <p:cNvPr id="4" name="Table 11">
+            <a:extLst>
+              <a:ext uri="{FF2B5EF4-FFF2-40B4-BE49-F238E27FC236}">
+                <a16:creationId xmlns:a16="http://schemas.microsoft.com/office/drawing/2014/main" id="{CA8EFC9D-EC2D-2BE4-2A73-F4FB47C2C688}"/>
+              </a:ext>
+            </a:extLst>
+          </p:cNvPr>
+          <p:cNvGraphicFramePr>
+            <a:graphicFrameLocks noGrp="1"/>
+          </p:cNvGraphicFramePr>
+          <p:nvPr>
+            <p:extLst>
+              <p:ext uri="{D42A27DB-BD31-4B8C-83A1-F6EECF244321}">
+                <p14:modId xmlns:p14="http://schemas.microsoft.com/office/powerpoint/2010/main" val="2571587326"/>
+              </p:ext>
+            </p:extLst>
+          </p:nvPr>
+        </p:nvGraphicFramePr>
+        <p:xfrm>
+          <a:off x="1685365" y="569259"/>
+          <a:ext cx="5486400" cy="5486400"/>
+        </p:xfrm>
+        <a:graphic>
+          <a:graphicData uri="http://schemas.openxmlformats.org/drawingml/2006/table">
+            <a:tbl>
+              <a:tblPr firstRow="1" bandRow="1">
+                <a:tableStyleId>{2D5ABB26-0587-4C30-8999-92F81FD0307C}</a:tableStyleId>
+              </a:tblPr>
+              <a:tblGrid>
+                <a:gridCol w="685800">
+                  <a:extLst>
+                    <a:ext uri="{9D8B030D-6E8A-4147-A177-3AD203B41FA5}">
+                      <a16:colId xmlns:a16="http://schemas.microsoft.com/office/drawing/2014/main" val="3860824770"/>
+                    </a:ext>
+                  </a:extLst>
+                </a:gridCol>
+                <a:gridCol w="685800">
+                  <a:extLst>
+                    <a:ext uri="{9D8B030D-6E8A-4147-A177-3AD203B41FA5}">
+                      <a16:colId xmlns:a16="http://schemas.microsoft.com/office/drawing/2014/main" val="111639693"/>
+                    </a:ext>
+                  </a:extLst>
+                </a:gridCol>
+                <a:gridCol w="685800">
+                  <a:extLst>
+                    <a:ext uri="{9D8B030D-6E8A-4147-A177-3AD203B41FA5}">
+                      <a16:colId xmlns:a16="http://schemas.microsoft.com/office/drawing/2014/main" val="3746120259"/>
+                    </a:ext>
+                  </a:extLst>
+                </a:gridCol>
+                <a:gridCol w="685800">
+                  <a:extLst>
+                    <a:ext uri="{9D8B030D-6E8A-4147-A177-3AD203B41FA5}">
+                      <a16:colId xmlns:a16="http://schemas.microsoft.com/office/drawing/2014/main" val="2259799120"/>
+                    </a:ext>
+                  </a:extLst>
+                </a:gridCol>
+                <a:gridCol w="685800">
+                  <a:extLst>
+                    <a:ext uri="{9D8B030D-6E8A-4147-A177-3AD203B41FA5}">
+                      <a16:colId xmlns:a16="http://schemas.microsoft.com/office/drawing/2014/main" val="3932506418"/>
+                    </a:ext>
+                  </a:extLst>
+                </a:gridCol>
+                <a:gridCol w="685800">
+                  <a:extLst>
+                    <a:ext uri="{9D8B030D-6E8A-4147-A177-3AD203B41FA5}">
+                      <a16:colId xmlns:a16="http://schemas.microsoft.com/office/drawing/2014/main" val="2766684803"/>
+                    </a:ext>
+                  </a:extLst>
+                </a:gridCol>
+                <a:gridCol w="685800">
+                  <a:extLst>
+                    <a:ext uri="{9D8B030D-6E8A-4147-A177-3AD203B41FA5}">
+                      <a16:colId xmlns:a16="http://schemas.microsoft.com/office/drawing/2014/main" val="4162668359"/>
+                    </a:ext>
+                  </a:extLst>
+                </a:gridCol>
+                <a:gridCol w="685800">
+                  <a:extLst>
+                    <a:ext uri="{9D8B030D-6E8A-4147-A177-3AD203B41FA5}">
+                      <a16:colId xmlns:a16="http://schemas.microsoft.com/office/drawing/2014/main" val="3779488372"/>
+                    </a:ext>
+                  </a:extLst>
+                </a:gridCol>
+              </a:tblGrid>
+              <a:tr h="685800">
+                <a:tc>
+                  <a:txBody>
+                    <a:bodyPr/>
+                    <a:lstStyle/>
+                    <a:p>
+                      <a:endParaRPr lang="en-US" sz="800" dirty="0"/>
+                    </a:p>
+                  </a:txBody>
+                  <a:tcPr>
+                    <a:lnL w="38100" cap="flat" cmpd="sng" algn="ctr">
+                      <a:solidFill>
+                        <a:schemeClr val="tx1"/>
+                      </a:solidFill>
+                      <a:prstDash val="sysDot"/>
+                      <a:round/>
+                      <a:headEnd type="none" w="med" len="med"/>
+                      <a:tailEnd type="none" w="med" len="med"/>
+                    </a:lnL>
+                    <a:lnR w="38100" cap="flat" cmpd="sng" algn="ctr">
+                      <a:solidFill>
+                        <a:schemeClr val="tx1"/>
+                      </a:solidFill>
+                      <a:prstDash val="sysDot"/>
+                      <a:round/>
+                      <a:headEnd type="none" w="med" len="med"/>
+                      <a:tailEnd type="none" w="med" len="med"/>
+                    </a:lnR>
+                    <a:lnT w="38100" cap="flat" cmpd="sng" algn="ctr">
+                      <a:solidFill>
+                        <a:schemeClr val="tx1"/>
+                      </a:solidFill>
+                      <a:prstDash val="sysDot"/>
+                      <a:round/>
+                      <a:headEnd type="none" w="med" len="med"/>
+                      <a:tailEnd type="none" w="med" len="med"/>
+                    </a:lnT>
+                    <a:lnB w="38100" cap="flat" cmpd="sng" algn="ctr">
+                      <a:solidFill>
+                        <a:schemeClr val="tx1"/>
+                      </a:solidFill>
+                      <a:prstDash val="sysDot"/>
+                      <a:round/>
+                      <a:headEnd type="none" w="med" len="med"/>
+                      <a:tailEnd type="none" w="med" len="med"/>
+                    </a:lnB>
+                    <a:lnTlToBr w="12700" cmpd="sng">
+                      <a:noFill/>
+                      <a:prstDash val="solid"/>
+                    </a:lnTlToBr>
+                    <a:lnBlToTr w="12700" cmpd="sng">
+                      <a:noFill/>
+                      <a:prstDash val="solid"/>
+                    </a:lnBlToTr>
+                    <a:noFill/>
+                  </a:tcPr>
+                </a:tc>
+                <a:tc>
+                  <a:txBody>
+                    <a:bodyPr/>
+                    <a:lstStyle/>
+                    <a:p>
+                      <a:endParaRPr lang="en-US" sz="800" dirty="0"/>
+                    </a:p>
+                  </a:txBody>
+                  <a:tcPr>
+                    <a:lnL w="38100" cap="flat" cmpd="sng" algn="ctr">
+                      <a:solidFill>
+                        <a:schemeClr val="tx1"/>
+                      </a:solidFill>
+                      <a:prstDash val="sysDot"/>
+                      <a:round/>
+                      <a:headEnd type="none" w="med" len="med"/>
+                      <a:tailEnd type="none" w="med" len="med"/>
+                    </a:lnL>
+                    <a:lnR w="38100" cap="flat" cmpd="sng" algn="ctr">
+                      <a:solidFill>
+                        <a:schemeClr val="tx1"/>
+                      </a:solidFill>
+                      <a:prstDash val="sysDot"/>
+                      <a:round/>
+                      <a:headEnd type="none" w="med" len="med"/>
+                      <a:tailEnd type="none" w="med" len="med"/>
+                    </a:lnR>
+                    <a:lnT w="38100" cap="flat" cmpd="sng" algn="ctr">
+                      <a:solidFill>
+                        <a:schemeClr val="tx1"/>
+                      </a:solidFill>
+                      <a:prstDash val="sysDot"/>
+                      <a:round/>
+                      <a:headEnd type="none" w="med" len="med"/>
+                      <a:tailEnd type="none" w="med" len="med"/>
+                    </a:lnT>
+                    <a:lnB w="38100" cap="flat" cmpd="sng" algn="ctr">
+                      <a:solidFill>
+                        <a:schemeClr val="tx1"/>
+                      </a:solidFill>
+                      <a:prstDash val="sysDot"/>
+                      <a:round/>
+                      <a:headEnd type="none" w="med" len="med"/>
+                      <a:tailEnd type="none" w="med" len="med"/>
+                    </a:lnB>
+                    <a:lnTlToBr w="12700" cmpd="sng">
+                      <a:noFill/>
+                      <a:prstDash val="solid"/>
+                    </a:lnTlToBr>
+                    <a:lnBlToTr w="12700" cmpd="sng">
+                      <a:noFill/>
+                      <a:prstDash val="solid"/>
+                    </a:lnBlToTr>
+                    <a:solidFill>
+                      <a:schemeClr val="bg2">
+                        <a:lumMod val="90000"/>
+                      </a:schemeClr>
+                    </a:solidFill>
+                  </a:tcPr>
+                </a:tc>
+                <a:tc>
+                  <a:txBody>
+                    <a:bodyPr/>
+                    <a:lstStyle/>
+                    <a:p>
+                      <a:endParaRPr lang="en-US" sz="800" dirty="0"/>
+                    </a:p>
+                  </a:txBody>
+                  <a:tcPr>
+                    <a:lnL w="38100" cap="flat" cmpd="sng" algn="ctr">
+                      <a:solidFill>
+                        <a:schemeClr val="tx1"/>
+                      </a:solidFill>
+                      <a:prstDash val="sysDot"/>
+                      <a:round/>
+                      <a:headEnd type="none" w="med" len="med"/>
+                      <a:tailEnd type="none" w="med" len="med"/>
+                    </a:lnL>
+                    <a:lnR w="38100" cap="flat" cmpd="sng" algn="ctr">
+                      <a:solidFill>
+                        <a:schemeClr val="tx1"/>
+                      </a:solidFill>
+                      <a:prstDash val="sysDot"/>
+                      <a:round/>
+                      <a:headEnd type="none" w="med" len="med"/>
+                      <a:tailEnd type="none" w="med" len="med"/>
+                    </a:lnR>
+                    <a:lnT w="38100" cap="flat" cmpd="sng" algn="ctr">
+                      <a:solidFill>
+                        <a:schemeClr val="tx1"/>
+                      </a:solidFill>
+                      <a:prstDash val="sysDot"/>
+                      <a:round/>
+                      <a:headEnd type="none" w="med" len="med"/>
+                      <a:tailEnd type="none" w="med" len="med"/>
+                    </a:lnT>
+                    <a:lnB w="38100" cap="flat" cmpd="sng" algn="ctr">
+                      <a:solidFill>
+                        <a:schemeClr val="tx1"/>
+                      </a:solidFill>
+                      <a:prstDash val="sysDot"/>
+                      <a:round/>
+                      <a:headEnd type="none" w="med" len="med"/>
+                      <a:tailEnd type="none" w="med" len="med"/>
+                    </a:lnB>
+                    <a:lnTlToBr w="12700" cmpd="sng">
+                      <a:noFill/>
+                      <a:prstDash val="solid"/>
+                    </a:lnTlToBr>
+                    <a:lnBlToTr w="12700" cmpd="sng">
+                      <a:noFill/>
+                      <a:prstDash val="solid"/>
+                    </a:lnBlToTr>
+                    <a:noFill/>
+                  </a:tcPr>
+                </a:tc>
+                <a:tc>
+                  <a:txBody>
+                    <a:bodyPr/>
+                    <a:lstStyle/>
+                    <a:p>
+                      <a:endParaRPr lang="en-US" sz="800" dirty="0"/>
+                    </a:p>
+                  </a:txBody>
+                  <a:tcPr>
+                    <a:lnL w="38100" cap="flat" cmpd="sng" algn="ctr">
+                      <a:solidFill>
+                        <a:schemeClr val="tx1"/>
+                      </a:solidFill>
+                      <a:prstDash val="sysDot"/>
+                      <a:round/>
+                      <a:headEnd type="none" w="med" len="med"/>
+                      <a:tailEnd type="none" w="med" len="med"/>
+                    </a:lnL>
+                    <a:lnR w="38100" cap="flat" cmpd="sng" algn="ctr">
+                      <a:solidFill>
+                        <a:schemeClr val="tx1"/>
+                      </a:solidFill>
+                      <a:prstDash val="sysDot"/>
+                      <a:round/>
+                      <a:headEnd type="none" w="med" len="med"/>
+                      <a:tailEnd type="none" w="med" len="med"/>
+                    </a:lnR>
+                    <a:lnT w="38100" cap="flat" cmpd="sng" algn="ctr">
+                      <a:solidFill>
+                        <a:schemeClr val="tx1"/>
+                      </a:solidFill>
+                      <a:prstDash val="sysDot"/>
+                      <a:round/>
+                      <a:headEnd type="none" w="med" len="med"/>
+                      <a:tailEnd type="none" w="med" len="med"/>
+                    </a:lnT>
+                    <a:lnB w="38100" cap="flat" cmpd="sng" algn="ctr">
+                      <a:solidFill>
+                        <a:schemeClr val="tx1"/>
+                      </a:solidFill>
+                      <a:prstDash val="sysDot"/>
+                      <a:round/>
+                      <a:headEnd type="none" w="med" len="med"/>
+                      <a:tailEnd type="none" w="med" len="med"/>
+                    </a:lnB>
+                    <a:lnTlToBr w="12700" cmpd="sng">
+                      <a:noFill/>
+                      <a:prstDash val="solid"/>
+                    </a:lnTlToBr>
+                    <a:lnBlToTr w="12700" cmpd="sng">
+                      <a:noFill/>
+                      <a:prstDash val="solid"/>
+                    </a:lnBlToTr>
+                    <a:solidFill>
+                      <a:schemeClr val="bg2">
+                        <a:lumMod val="90000"/>
+                      </a:schemeClr>
+                    </a:solidFill>
+                  </a:tcPr>
+                </a:tc>
+                <a:tc>
+                  <a:txBody>
+                    <a:bodyPr/>
+                    <a:lstStyle/>
+                    <a:p>
+                      <a:endParaRPr lang="en-US" sz="800" dirty="0"/>
+                    </a:p>
+                  </a:txBody>
+                  <a:tcPr>
+                    <a:lnL w="38100" cap="flat" cmpd="sng" algn="ctr">
+                      <a:solidFill>
+                        <a:schemeClr val="tx1"/>
+                      </a:solidFill>
+                      <a:prstDash val="sysDot"/>
+                      <a:round/>
+                      <a:headEnd type="none" w="med" len="med"/>
+                      <a:tailEnd type="none" w="med" len="med"/>
+                    </a:lnL>
+                    <a:lnR w="38100" cap="flat" cmpd="sng" algn="ctr">
+                      <a:solidFill>
+                        <a:schemeClr val="tx1"/>
+                      </a:solidFill>
+                      <a:prstDash val="sysDot"/>
+                      <a:round/>
+                      <a:headEnd type="none" w="med" len="med"/>
+                      <a:tailEnd type="none" w="med" len="med"/>
+                    </a:lnR>
+                    <a:lnT w="38100" cap="flat" cmpd="sng" algn="ctr">
+                      <a:solidFill>
+                        <a:schemeClr val="tx1"/>
+                      </a:solidFill>
+                      <a:prstDash val="sysDot"/>
+                      <a:round/>
+                      <a:headEnd type="none" w="med" len="med"/>
+                      <a:tailEnd type="none" w="med" len="med"/>
+                    </a:lnT>
+                    <a:lnB w="38100" cap="flat" cmpd="sng" algn="ctr">
+                      <a:solidFill>
+                        <a:schemeClr val="tx1"/>
+                      </a:solidFill>
+                      <a:prstDash val="sysDot"/>
+                      <a:round/>
+                      <a:headEnd type="none" w="med" len="med"/>
+                      <a:tailEnd type="none" w="med" len="med"/>
+                    </a:lnB>
+                    <a:lnTlToBr w="12700" cmpd="sng">
+                      <a:noFill/>
+                      <a:prstDash val="solid"/>
+                    </a:lnTlToBr>
+                    <a:lnBlToTr w="12700" cmpd="sng">
+                      <a:noFill/>
+                      <a:prstDash val="solid"/>
+                    </a:lnBlToTr>
+                    <a:noFill/>
+                  </a:tcPr>
+                </a:tc>
+                <a:tc>
+                  <a:txBody>
+                    <a:bodyPr/>
+                    <a:lstStyle/>
+                    <a:p>
+                      <a:endParaRPr lang="en-US" sz="800" dirty="0"/>
+                    </a:p>
+                  </a:txBody>
+                  <a:tcPr>
+                    <a:lnL w="38100" cap="flat" cmpd="sng" algn="ctr">
+                      <a:solidFill>
+                        <a:schemeClr val="tx1"/>
+                      </a:solidFill>
+                      <a:prstDash val="sysDot"/>
+                      <a:round/>
+                      <a:headEnd type="none" w="med" len="med"/>
+                      <a:tailEnd type="none" w="med" len="med"/>
+                    </a:lnL>
+                    <a:lnR w="38100" cap="flat" cmpd="sng" algn="ctr">
+                      <a:solidFill>
+                        <a:schemeClr val="tx1"/>
+                      </a:solidFill>
+                      <a:prstDash val="sysDot"/>
+                      <a:round/>
+                      <a:headEnd type="none" w="med" len="med"/>
+                      <a:tailEnd type="none" w="med" len="med"/>
+                    </a:lnR>
+                    <a:lnT w="38100" cap="flat" cmpd="sng" algn="ctr">
+                      <a:solidFill>
+                        <a:schemeClr val="tx1"/>
+                      </a:solidFill>
+                      <a:prstDash val="sysDot"/>
+                      <a:round/>
+                      <a:headEnd type="none" w="med" len="med"/>
+                      <a:tailEnd type="none" w="med" len="med"/>
+                    </a:lnT>
+                    <a:lnB w="38100" cap="flat" cmpd="sng" algn="ctr">
+                      <a:solidFill>
+                        <a:schemeClr val="tx1"/>
+                      </a:solidFill>
+                      <a:prstDash val="sysDot"/>
+                      <a:round/>
+                      <a:headEnd type="none" w="med" len="med"/>
+                      <a:tailEnd type="none" w="med" len="med"/>
+                    </a:lnB>
+                    <a:lnTlToBr w="12700" cmpd="sng">
+                      <a:noFill/>
+                      <a:prstDash val="solid"/>
+                    </a:lnTlToBr>
+                    <a:lnBlToTr w="12700" cmpd="sng">
+                      <a:noFill/>
+                      <a:prstDash val="solid"/>
+                    </a:lnBlToTr>
+                    <a:solidFill>
+                      <a:schemeClr val="bg2">
+                        <a:lumMod val="90000"/>
+                      </a:schemeClr>
+                    </a:solidFill>
+                  </a:tcPr>
+                </a:tc>
+                <a:tc>
+                  <a:txBody>
+                    <a:bodyPr/>
+                    <a:lstStyle/>
+                    <a:p>
+                      <a:endParaRPr lang="en-US" sz="800" dirty="0"/>
+                    </a:p>
+                  </a:txBody>
+                  <a:tcPr>
+                    <a:lnL w="38100" cap="flat" cmpd="sng" algn="ctr">
+                      <a:solidFill>
+                        <a:schemeClr val="tx1"/>
+                      </a:solidFill>
+                      <a:prstDash val="sysDot"/>
+                      <a:round/>
+                      <a:headEnd type="none" w="med" len="med"/>
+                      <a:tailEnd type="none" w="med" len="med"/>
+                    </a:lnL>
+                    <a:lnR w="38100" cap="flat" cmpd="sng" algn="ctr">
+                      <a:solidFill>
+                        <a:schemeClr val="tx1"/>
+                      </a:solidFill>
+                      <a:prstDash val="sysDot"/>
+                      <a:round/>
+                      <a:headEnd type="none" w="med" len="med"/>
+                      <a:tailEnd type="none" w="med" len="med"/>
+                    </a:lnR>
+                    <a:lnT w="38100" cap="flat" cmpd="sng" algn="ctr">
+                      <a:solidFill>
+                        <a:schemeClr val="tx1"/>
+                      </a:solidFill>
+                      <a:prstDash val="sysDot"/>
+                      <a:round/>
+                      <a:headEnd type="none" w="med" len="med"/>
+                      <a:tailEnd type="none" w="med" len="med"/>
+                    </a:lnT>
+                    <a:lnB w="38100" cap="flat" cmpd="sng" algn="ctr">
+                      <a:solidFill>
+                        <a:schemeClr val="tx1"/>
+                      </a:solidFill>
+                      <a:prstDash val="sysDot"/>
+                      <a:round/>
+                      <a:headEnd type="none" w="med" len="med"/>
+                      <a:tailEnd type="none" w="med" len="med"/>
+                    </a:lnB>
+                    <a:lnTlToBr w="12700" cmpd="sng">
+                      <a:noFill/>
+                      <a:prstDash val="solid"/>
+                    </a:lnTlToBr>
+                    <a:lnBlToTr w="12700" cmpd="sng">
+                      <a:noFill/>
+                      <a:prstDash val="solid"/>
+                    </a:lnBlToTr>
+                    <a:noFill/>
+                  </a:tcPr>
+                </a:tc>
+                <a:tc>
+                  <a:txBody>
+                    <a:bodyPr/>
+                    <a:lstStyle/>
+                    <a:p>
+                      <a:endParaRPr lang="en-US" sz="800" dirty="0"/>
+                    </a:p>
+                  </a:txBody>
+                  <a:tcPr>
+                    <a:lnL w="38100" cap="flat" cmpd="sng" algn="ctr">
+                      <a:solidFill>
+                        <a:schemeClr val="tx1"/>
+                      </a:solidFill>
+                      <a:prstDash val="sysDot"/>
+                      <a:round/>
+                      <a:headEnd type="none" w="med" len="med"/>
+                      <a:tailEnd type="none" w="med" len="med"/>
+                    </a:lnL>
+                    <a:lnR w="38100" cap="flat" cmpd="sng" algn="ctr">
+                      <a:solidFill>
+                        <a:schemeClr val="tx1"/>
+                      </a:solidFill>
+                      <a:prstDash val="sysDot"/>
+                      <a:round/>
+                      <a:headEnd type="none" w="med" len="med"/>
+                      <a:tailEnd type="none" w="med" len="med"/>
+                    </a:lnR>
+                    <a:lnT w="38100" cap="flat" cmpd="sng" algn="ctr">
+                      <a:solidFill>
+                        <a:schemeClr val="tx1"/>
+                      </a:solidFill>
+                      <a:prstDash val="sysDot"/>
+                      <a:round/>
+                      <a:headEnd type="none" w="med" len="med"/>
+                      <a:tailEnd type="none" w="med" len="med"/>
+                    </a:lnT>
+                    <a:lnB w="38100" cap="flat" cmpd="sng" algn="ctr">
+                      <a:solidFill>
+                        <a:schemeClr val="tx1"/>
+                      </a:solidFill>
+                      <a:prstDash val="sysDot"/>
+                      <a:round/>
+                      <a:headEnd type="none" w="med" len="med"/>
+                      <a:tailEnd type="none" w="med" len="med"/>
+                    </a:lnB>
+                    <a:lnTlToBr w="12700" cmpd="sng">
+                      <a:noFill/>
+                      <a:prstDash val="solid"/>
+                    </a:lnTlToBr>
+                    <a:lnBlToTr w="12700" cmpd="sng">
+                      <a:noFill/>
+                      <a:prstDash val="solid"/>
+                    </a:lnBlToTr>
+                    <a:solidFill>
+                      <a:schemeClr val="bg2">
+                        <a:lumMod val="90000"/>
+                      </a:schemeClr>
+                    </a:solidFill>
+                  </a:tcPr>
+                </a:tc>
+                <a:extLst>
+                  <a:ext uri="{0D108BD9-81ED-4DB2-BD59-A6C34878D82A}">
+                    <a16:rowId xmlns:a16="http://schemas.microsoft.com/office/drawing/2014/main" val="1696216313"/>
+                  </a:ext>
+                </a:extLst>
+              </a:tr>
+              <a:tr h="685800">
+                <a:tc>
+                  <a:txBody>
+                    <a:bodyPr/>
+                    <a:lstStyle/>
+                    <a:p>
+                      <a:endParaRPr lang="en-US" sz="800" dirty="0"/>
+                    </a:p>
+                  </a:txBody>
+                  <a:tcPr>
+                    <a:lnL w="38100" cap="flat" cmpd="sng" algn="ctr">
+                      <a:solidFill>
+                        <a:schemeClr val="tx1"/>
+                      </a:solidFill>
+                      <a:prstDash val="sysDot"/>
+                      <a:round/>
+                      <a:headEnd type="none" w="med" len="med"/>
+                      <a:tailEnd type="none" w="med" len="med"/>
+                    </a:lnL>
+                    <a:lnR w="38100" cap="flat" cmpd="sng" algn="ctr">
+                      <a:solidFill>
+                        <a:schemeClr val="tx1"/>
+                      </a:solidFill>
+                      <a:prstDash val="sysDot"/>
+                      <a:round/>
+                      <a:headEnd type="none" w="med" len="med"/>
+                      <a:tailEnd type="none" w="med" len="med"/>
+                    </a:lnR>
+                    <a:lnT w="38100" cap="flat" cmpd="sng" algn="ctr">
+                      <a:solidFill>
+                        <a:schemeClr val="tx1"/>
+                      </a:solidFill>
+                      <a:prstDash val="sysDot"/>
+                      <a:round/>
+                      <a:headEnd type="none" w="med" len="med"/>
+                      <a:tailEnd type="none" w="med" len="med"/>
+                    </a:lnT>
+                    <a:lnB w="38100" cap="flat" cmpd="sng" algn="ctr">
+                      <a:solidFill>
+                        <a:schemeClr val="tx1"/>
+                      </a:solidFill>
+                      <a:prstDash val="sysDot"/>
+                      <a:round/>
+                      <a:headEnd type="none" w="med" len="med"/>
+                      <a:tailEnd type="none" w="med" len="med"/>
+                    </a:lnB>
+                    <a:lnTlToBr w="12700" cmpd="sng">
+                      <a:noFill/>
+                      <a:prstDash val="solid"/>
+                    </a:lnTlToBr>
+                    <a:lnBlToTr w="12700" cmpd="sng">
+                      <a:noFill/>
+                      <a:prstDash val="solid"/>
+                    </a:lnBlToTr>
+                    <a:solidFill>
+                      <a:schemeClr val="bg2">
+                        <a:lumMod val="90000"/>
+                      </a:schemeClr>
+                    </a:solidFill>
+                  </a:tcPr>
+                </a:tc>
+                <a:tc>
+                  <a:txBody>
+                    <a:bodyPr/>
+                    <a:lstStyle/>
+                    <a:p>
+                      <a:endParaRPr lang="en-US" sz="800" dirty="0"/>
+                    </a:p>
+                  </a:txBody>
+                  <a:tcPr>
+                    <a:lnL w="38100" cap="flat" cmpd="sng" algn="ctr">
+                      <a:solidFill>
+                        <a:schemeClr val="tx1"/>
+                      </a:solidFill>
+                      <a:prstDash val="sysDot"/>
+                      <a:round/>
+                      <a:headEnd type="none" w="med" len="med"/>
+                      <a:tailEnd type="none" w="med" len="med"/>
+                    </a:lnL>
+                    <a:lnR w="38100" cap="flat" cmpd="sng" algn="ctr">
+                      <a:solidFill>
+                        <a:schemeClr val="tx1"/>
+                      </a:solidFill>
+                      <a:prstDash val="sysDot"/>
+                      <a:round/>
+                      <a:headEnd type="none" w="med" len="med"/>
+                      <a:tailEnd type="none" w="med" len="med"/>
+                    </a:lnR>
+                    <a:lnT w="38100" cap="flat" cmpd="sng" algn="ctr">
+                      <a:solidFill>
+                        <a:schemeClr val="tx1"/>
+                      </a:solidFill>
+                      <a:prstDash val="sysDot"/>
+                      <a:round/>
+                      <a:headEnd type="none" w="med" len="med"/>
+                      <a:tailEnd type="none" w="med" len="med"/>
+                    </a:lnT>
+                    <a:lnB w="38100" cap="flat" cmpd="sng" algn="ctr">
+                      <a:solidFill>
+                        <a:schemeClr val="tx1"/>
+                      </a:solidFill>
+                      <a:prstDash val="sysDot"/>
+                      <a:round/>
+                      <a:headEnd type="none" w="med" len="med"/>
+                      <a:tailEnd type="none" w="med" len="med"/>
+                    </a:lnB>
+                    <a:lnTlToBr w="12700" cmpd="sng">
+                      <a:noFill/>
+                      <a:prstDash val="solid"/>
+                    </a:lnTlToBr>
+                    <a:lnBlToTr w="12700" cmpd="sng">
+                      <a:noFill/>
+                      <a:prstDash val="solid"/>
+                    </a:lnBlToTr>
+                    <a:noFill/>
+                  </a:tcPr>
+                </a:tc>
+                <a:tc>
+                  <a:txBody>
+                    <a:bodyPr/>
+                    <a:lstStyle/>
+                    <a:p>
+                      <a:endParaRPr lang="en-US" sz="800" dirty="0"/>
+                    </a:p>
+                  </a:txBody>
+                  <a:tcPr>
+                    <a:lnL w="38100" cap="flat" cmpd="sng" algn="ctr">
+                      <a:solidFill>
+                        <a:schemeClr val="tx1"/>
+                      </a:solidFill>
+                      <a:prstDash val="sysDot"/>
+                      <a:round/>
+                      <a:headEnd type="none" w="med" len="med"/>
+                      <a:tailEnd type="none" w="med" len="med"/>
+                    </a:lnL>
+                    <a:lnR w="38100" cap="flat" cmpd="sng" algn="ctr">
+                      <a:solidFill>
+                        <a:schemeClr val="tx1"/>
+                      </a:solidFill>
+                      <a:prstDash val="sysDot"/>
+                      <a:round/>
+                      <a:headEnd type="none" w="med" len="med"/>
+                      <a:tailEnd type="none" w="med" len="med"/>
+                    </a:lnR>
+                    <a:lnT w="38100" cap="flat" cmpd="sng" algn="ctr">
+                      <a:solidFill>
+                        <a:schemeClr val="tx1"/>
+                      </a:solidFill>
+                      <a:prstDash val="sysDot"/>
+                      <a:round/>
+                      <a:headEnd type="none" w="med" len="med"/>
+                      <a:tailEnd type="none" w="med" len="med"/>
+                    </a:lnT>
+                    <a:lnB w="38100" cap="flat" cmpd="sng" algn="ctr">
+                      <a:solidFill>
+                        <a:schemeClr val="tx1"/>
+                      </a:solidFill>
+                      <a:prstDash val="sysDot"/>
+                      <a:round/>
+                      <a:headEnd type="none" w="med" len="med"/>
+                      <a:tailEnd type="none" w="med" len="med"/>
+                    </a:lnB>
+                    <a:lnTlToBr w="12700" cmpd="sng">
+                      <a:noFill/>
+                      <a:prstDash val="solid"/>
+                    </a:lnTlToBr>
+                    <a:lnBlToTr w="12700" cmpd="sng">
+                      <a:noFill/>
+                      <a:prstDash val="solid"/>
+                    </a:lnBlToTr>
+                    <a:solidFill>
+                      <a:schemeClr val="bg2">
+                        <a:lumMod val="90000"/>
+                      </a:schemeClr>
+                    </a:solidFill>
+                  </a:tcPr>
+                </a:tc>
+                <a:tc>
+                  <a:txBody>
+                    <a:bodyPr/>
+                    <a:lstStyle/>
+                    <a:p>
+                      <a:endParaRPr lang="en-US" sz="800" dirty="0"/>
+                    </a:p>
+                  </a:txBody>
+                  <a:tcPr>
+                    <a:lnL w="38100" cap="flat" cmpd="sng" algn="ctr">
+                      <a:solidFill>
+                        <a:schemeClr val="tx1"/>
+                      </a:solidFill>
+                      <a:prstDash val="sysDot"/>
+                      <a:round/>
+                      <a:headEnd type="none" w="med" len="med"/>
+                      <a:tailEnd type="none" w="med" len="med"/>
+                    </a:lnL>
+                    <a:lnR w="38100" cap="flat" cmpd="sng" algn="ctr">
+                      <a:solidFill>
+                        <a:schemeClr val="tx1"/>
+                      </a:solidFill>
+                      <a:prstDash val="sysDot"/>
+                      <a:round/>
+                      <a:headEnd type="none" w="med" len="med"/>
+                      <a:tailEnd type="none" w="med" len="med"/>
+                    </a:lnR>
+                    <a:lnT w="38100" cap="flat" cmpd="sng" algn="ctr">
+                      <a:solidFill>
+                        <a:schemeClr val="tx1"/>
+                      </a:solidFill>
+                      <a:prstDash val="sysDot"/>
+                      <a:round/>
+                      <a:headEnd type="none" w="med" len="med"/>
+                      <a:tailEnd type="none" w="med" len="med"/>
+                    </a:lnT>
+                    <a:lnB w="38100" cap="flat" cmpd="sng" algn="ctr">
+                      <a:solidFill>
+                        <a:schemeClr val="tx1"/>
+                      </a:solidFill>
+                      <a:prstDash val="sysDot"/>
+                      <a:round/>
+                      <a:headEnd type="none" w="med" len="med"/>
+                      <a:tailEnd type="none" w="med" len="med"/>
+                    </a:lnB>
+                    <a:lnTlToBr w="12700" cmpd="sng">
+                      <a:noFill/>
+                      <a:prstDash val="solid"/>
+                    </a:lnTlToBr>
+                    <a:lnBlToTr w="12700" cmpd="sng">
+                      <a:noFill/>
+                      <a:prstDash val="solid"/>
+                    </a:lnBlToTr>
+                    <a:noFill/>
+                  </a:tcPr>
+                </a:tc>
+                <a:tc>
+                  <a:txBody>
+                    <a:bodyPr/>
+                    <a:lstStyle/>
+                    <a:p>
+                      <a:endParaRPr lang="en-US" sz="800" dirty="0"/>
+                    </a:p>
+                  </a:txBody>
+                  <a:tcPr>
+                    <a:lnL w="38100" cap="flat" cmpd="sng" algn="ctr">
+                      <a:solidFill>
+                        <a:schemeClr val="tx1"/>
+                      </a:solidFill>
+                      <a:prstDash val="sysDot"/>
+                      <a:round/>
+                      <a:headEnd type="none" w="med" len="med"/>
+                      <a:tailEnd type="none" w="med" len="med"/>
+                    </a:lnL>
+                    <a:lnR w="38100" cap="flat" cmpd="sng" algn="ctr">
+                      <a:solidFill>
+                        <a:schemeClr val="tx1"/>
+                      </a:solidFill>
+                      <a:prstDash val="sysDot"/>
+                      <a:round/>
+                      <a:headEnd type="none" w="med" len="med"/>
+                      <a:tailEnd type="none" w="med" len="med"/>
+                    </a:lnR>
+                    <a:lnT w="38100" cap="flat" cmpd="sng" algn="ctr">
+                      <a:solidFill>
+                        <a:schemeClr val="tx1"/>
+                      </a:solidFill>
+                      <a:prstDash val="sysDot"/>
+                      <a:round/>
+                      <a:headEnd type="none" w="med" len="med"/>
+                      <a:tailEnd type="none" w="med" len="med"/>
+                    </a:lnT>
+                    <a:lnB w="38100" cap="flat" cmpd="sng" algn="ctr">
+                      <a:solidFill>
+                        <a:schemeClr val="tx1"/>
+                      </a:solidFill>
+                      <a:prstDash val="sysDot"/>
+                      <a:round/>
+                      <a:headEnd type="none" w="med" len="med"/>
+                      <a:tailEnd type="none" w="med" len="med"/>
+                    </a:lnB>
+                    <a:lnTlToBr w="12700" cmpd="sng">
+                      <a:noFill/>
+                      <a:prstDash val="solid"/>
+                    </a:lnTlToBr>
+                    <a:lnBlToTr w="12700" cmpd="sng">
+                      <a:noFill/>
+                      <a:prstDash val="solid"/>
+                    </a:lnBlToTr>
+                    <a:solidFill>
+                      <a:schemeClr val="bg2">
+                        <a:lumMod val="90000"/>
+                      </a:schemeClr>
+                    </a:solidFill>
+                  </a:tcPr>
+                </a:tc>
+                <a:tc>
+                  <a:txBody>
+                    <a:bodyPr/>
+                    <a:lstStyle/>
+                    <a:p>
+                      <a:endParaRPr lang="en-US" sz="800" dirty="0"/>
+                    </a:p>
+                  </a:txBody>
+                  <a:tcPr>
+                    <a:lnL w="38100" cap="flat" cmpd="sng" algn="ctr">
+                      <a:solidFill>
+                        <a:schemeClr val="tx1"/>
+                      </a:solidFill>
+                      <a:prstDash val="sysDot"/>
+                      <a:round/>
+                      <a:headEnd type="none" w="med" len="med"/>
+                      <a:tailEnd type="none" w="med" len="med"/>
+                    </a:lnL>
+                    <a:lnR w="38100" cap="flat" cmpd="sng" algn="ctr">
+                      <a:solidFill>
+                        <a:schemeClr val="tx1"/>
+                      </a:solidFill>
+                      <a:prstDash val="sysDot"/>
+                      <a:round/>
+                      <a:headEnd type="none" w="med" len="med"/>
+                      <a:tailEnd type="none" w="med" len="med"/>
+                    </a:lnR>
+                    <a:lnT w="38100" cap="flat" cmpd="sng" algn="ctr">
+                      <a:solidFill>
+                        <a:schemeClr val="tx1"/>
+                      </a:solidFill>
+                      <a:prstDash val="sysDot"/>
+                      <a:round/>
+                      <a:headEnd type="none" w="med" len="med"/>
+                      <a:tailEnd type="none" w="med" len="med"/>
+                    </a:lnT>
+                    <a:lnB w="38100" cap="flat" cmpd="sng" algn="ctr">
+                      <a:solidFill>
+                        <a:schemeClr val="tx1"/>
+                      </a:solidFill>
+                      <a:prstDash val="sysDot"/>
+                      <a:round/>
+                      <a:headEnd type="none" w="med" len="med"/>
+                      <a:tailEnd type="none" w="med" len="med"/>
+                    </a:lnB>
+                    <a:lnTlToBr w="12700" cmpd="sng">
+                      <a:noFill/>
+                      <a:prstDash val="solid"/>
+                    </a:lnTlToBr>
+                    <a:lnBlToTr w="12700" cmpd="sng">
+                      <a:noFill/>
+                      <a:prstDash val="solid"/>
+                    </a:lnBlToTr>
+                    <a:noFill/>
+                  </a:tcPr>
+                </a:tc>
+                <a:tc>
+                  <a:txBody>
+                    <a:bodyPr/>
+                    <a:lstStyle/>
+                    <a:p>
+                      <a:endParaRPr lang="en-US" sz="800" dirty="0"/>
+                    </a:p>
+                  </a:txBody>
+                  <a:tcPr>
+                    <a:lnL w="38100" cap="flat" cmpd="sng" algn="ctr">
+                      <a:solidFill>
+                        <a:schemeClr val="tx1"/>
+                      </a:solidFill>
+                      <a:prstDash val="sysDot"/>
+                      <a:round/>
+                      <a:headEnd type="none" w="med" len="med"/>
+                      <a:tailEnd type="none" w="med" len="med"/>
+                    </a:lnL>
+                    <a:lnR w="38100" cap="flat" cmpd="sng" algn="ctr">
+                      <a:solidFill>
+                        <a:schemeClr val="tx1"/>
+                      </a:solidFill>
+                      <a:prstDash val="sysDot"/>
+                      <a:round/>
+                      <a:headEnd type="none" w="med" len="med"/>
+                      <a:tailEnd type="none" w="med" len="med"/>
+                    </a:lnR>
+                    <a:lnT w="38100" cap="flat" cmpd="sng" algn="ctr">
+                      <a:solidFill>
+                        <a:schemeClr val="tx1"/>
+                      </a:solidFill>
+                      <a:prstDash val="sysDot"/>
+                      <a:round/>
+                      <a:headEnd type="none" w="med" len="med"/>
+                      <a:tailEnd type="none" w="med" len="med"/>
+                    </a:lnT>
+                    <a:lnB w="38100" cap="flat" cmpd="sng" algn="ctr">
+                      <a:solidFill>
+                        <a:schemeClr val="tx1"/>
+                      </a:solidFill>
+                      <a:prstDash val="sysDot"/>
+                      <a:round/>
+                      <a:headEnd type="none" w="med" len="med"/>
+                      <a:tailEnd type="none" w="med" len="med"/>
+                    </a:lnB>
+                    <a:lnTlToBr w="12700" cmpd="sng">
+                      <a:noFill/>
+                      <a:prstDash val="solid"/>
+                    </a:lnTlToBr>
+                    <a:lnBlToTr w="12700" cmpd="sng">
+                      <a:noFill/>
+                      <a:prstDash val="solid"/>
+                    </a:lnBlToTr>
+                    <a:solidFill>
+                      <a:schemeClr val="bg2">
+                        <a:lumMod val="90000"/>
+                      </a:schemeClr>
+                    </a:solidFill>
+                  </a:tcPr>
+                </a:tc>
+                <a:tc>
+                  <a:txBody>
+                    <a:bodyPr/>
+                    <a:lstStyle/>
+                    <a:p>
+                      <a:endParaRPr lang="en-US" sz="800" dirty="0"/>
+                    </a:p>
+                  </a:txBody>
+                  <a:tcPr>
+                    <a:lnL w="38100" cap="flat" cmpd="sng" algn="ctr">
+                      <a:solidFill>
+                        <a:schemeClr val="tx1"/>
+                      </a:solidFill>
+                      <a:prstDash val="sysDot"/>
+                      <a:round/>
+                      <a:headEnd type="none" w="med" len="med"/>
+                      <a:tailEnd type="none" w="med" len="med"/>
+                    </a:lnL>
+                    <a:lnR w="38100" cap="flat" cmpd="sng" algn="ctr">
+                      <a:solidFill>
+                        <a:schemeClr val="tx1"/>
+                      </a:solidFill>
+                      <a:prstDash val="sysDot"/>
+                      <a:round/>
+                      <a:headEnd type="none" w="med" len="med"/>
+                      <a:tailEnd type="none" w="med" len="med"/>
+                    </a:lnR>
+                    <a:lnT w="38100" cap="flat" cmpd="sng" algn="ctr">
+                      <a:solidFill>
+                        <a:schemeClr val="tx1"/>
+                      </a:solidFill>
+                      <a:prstDash val="sysDot"/>
+                      <a:round/>
+                      <a:headEnd type="none" w="med" len="med"/>
+                      <a:tailEnd type="none" w="med" len="med"/>
+                    </a:lnT>
+                    <a:lnB w="38100" cap="flat" cmpd="sng" algn="ctr">
+                      <a:solidFill>
+                        <a:schemeClr val="tx1"/>
+                      </a:solidFill>
+                      <a:prstDash val="sysDot"/>
+                      <a:round/>
+                      <a:headEnd type="none" w="med" len="med"/>
+                      <a:tailEnd type="none" w="med" len="med"/>
+                    </a:lnB>
+                    <a:lnTlToBr w="12700" cmpd="sng">
+                      <a:noFill/>
+                      <a:prstDash val="solid"/>
+                    </a:lnTlToBr>
+                    <a:lnBlToTr w="12700" cmpd="sng">
+                      <a:noFill/>
+                      <a:prstDash val="solid"/>
+                    </a:lnBlToTr>
+                    <a:noFill/>
+                  </a:tcPr>
+                </a:tc>
+                <a:extLst>
+                  <a:ext uri="{0D108BD9-81ED-4DB2-BD59-A6C34878D82A}">
+                    <a16:rowId xmlns:a16="http://schemas.microsoft.com/office/drawing/2014/main" val="3326891271"/>
+                  </a:ext>
+                </a:extLst>
+              </a:tr>
+              <a:tr h="685800">
+                <a:tc>
+                  <a:txBody>
+                    <a:bodyPr/>
+                    <a:lstStyle/>
+                    <a:p>
+                      <a:endParaRPr lang="en-US" sz="800" dirty="0"/>
+                    </a:p>
+                  </a:txBody>
+                  <a:tcPr>
+                    <a:lnL w="38100" cap="flat" cmpd="sng" algn="ctr">
+                      <a:solidFill>
+                        <a:schemeClr val="tx1"/>
+                      </a:solidFill>
+                      <a:prstDash val="sysDot"/>
+                      <a:round/>
+                      <a:headEnd type="none" w="med" len="med"/>
+                      <a:tailEnd type="none" w="med" len="med"/>
+                    </a:lnL>
+                    <a:lnR w="38100" cap="flat" cmpd="sng" algn="ctr">
+                      <a:solidFill>
+                        <a:schemeClr val="tx1"/>
+                      </a:solidFill>
+                      <a:prstDash val="sysDot"/>
+                      <a:round/>
+                      <a:headEnd type="none" w="med" len="med"/>
+                      <a:tailEnd type="none" w="med" len="med"/>
+                    </a:lnR>
+                    <a:lnT w="38100" cap="flat" cmpd="sng" algn="ctr">
+                      <a:solidFill>
+                        <a:schemeClr val="tx1"/>
+                      </a:solidFill>
+                      <a:prstDash val="sysDot"/>
+                      <a:round/>
+                      <a:headEnd type="none" w="med" len="med"/>
+                      <a:tailEnd type="none" w="med" len="med"/>
+                    </a:lnT>
+                    <a:lnB w="38100" cap="flat" cmpd="sng" algn="ctr">
+                      <a:solidFill>
+                        <a:schemeClr val="tx1"/>
+                      </a:solidFill>
+                      <a:prstDash val="sysDot"/>
+                      <a:round/>
+                      <a:headEnd type="none" w="med" len="med"/>
+                      <a:tailEnd type="none" w="med" len="med"/>
+                    </a:lnB>
+                    <a:lnTlToBr w="12700" cmpd="sng">
+                      <a:noFill/>
+                      <a:prstDash val="solid"/>
+                    </a:lnTlToBr>
+                    <a:lnBlToTr w="12700" cmpd="sng">
+                      <a:noFill/>
+                      <a:prstDash val="solid"/>
+                    </a:lnBlToTr>
+                    <a:noFill/>
+                  </a:tcPr>
+                </a:tc>
+                <a:tc>
+                  <a:txBody>
+                    <a:bodyPr/>
+                    <a:lstStyle/>
+                    <a:p>
+                      <a:endParaRPr lang="en-US" sz="800" dirty="0"/>
+                    </a:p>
+                  </a:txBody>
+                  <a:tcPr>
+                    <a:lnL w="38100" cap="flat" cmpd="sng" algn="ctr">
+                      <a:solidFill>
+                        <a:schemeClr val="tx1"/>
+                      </a:solidFill>
+                      <a:prstDash val="sysDot"/>
+                      <a:round/>
+                      <a:headEnd type="none" w="med" len="med"/>
+                      <a:tailEnd type="none" w="med" len="med"/>
+                    </a:lnL>
+                    <a:lnR w="38100" cap="flat" cmpd="sng" algn="ctr">
+                      <a:solidFill>
+                        <a:schemeClr val="tx1"/>
+                      </a:solidFill>
+                      <a:prstDash val="sysDot"/>
+                      <a:round/>
+                      <a:headEnd type="none" w="med" len="med"/>
+                      <a:tailEnd type="none" w="med" len="med"/>
+                    </a:lnR>
+                    <a:lnT w="38100" cap="flat" cmpd="sng" algn="ctr">
+                      <a:solidFill>
+                        <a:schemeClr val="tx1"/>
+                      </a:solidFill>
+                      <a:prstDash val="sysDot"/>
+                      <a:round/>
+                      <a:headEnd type="none" w="med" len="med"/>
+                      <a:tailEnd type="none" w="med" len="med"/>
+                    </a:lnT>
+                    <a:lnB w="38100" cap="flat" cmpd="sng" algn="ctr">
+                      <a:solidFill>
+                        <a:schemeClr val="tx1"/>
+                      </a:solidFill>
+                      <a:prstDash val="sysDot"/>
+                      <a:round/>
+                      <a:headEnd type="none" w="med" len="med"/>
+                      <a:tailEnd type="none" w="med" len="med"/>
+                    </a:lnB>
+                    <a:lnTlToBr w="12700" cmpd="sng">
+                      <a:noFill/>
+                      <a:prstDash val="solid"/>
+                    </a:lnTlToBr>
+                    <a:lnBlToTr w="12700" cmpd="sng">
+                      <a:noFill/>
+                      <a:prstDash val="solid"/>
+                    </a:lnBlToTr>
+                    <a:solidFill>
+                      <a:schemeClr val="bg2">
+                        <a:lumMod val="90000"/>
+                      </a:schemeClr>
+                    </a:solidFill>
+                  </a:tcPr>
+                </a:tc>
+                <a:tc>
+                  <a:txBody>
+                    <a:bodyPr/>
+                    <a:lstStyle/>
+                    <a:p>
+                      <a:endParaRPr lang="en-US" sz="800" dirty="0"/>
+                    </a:p>
+                  </a:txBody>
+                  <a:tcPr>
+                    <a:lnL w="38100" cap="flat" cmpd="sng" algn="ctr">
+                      <a:solidFill>
+                        <a:schemeClr val="tx1"/>
+                      </a:solidFill>
+                      <a:prstDash val="sysDot"/>
+                      <a:round/>
+                      <a:headEnd type="none" w="med" len="med"/>
+                      <a:tailEnd type="none" w="med" len="med"/>
+                    </a:lnL>
+                    <a:lnR w="38100" cap="flat" cmpd="sng" algn="ctr">
+                      <a:solidFill>
+                        <a:schemeClr val="tx1"/>
+                      </a:solidFill>
+                      <a:prstDash val="sysDot"/>
+                      <a:round/>
+                      <a:headEnd type="none" w="med" len="med"/>
+                      <a:tailEnd type="none" w="med" len="med"/>
+                    </a:lnR>
+                    <a:lnT w="38100" cap="flat" cmpd="sng" algn="ctr">
+                      <a:solidFill>
+                        <a:schemeClr val="tx1"/>
+                      </a:solidFill>
+                      <a:prstDash val="sysDot"/>
+                      <a:round/>
+                      <a:headEnd type="none" w="med" len="med"/>
+                      <a:tailEnd type="none" w="med" len="med"/>
+                    </a:lnT>
+                    <a:lnB w="38100" cap="flat" cmpd="sng" algn="ctr">
+                      <a:solidFill>
+                        <a:schemeClr val="tx1"/>
+                      </a:solidFill>
+                      <a:prstDash val="sysDot"/>
+                      <a:round/>
+                      <a:headEnd type="none" w="med" len="med"/>
+                      <a:tailEnd type="none" w="med" len="med"/>
+                    </a:lnB>
+                    <a:lnTlToBr w="12700" cmpd="sng">
+                      <a:noFill/>
+                      <a:prstDash val="solid"/>
+                    </a:lnTlToBr>
+                    <a:lnBlToTr w="12700" cmpd="sng">
+                      <a:noFill/>
+                      <a:prstDash val="solid"/>
+                    </a:lnBlToTr>
+                    <a:noFill/>
+                  </a:tcPr>
+                </a:tc>
+                <a:tc>
+                  <a:txBody>
+                    <a:bodyPr/>
+                    <a:lstStyle/>
+                    <a:p>
+                      <a:endParaRPr lang="en-US" sz="800" dirty="0"/>
+                    </a:p>
+                  </a:txBody>
+                  <a:tcPr>
+                    <a:lnL w="38100" cap="flat" cmpd="sng" algn="ctr">
+                      <a:solidFill>
+                        <a:schemeClr val="tx1"/>
+                      </a:solidFill>
+                      <a:prstDash val="sysDot"/>
+                      <a:round/>
+                      <a:headEnd type="none" w="med" len="med"/>
+                      <a:tailEnd type="none" w="med" len="med"/>
+                    </a:lnL>
+                    <a:lnR w="38100" cap="flat" cmpd="sng" algn="ctr">
+                      <a:solidFill>
+                        <a:schemeClr val="tx1"/>
+                      </a:solidFill>
+                      <a:prstDash val="sysDot"/>
+                      <a:round/>
+                      <a:headEnd type="none" w="med" len="med"/>
+                      <a:tailEnd type="none" w="med" len="med"/>
+                    </a:lnR>
+                    <a:lnT w="38100" cap="flat" cmpd="sng" algn="ctr">
+                      <a:solidFill>
+                        <a:schemeClr val="tx1"/>
+                      </a:solidFill>
+                      <a:prstDash val="sysDot"/>
+                      <a:round/>
+                      <a:headEnd type="none" w="med" len="med"/>
+                      <a:tailEnd type="none" w="med" len="med"/>
+                    </a:lnT>
+                    <a:lnB w="38100" cap="flat" cmpd="sng" algn="ctr">
+                      <a:solidFill>
+                        <a:schemeClr val="tx1"/>
+                      </a:solidFill>
+                      <a:prstDash val="sysDot"/>
+                      <a:round/>
+                      <a:headEnd type="none" w="med" len="med"/>
+                      <a:tailEnd type="none" w="med" len="med"/>
+                    </a:lnB>
+                    <a:lnTlToBr w="12700" cmpd="sng">
+                      <a:noFill/>
+                      <a:prstDash val="solid"/>
+                    </a:lnTlToBr>
+                    <a:lnBlToTr w="12700" cmpd="sng">
+                      <a:noFill/>
+                      <a:prstDash val="solid"/>
+                    </a:lnBlToTr>
+                    <a:solidFill>
+                      <a:schemeClr val="bg2">
+                        <a:lumMod val="90000"/>
+                      </a:schemeClr>
+                    </a:solidFill>
+                  </a:tcPr>
+                </a:tc>
+                <a:tc>
+                  <a:txBody>
+                    <a:bodyPr/>
+                    <a:lstStyle/>
+                    <a:p>
+                      <a:endParaRPr lang="en-US" sz="800" dirty="0"/>
+                    </a:p>
+                  </a:txBody>
+                  <a:tcPr>
+                    <a:lnL w="38100" cap="flat" cmpd="sng" algn="ctr">
+                      <a:solidFill>
+                        <a:schemeClr val="tx1"/>
+                      </a:solidFill>
+                      <a:prstDash val="sysDot"/>
+                      <a:round/>
+                      <a:headEnd type="none" w="med" len="med"/>
+                      <a:tailEnd type="none" w="med" len="med"/>
+                    </a:lnL>
+                    <a:lnR w="38100" cap="flat" cmpd="sng" algn="ctr">
+                      <a:solidFill>
+                        <a:schemeClr val="tx1"/>
+                      </a:solidFill>
+                      <a:prstDash val="sysDot"/>
+                      <a:round/>
+                      <a:headEnd type="none" w="med" len="med"/>
+                      <a:tailEnd type="none" w="med" len="med"/>
+                    </a:lnR>
+                    <a:lnT w="38100" cap="flat" cmpd="sng" algn="ctr">
+                      <a:solidFill>
+                        <a:schemeClr val="tx1"/>
+                      </a:solidFill>
+                      <a:prstDash val="sysDot"/>
+                      <a:round/>
+                      <a:headEnd type="none" w="med" len="med"/>
+                      <a:tailEnd type="none" w="med" len="med"/>
+                    </a:lnT>
+                    <a:lnB w="38100" cap="flat" cmpd="sng" algn="ctr">
+                      <a:solidFill>
+                        <a:schemeClr val="tx1"/>
+                      </a:solidFill>
+                      <a:prstDash val="sysDot"/>
+                      <a:round/>
+                      <a:headEnd type="none" w="med" len="med"/>
+                      <a:tailEnd type="none" w="med" len="med"/>
+                    </a:lnB>
+                    <a:lnTlToBr w="12700" cmpd="sng">
+                      <a:noFill/>
+                      <a:prstDash val="solid"/>
+                    </a:lnTlToBr>
+                    <a:lnBlToTr w="12700" cmpd="sng">
+                      <a:noFill/>
+                      <a:prstDash val="solid"/>
+                    </a:lnBlToTr>
+                    <a:noFill/>
+                  </a:tcPr>
+                </a:tc>
+                <a:tc>
+                  <a:txBody>
+                    <a:bodyPr/>
+                    <a:lstStyle/>
+                    <a:p>
+                      <a:endParaRPr lang="en-US" sz="800" dirty="0"/>
+                    </a:p>
+                  </a:txBody>
+                  <a:tcPr>
+                    <a:lnL w="38100" cap="flat" cmpd="sng" algn="ctr">
+                      <a:solidFill>
+                        <a:schemeClr val="tx1"/>
+                      </a:solidFill>
+                      <a:prstDash val="sysDot"/>
+                      <a:round/>
+                      <a:headEnd type="none" w="med" len="med"/>
+                      <a:tailEnd type="none" w="med" len="med"/>
+                    </a:lnL>
+                    <a:lnR w="38100" cap="flat" cmpd="sng" algn="ctr">
+                      <a:solidFill>
+                        <a:schemeClr val="tx1"/>
+                      </a:solidFill>
+                      <a:prstDash val="sysDot"/>
+                      <a:round/>
+                      <a:headEnd type="none" w="med" len="med"/>
+                      <a:tailEnd type="none" w="med" len="med"/>
+                    </a:lnR>
+                    <a:lnT w="38100" cap="flat" cmpd="sng" algn="ctr">
+                      <a:solidFill>
+                        <a:schemeClr val="tx1"/>
+                      </a:solidFill>
+                      <a:prstDash val="sysDot"/>
+                      <a:round/>
+                      <a:headEnd type="none" w="med" len="med"/>
+                      <a:tailEnd type="none" w="med" len="med"/>
+                    </a:lnT>
+                    <a:lnB w="38100" cap="flat" cmpd="sng" algn="ctr">
+                      <a:solidFill>
+                        <a:schemeClr val="tx1"/>
+                      </a:solidFill>
+                      <a:prstDash val="sysDot"/>
+                      <a:round/>
+                      <a:headEnd type="none" w="med" len="med"/>
+                      <a:tailEnd type="none" w="med" len="med"/>
+                    </a:lnB>
+                    <a:lnTlToBr w="12700" cmpd="sng">
+                      <a:noFill/>
+                      <a:prstDash val="solid"/>
+                    </a:lnTlToBr>
+                    <a:lnBlToTr w="12700" cmpd="sng">
+                      <a:noFill/>
+                      <a:prstDash val="solid"/>
+                    </a:lnBlToTr>
+                    <a:solidFill>
+                      <a:schemeClr val="bg2">
+                        <a:lumMod val="90000"/>
+                      </a:schemeClr>
+                    </a:solidFill>
+                  </a:tcPr>
+                </a:tc>
+                <a:tc>
+                  <a:txBody>
+                    <a:bodyPr/>
+                    <a:lstStyle/>
+                    <a:p>
+                      <a:endParaRPr lang="en-US" sz="800" dirty="0"/>
+                    </a:p>
+                  </a:txBody>
+                  <a:tcPr>
+                    <a:lnL w="38100" cap="flat" cmpd="sng" algn="ctr">
+                      <a:solidFill>
+                        <a:schemeClr val="tx1"/>
+                      </a:solidFill>
+                      <a:prstDash val="sysDot"/>
+                      <a:round/>
+                      <a:headEnd type="none" w="med" len="med"/>
+                      <a:tailEnd type="none" w="med" len="med"/>
+                    </a:lnL>
+                    <a:lnR w="38100" cap="flat" cmpd="sng" algn="ctr">
+                      <a:solidFill>
+                        <a:schemeClr val="tx1"/>
+                      </a:solidFill>
+                      <a:prstDash val="sysDot"/>
+                      <a:round/>
+                      <a:headEnd type="none" w="med" len="med"/>
+                      <a:tailEnd type="none" w="med" len="med"/>
+                    </a:lnR>
+                    <a:lnT w="38100" cap="flat" cmpd="sng" algn="ctr">
+                      <a:solidFill>
+                        <a:schemeClr val="tx1"/>
+                      </a:solidFill>
+                      <a:prstDash val="sysDot"/>
+                      <a:round/>
+                      <a:headEnd type="none" w="med" len="med"/>
+                      <a:tailEnd type="none" w="med" len="med"/>
+                    </a:lnT>
+                    <a:lnB w="38100" cap="flat" cmpd="sng" algn="ctr">
+                      <a:solidFill>
+                        <a:schemeClr val="tx1"/>
+                      </a:solidFill>
+                      <a:prstDash val="sysDot"/>
+                      <a:round/>
+                      <a:headEnd type="none" w="med" len="med"/>
+                      <a:tailEnd type="none" w="med" len="med"/>
+                    </a:lnB>
+                    <a:lnTlToBr w="12700" cmpd="sng">
+                      <a:noFill/>
+                      <a:prstDash val="solid"/>
+                    </a:lnTlToBr>
+                    <a:lnBlToTr w="12700" cmpd="sng">
+                      <a:noFill/>
+                      <a:prstDash val="solid"/>
+                    </a:lnBlToTr>
+                    <a:noFill/>
+                  </a:tcPr>
+                </a:tc>
+                <a:tc>
+                  <a:txBody>
+                    <a:bodyPr/>
+                    <a:lstStyle/>
+                    <a:p>
+                      <a:endParaRPr lang="en-US" sz="800" dirty="0"/>
+                    </a:p>
+                  </a:txBody>
+                  <a:tcPr>
+                    <a:lnL w="38100" cap="flat" cmpd="sng" algn="ctr">
+                      <a:solidFill>
+                        <a:schemeClr val="tx1"/>
+                      </a:solidFill>
+                      <a:prstDash val="sysDot"/>
+                      <a:round/>
+                      <a:headEnd type="none" w="med" len="med"/>
+                      <a:tailEnd type="none" w="med" len="med"/>
+                    </a:lnL>
+                    <a:lnR w="38100" cap="flat" cmpd="sng" algn="ctr">
+                      <a:solidFill>
+                        <a:schemeClr val="tx1"/>
+                      </a:solidFill>
+                      <a:prstDash val="sysDot"/>
+                      <a:round/>
+                      <a:headEnd type="none" w="med" len="med"/>
+                      <a:tailEnd type="none" w="med" len="med"/>
+                    </a:lnR>
+                    <a:lnT w="38100" cap="flat" cmpd="sng" algn="ctr">
+                      <a:solidFill>
+                        <a:schemeClr val="tx1"/>
+                      </a:solidFill>
+                      <a:prstDash val="sysDot"/>
+                      <a:round/>
+                      <a:headEnd type="none" w="med" len="med"/>
+                      <a:tailEnd type="none" w="med" len="med"/>
+                    </a:lnT>
+                    <a:lnB w="38100" cap="flat" cmpd="sng" algn="ctr">
+                      <a:solidFill>
+                        <a:schemeClr val="tx1"/>
+                      </a:solidFill>
+                      <a:prstDash val="sysDot"/>
+                      <a:round/>
+                      <a:headEnd type="none" w="med" len="med"/>
+                      <a:tailEnd type="none" w="med" len="med"/>
+                    </a:lnB>
+                    <a:lnTlToBr w="12700" cmpd="sng">
+                      <a:noFill/>
+                      <a:prstDash val="solid"/>
+                    </a:lnTlToBr>
+                    <a:lnBlToTr w="12700" cmpd="sng">
+                      <a:noFill/>
+                      <a:prstDash val="solid"/>
+                    </a:lnBlToTr>
+                    <a:solidFill>
+                      <a:schemeClr val="bg2">
+                        <a:lumMod val="90000"/>
+                      </a:schemeClr>
+                    </a:solidFill>
+                  </a:tcPr>
+                </a:tc>
+                <a:extLst>
+                  <a:ext uri="{0D108BD9-81ED-4DB2-BD59-A6C34878D82A}">
+                    <a16:rowId xmlns:a16="http://schemas.microsoft.com/office/drawing/2014/main" val="2646947361"/>
+                  </a:ext>
+                </a:extLst>
+              </a:tr>
+              <a:tr h="685800">
+                <a:tc>
+                  <a:txBody>
+                    <a:bodyPr/>
+                    <a:lstStyle/>
+                    <a:p>
+                      <a:endParaRPr lang="en-US" sz="800" dirty="0"/>
+                    </a:p>
+                  </a:txBody>
+                  <a:tcPr>
+                    <a:lnL w="38100" cap="flat" cmpd="sng" algn="ctr">
+                      <a:solidFill>
+                        <a:schemeClr val="tx1"/>
+                      </a:solidFill>
+                      <a:prstDash val="sysDot"/>
+                      <a:round/>
+                      <a:headEnd type="none" w="med" len="med"/>
+                      <a:tailEnd type="none" w="med" len="med"/>
+                    </a:lnL>
+                    <a:lnR w="38100" cap="flat" cmpd="sng" algn="ctr">
+                      <a:solidFill>
+                        <a:schemeClr val="tx1"/>
+                      </a:solidFill>
+                      <a:prstDash val="sysDot"/>
+                      <a:round/>
+                      <a:headEnd type="none" w="med" len="med"/>
+                      <a:tailEnd type="none" w="med" len="med"/>
+                    </a:lnR>
+                    <a:lnT w="38100" cap="flat" cmpd="sng" algn="ctr">
+                      <a:solidFill>
+                        <a:schemeClr val="tx1"/>
+                      </a:solidFill>
+                      <a:prstDash val="sysDot"/>
+                      <a:round/>
+                      <a:headEnd type="none" w="med" len="med"/>
+                      <a:tailEnd type="none" w="med" len="med"/>
+                    </a:lnT>
+                    <a:lnB w="38100" cap="flat" cmpd="sng" algn="ctr">
+                      <a:solidFill>
+                        <a:schemeClr val="tx1"/>
+                      </a:solidFill>
+                      <a:prstDash val="sysDot"/>
+                      <a:round/>
+                      <a:headEnd type="none" w="med" len="med"/>
+                      <a:tailEnd type="none" w="med" len="med"/>
+                    </a:lnB>
+                    <a:lnTlToBr w="12700" cmpd="sng">
+                      <a:noFill/>
+                      <a:prstDash val="solid"/>
+                    </a:lnTlToBr>
+                    <a:lnBlToTr w="12700" cmpd="sng">
+                      <a:noFill/>
+                      <a:prstDash val="solid"/>
+                    </a:lnBlToTr>
+                    <a:solidFill>
+                      <a:schemeClr val="bg2">
+                        <a:lumMod val="90000"/>
+                      </a:schemeClr>
+                    </a:solidFill>
+                  </a:tcPr>
+                </a:tc>
+                <a:tc>
+                  <a:txBody>
+                    <a:bodyPr/>
+                    <a:lstStyle/>
+                    <a:p>
+                      <a:endParaRPr lang="en-US" sz="800" dirty="0"/>
+                    </a:p>
+                  </a:txBody>
+                  <a:tcPr>
+                    <a:lnL w="38100" cap="flat" cmpd="sng" algn="ctr">
+                      <a:solidFill>
+                        <a:schemeClr val="tx1"/>
+                      </a:solidFill>
+                      <a:prstDash val="sysDot"/>
+                      <a:round/>
+                      <a:headEnd type="none" w="med" len="med"/>
+                      <a:tailEnd type="none" w="med" len="med"/>
+                    </a:lnL>
+                    <a:lnR w="38100" cap="flat" cmpd="sng" algn="ctr">
+                      <a:solidFill>
+                        <a:schemeClr val="tx1"/>
+                      </a:solidFill>
+                      <a:prstDash val="sysDot"/>
+                      <a:round/>
+                      <a:headEnd type="none" w="med" len="med"/>
+                      <a:tailEnd type="none" w="med" len="med"/>
+                    </a:lnR>
+                    <a:lnT w="38100" cap="flat" cmpd="sng" algn="ctr">
+                      <a:solidFill>
+                        <a:schemeClr val="tx1"/>
+                      </a:solidFill>
+                      <a:prstDash val="sysDot"/>
+                      <a:round/>
+                      <a:headEnd type="none" w="med" len="med"/>
+                      <a:tailEnd type="none" w="med" len="med"/>
+                    </a:lnT>
+                    <a:lnB w="38100" cap="flat" cmpd="sng" algn="ctr">
+                      <a:solidFill>
+                        <a:schemeClr val="tx1"/>
+                      </a:solidFill>
+                      <a:prstDash val="sysDot"/>
+                      <a:round/>
+                      <a:headEnd type="none" w="med" len="med"/>
+                      <a:tailEnd type="none" w="med" len="med"/>
+                    </a:lnB>
+                    <a:lnTlToBr w="12700" cmpd="sng">
+                      <a:noFill/>
+                      <a:prstDash val="solid"/>
+                    </a:lnTlToBr>
+                    <a:lnBlToTr w="12700" cmpd="sng">
+                      <a:noFill/>
+                      <a:prstDash val="solid"/>
+                    </a:lnBlToTr>
+                    <a:noFill/>
+                  </a:tcPr>
+                </a:tc>
+                <a:tc>
+                  <a:txBody>
+                    <a:bodyPr/>
+                    <a:lstStyle/>
+                    <a:p>
+                      <a:endParaRPr lang="en-US" sz="800" dirty="0"/>
+                    </a:p>
+                  </a:txBody>
+                  <a:tcPr>
+                    <a:lnL w="38100" cap="flat" cmpd="sng" algn="ctr">
+                      <a:solidFill>
+                        <a:schemeClr val="tx1"/>
+                      </a:solidFill>
+                      <a:prstDash val="sysDot"/>
+                      <a:round/>
+                      <a:headEnd type="none" w="med" len="med"/>
+                      <a:tailEnd type="none" w="med" len="med"/>
+                    </a:lnL>
+                    <a:lnR w="38100" cap="flat" cmpd="sng" algn="ctr">
+                      <a:solidFill>
+                        <a:schemeClr val="tx1"/>
+                      </a:solidFill>
+                      <a:prstDash val="sysDot"/>
+                      <a:round/>
+                      <a:headEnd type="none" w="med" len="med"/>
+                      <a:tailEnd type="none" w="med" len="med"/>
+                    </a:lnR>
+                    <a:lnT w="38100" cap="flat" cmpd="sng" algn="ctr">
+                      <a:solidFill>
+                        <a:schemeClr val="tx1"/>
+                      </a:solidFill>
+                      <a:prstDash val="sysDot"/>
+                      <a:round/>
+                      <a:headEnd type="none" w="med" len="med"/>
+                      <a:tailEnd type="none" w="med" len="med"/>
+                    </a:lnT>
+                    <a:lnB w="38100" cap="flat" cmpd="sng" algn="ctr">
+                      <a:solidFill>
+                        <a:schemeClr val="tx1"/>
+                      </a:solidFill>
+                      <a:prstDash val="sysDot"/>
+                      <a:round/>
+                      <a:headEnd type="none" w="med" len="med"/>
+                      <a:tailEnd type="none" w="med" len="med"/>
+                    </a:lnB>
+                    <a:lnTlToBr w="12700" cmpd="sng">
+                      <a:noFill/>
+                      <a:prstDash val="solid"/>
+                    </a:lnTlToBr>
+                    <a:lnBlToTr w="12700" cmpd="sng">
+                      <a:noFill/>
+                      <a:prstDash val="solid"/>
+                    </a:lnBlToTr>
+                    <a:solidFill>
+                      <a:schemeClr val="bg2">
+                        <a:lumMod val="90000"/>
+                      </a:schemeClr>
+                    </a:solidFill>
+                  </a:tcPr>
+                </a:tc>
+                <a:tc>
+                  <a:txBody>
+                    <a:bodyPr/>
+                    <a:lstStyle/>
+                    <a:p>
+                      <a:endParaRPr lang="en-US" sz="800" dirty="0"/>
+                    </a:p>
+                  </a:txBody>
+                  <a:tcPr>
+                    <a:lnL w="38100" cap="flat" cmpd="sng" algn="ctr">
+                      <a:solidFill>
+                        <a:schemeClr val="tx1"/>
+                      </a:solidFill>
+                      <a:prstDash val="sysDot"/>
+                      <a:round/>
+                      <a:headEnd type="none" w="med" len="med"/>
+                      <a:tailEnd type="none" w="med" len="med"/>
+                    </a:lnL>
+                    <a:lnR w="38100" cap="flat" cmpd="sng" algn="ctr">
+                      <a:solidFill>
+                        <a:schemeClr val="tx1"/>
+                      </a:solidFill>
+                      <a:prstDash val="sysDot"/>
+                      <a:round/>
+                      <a:headEnd type="none" w="med" len="med"/>
+                      <a:tailEnd type="none" w="med" len="med"/>
+                    </a:lnR>
+                    <a:lnT w="38100" cap="flat" cmpd="sng" algn="ctr">
+                      <a:solidFill>
+                        <a:schemeClr val="tx1"/>
+                      </a:solidFill>
+                      <a:prstDash val="sysDot"/>
+                      <a:round/>
+                      <a:headEnd type="none" w="med" len="med"/>
+                      <a:tailEnd type="none" w="med" len="med"/>
+                    </a:lnT>
+                    <a:lnB w="38100" cap="flat" cmpd="sng" algn="ctr">
+                      <a:solidFill>
+                        <a:schemeClr val="tx1"/>
+                      </a:solidFill>
+                      <a:prstDash val="sysDot"/>
+                      <a:round/>
+                      <a:headEnd type="none" w="med" len="med"/>
+                      <a:tailEnd type="none" w="med" len="med"/>
+                    </a:lnB>
+                    <a:lnTlToBr w="12700" cmpd="sng">
+                      <a:noFill/>
+                      <a:prstDash val="solid"/>
+                    </a:lnTlToBr>
+                    <a:lnBlToTr w="12700" cmpd="sng">
+                      <a:noFill/>
+                      <a:prstDash val="solid"/>
+                    </a:lnBlToTr>
+                    <a:noFill/>
+                  </a:tcPr>
+                </a:tc>
+                <a:tc>
+                  <a:txBody>
+                    <a:bodyPr/>
+                    <a:lstStyle/>
+                    <a:p>
+                      <a:endParaRPr lang="en-US" sz="800" dirty="0"/>
+                    </a:p>
+                  </a:txBody>
+                  <a:tcPr>
+                    <a:lnL w="38100" cap="flat" cmpd="sng" algn="ctr">
+                      <a:solidFill>
+                        <a:schemeClr val="tx1"/>
+                      </a:solidFill>
+                      <a:prstDash val="sysDot"/>
+                      <a:round/>
+                      <a:headEnd type="none" w="med" len="med"/>
+                      <a:tailEnd type="none" w="med" len="med"/>
+                    </a:lnL>
+                    <a:lnR w="38100" cap="flat" cmpd="sng" algn="ctr">
+                      <a:solidFill>
+                        <a:schemeClr val="tx1"/>
+                      </a:solidFill>
+                      <a:prstDash val="sysDot"/>
+                      <a:round/>
+                      <a:headEnd type="none" w="med" len="med"/>
+                      <a:tailEnd type="none" w="med" len="med"/>
+                    </a:lnR>
+                    <a:lnT w="38100" cap="flat" cmpd="sng" algn="ctr">
+                      <a:solidFill>
+                        <a:schemeClr val="tx1"/>
+                      </a:solidFill>
+                      <a:prstDash val="sysDot"/>
+                      <a:round/>
+                      <a:headEnd type="none" w="med" len="med"/>
+                      <a:tailEnd type="none" w="med" len="med"/>
+                    </a:lnT>
+                    <a:lnB w="38100" cap="flat" cmpd="sng" algn="ctr">
+                      <a:solidFill>
+                        <a:schemeClr val="tx1"/>
+                      </a:solidFill>
+                      <a:prstDash val="sysDot"/>
+                      <a:round/>
+                      <a:headEnd type="none" w="med" len="med"/>
+                      <a:tailEnd type="none" w="med" len="med"/>
+                    </a:lnB>
+                    <a:lnTlToBr w="12700" cmpd="sng">
+                      <a:noFill/>
+                      <a:prstDash val="solid"/>
+                    </a:lnTlToBr>
+                    <a:lnBlToTr w="12700" cmpd="sng">
+                      <a:noFill/>
+                      <a:prstDash val="solid"/>
+                    </a:lnBlToTr>
+                    <a:solidFill>
+                      <a:schemeClr val="bg2">
+                        <a:lumMod val="90000"/>
+                      </a:schemeClr>
+                    </a:solidFill>
+                  </a:tcPr>
+                </a:tc>
+                <a:tc>
+                  <a:txBody>
+                    <a:bodyPr/>
+                    <a:lstStyle/>
+                    <a:p>
+                      <a:endParaRPr lang="en-US" sz="800" dirty="0"/>
+                    </a:p>
+                  </a:txBody>
+                  <a:tcPr>
+                    <a:lnL w="38100" cap="flat" cmpd="sng" algn="ctr">
+                      <a:solidFill>
+                        <a:schemeClr val="tx1"/>
+                      </a:solidFill>
+                      <a:prstDash val="sysDot"/>
+                      <a:round/>
+                      <a:headEnd type="none" w="med" len="med"/>
+                      <a:tailEnd type="none" w="med" len="med"/>
+                    </a:lnL>
+                    <a:lnR w="38100" cap="flat" cmpd="sng" algn="ctr">
+                      <a:solidFill>
+                        <a:schemeClr val="tx1"/>
+                      </a:solidFill>
+                      <a:prstDash val="sysDot"/>
+                      <a:round/>
+                      <a:headEnd type="none" w="med" len="med"/>
+                      <a:tailEnd type="none" w="med" len="med"/>
+                    </a:lnR>
+                    <a:lnT w="38100" cap="flat" cmpd="sng" algn="ctr">
+                      <a:solidFill>
+                        <a:schemeClr val="tx1"/>
+                      </a:solidFill>
+                      <a:prstDash val="sysDot"/>
+                      <a:round/>
+                      <a:headEnd type="none" w="med" len="med"/>
+                      <a:tailEnd type="none" w="med" len="med"/>
+                    </a:lnT>
+                    <a:lnB w="38100" cap="flat" cmpd="sng" algn="ctr">
+                      <a:solidFill>
+                        <a:schemeClr val="tx1"/>
+                      </a:solidFill>
+                      <a:prstDash val="sysDot"/>
+                      <a:round/>
+                      <a:headEnd type="none" w="med" len="med"/>
+                      <a:tailEnd type="none" w="med" len="med"/>
+                    </a:lnB>
+                    <a:lnTlToBr w="12700" cmpd="sng">
+                      <a:noFill/>
+                      <a:prstDash val="solid"/>
+                    </a:lnTlToBr>
+                    <a:lnBlToTr w="12700" cmpd="sng">
+                      <a:noFill/>
+                      <a:prstDash val="solid"/>
+                    </a:lnBlToTr>
+                    <a:noFill/>
+                  </a:tcPr>
+                </a:tc>
+                <a:tc>
+                  <a:txBody>
+                    <a:bodyPr/>
+                    <a:lstStyle/>
+                    <a:p>
+                      <a:endParaRPr lang="en-US" sz="800" dirty="0"/>
+                    </a:p>
+                  </a:txBody>
+                  <a:tcPr>
+                    <a:lnL w="38100" cap="flat" cmpd="sng" algn="ctr">
+                      <a:solidFill>
+                        <a:schemeClr val="tx1"/>
+                      </a:solidFill>
+                      <a:prstDash val="sysDot"/>
+                      <a:round/>
+                      <a:headEnd type="none" w="med" len="med"/>
+                      <a:tailEnd type="none" w="med" len="med"/>
+                    </a:lnL>
+                    <a:lnR w="38100" cap="flat" cmpd="sng" algn="ctr">
+                      <a:solidFill>
+                        <a:schemeClr val="tx1"/>
+                      </a:solidFill>
+                      <a:prstDash val="sysDot"/>
+                      <a:round/>
+                      <a:headEnd type="none" w="med" len="med"/>
+                      <a:tailEnd type="none" w="med" len="med"/>
+                    </a:lnR>
+                    <a:lnT w="38100" cap="flat" cmpd="sng" algn="ctr">
+                      <a:solidFill>
+                        <a:schemeClr val="tx1"/>
+                      </a:solidFill>
+                      <a:prstDash val="sysDot"/>
+                      <a:round/>
+                      <a:headEnd type="none" w="med" len="med"/>
+                      <a:tailEnd type="none" w="med" len="med"/>
+                    </a:lnT>
+                    <a:lnB w="38100" cap="flat" cmpd="sng" algn="ctr">
+                      <a:solidFill>
+                        <a:schemeClr val="tx1"/>
+                      </a:solidFill>
+                      <a:prstDash val="sysDot"/>
+                      <a:round/>
+                      <a:headEnd type="none" w="med" len="med"/>
+                      <a:tailEnd type="none" w="med" len="med"/>
+                    </a:lnB>
+                    <a:lnTlToBr w="12700" cmpd="sng">
+                      <a:noFill/>
+                      <a:prstDash val="solid"/>
+                    </a:lnTlToBr>
+                    <a:lnBlToTr w="12700" cmpd="sng">
+                      <a:noFill/>
+                      <a:prstDash val="solid"/>
+                    </a:lnBlToTr>
+                    <a:solidFill>
+                      <a:schemeClr val="bg2">
+                        <a:lumMod val="90000"/>
+                      </a:schemeClr>
+                    </a:solidFill>
+                  </a:tcPr>
+                </a:tc>
+                <a:tc>
+                  <a:txBody>
+                    <a:bodyPr/>
+                    <a:lstStyle/>
+                    <a:p>
+                      <a:endParaRPr lang="en-US" sz="800" dirty="0"/>
+                    </a:p>
+                  </a:txBody>
+                  <a:tcPr>
+                    <a:lnL w="38100" cap="flat" cmpd="sng" algn="ctr">
+                      <a:solidFill>
+                        <a:schemeClr val="tx1"/>
+                      </a:solidFill>
+                      <a:prstDash val="sysDot"/>
+                      <a:round/>
+                      <a:headEnd type="none" w="med" len="med"/>
+                      <a:tailEnd type="none" w="med" len="med"/>
+                    </a:lnL>
+                    <a:lnR w="38100" cap="flat" cmpd="sng" algn="ctr">
+                      <a:solidFill>
+                        <a:schemeClr val="tx1"/>
+                      </a:solidFill>
+                      <a:prstDash val="sysDot"/>
+                      <a:round/>
+                      <a:headEnd type="none" w="med" len="med"/>
+                      <a:tailEnd type="none" w="med" len="med"/>
+                    </a:lnR>
+                    <a:lnT w="38100" cap="flat" cmpd="sng" algn="ctr">
+                      <a:solidFill>
+                        <a:schemeClr val="tx1"/>
+                      </a:solidFill>
+                      <a:prstDash val="sysDot"/>
+                      <a:round/>
+                      <a:headEnd type="none" w="med" len="med"/>
+                      <a:tailEnd type="none" w="med" len="med"/>
+                    </a:lnT>
+                    <a:lnB w="38100" cap="flat" cmpd="sng" algn="ctr">
+                      <a:solidFill>
+                        <a:schemeClr val="tx1"/>
+                      </a:solidFill>
+                      <a:prstDash val="sysDot"/>
+                      <a:round/>
+                      <a:headEnd type="none" w="med" len="med"/>
+                      <a:tailEnd type="none" w="med" len="med"/>
+                    </a:lnB>
+                    <a:lnTlToBr w="12700" cmpd="sng">
+                      <a:noFill/>
+                      <a:prstDash val="solid"/>
+                    </a:lnTlToBr>
+                    <a:lnBlToTr w="12700" cmpd="sng">
+                      <a:noFill/>
+                      <a:prstDash val="solid"/>
+                    </a:lnBlToTr>
+                    <a:noFill/>
+                  </a:tcPr>
+                </a:tc>
+                <a:extLst>
+                  <a:ext uri="{0D108BD9-81ED-4DB2-BD59-A6C34878D82A}">
+                    <a16:rowId xmlns:a16="http://schemas.microsoft.com/office/drawing/2014/main" val="3062248934"/>
+                  </a:ext>
+                </a:extLst>
+              </a:tr>
+              <a:tr h="685800">
+                <a:tc>
+                  <a:txBody>
+                    <a:bodyPr/>
+                    <a:lstStyle/>
+                    <a:p>
+                      <a:endParaRPr lang="en-US" sz="800" dirty="0"/>
+                    </a:p>
+                  </a:txBody>
+                  <a:tcPr>
+                    <a:lnL w="38100" cap="flat" cmpd="sng" algn="ctr">
+                      <a:solidFill>
+                        <a:schemeClr val="tx1"/>
+                      </a:solidFill>
+                      <a:prstDash val="sysDot"/>
+                      <a:round/>
+                      <a:headEnd type="none" w="med" len="med"/>
+                      <a:tailEnd type="none" w="med" len="med"/>
+                    </a:lnL>
+                    <a:lnR w="38100" cap="flat" cmpd="sng" algn="ctr">
+                      <a:solidFill>
+                        <a:schemeClr val="tx1"/>
+                      </a:solidFill>
+                      <a:prstDash val="sysDot"/>
+                      <a:round/>
+                      <a:headEnd type="none" w="med" len="med"/>
+                      <a:tailEnd type="none" w="med" len="med"/>
+                    </a:lnR>
+                    <a:lnT w="38100" cap="flat" cmpd="sng" algn="ctr">
+                      <a:solidFill>
+                        <a:schemeClr val="tx1"/>
+                      </a:solidFill>
+                      <a:prstDash val="sysDot"/>
+                      <a:round/>
+                      <a:headEnd type="none" w="med" len="med"/>
+                      <a:tailEnd type="none" w="med" len="med"/>
+                    </a:lnT>
+                    <a:lnB w="38100" cap="flat" cmpd="sng" algn="ctr">
+                      <a:solidFill>
+                        <a:schemeClr val="tx1"/>
+                      </a:solidFill>
+                      <a:prstDash val="sysDot"/>
+                      <a:round/>
+                      <a:headEnd type="none" w="med" len="med"/>
+                      <a:tailEnd type="none" w="med" len="med"/>
+                    </a:lnB>
+                    <a:lnTlToBr w="12700" cmpd="sng">
+                      <a:noFill/>
+                      <a:prstDash val="solid"/>
+                    </a:lnTlToBr>
+                    <a:lnBlToTr w="12700" cmpd="sng">
+                      <a:noFill/>
+                      <a:prstDash val="solid"/>
+                    </a:lnBlToTr>
+                    <a:noFill/>
+                  </a:tcPr>
+                </a:tc>
+                <a:tc>
+                  <a:txBody>
+                    <a:bodyPr/>
+                    <a:lstStyle/>
+                    <a:p>
+                      <a:endParaRPr lang="en-US" sz="800" dirty="0"/>
+                    </a:p>
+                  </a:txBody>
+                  <a:tcPr>
+                    <a:lnL w="38100" cap="flat" cmpd="sng" algn="ctr">
+                      <a:solidFill>
+                        <a:schemeClr val="tx1"/>
+                      </a:solidFill>
+                      <a:prstDash val="sysDot"/>
+                      <a:round/>
+                      <a:headEnd type="none" w="med" len="med"/>
+                      <a:tailEnd type="none" w="med" len="med"/>
+                    </a:lnL>
+                    <a:lnR w="38100" cap="flat" cmpd="sng" algn="ctr">
+                      <a:solidFill>
+                        <a:schemeClr val="tx1"/>
+                      </a:solidFill>
+                      <a:prstDash val="sysDot"/>
+                      <a:round/>
+                      <a:headEnd type="none" w="med" len="med"/>
+                      <a:tailEnd type="none" w="med" len="med"/>
+                    </a:lnR>
+                    <a:lnT w="38100" cap="flat" cmpd="sng" algn="ctr">
+                      <a:solidFill>
+                        <a:schemeClr val="tx1"/>
+                      </a:solidFill>
+                      <a:prstDash val="sysDot"/>
+                      <a:round/>
+                      <a:headEnd type="none" w="med" len="med"/>
+                      <a:tailEnd type="none" w="med" len="med"/>
+                    </a:lnT>
+                    <a:lnB w="38100" cap="flat" cmpd="sng" algn="ctr">
+                      <a:solidFill>
+                        <a:schemeClr val="tx1"/>
+                      </a:solidFill>
+                      <a:prstDash val="sysDot"/>
+                      <a:round/>
+                      <a:headEnd type="none" w="med" len="med"/>
+                      <a:tailEnd type="none" w="med" len="med"/>
+                    </a:lnB>
+                    <a:lnTlToBr w="12700" cmpd="sng">
+                      <a:noFill/>
+                      <a:prstDash val="solid"/>
+                    </a:lnTlToBr>
+                    <a:lnBlToTr w="12700" cmpd="sng">
+                      <a:noFill/>
+                      <a:prstDash val="solid"/>
+                    </a:lnBlToTr>
+                    <a:solidFill>
+                      <a:schemeClr val="bg2">
+                        <a:lumMod val="90000"/>
+                      </a:schemeClr>
+                    </a:solidFill>
+                  </a:tcPr>
+                </a:tc>
+                <a:tc>
+                  <a:txBody>
+                    <a:bodyPr/>
+                    <a:lstStyle/>
+                    <a:p>
+                      <a:endParaRPr lang="en-US" sz="800" dirty="0"/>
+                    </a:p>
+                  </a:txBody>
+                  <a:tcPr>
+                    <a:lnL w="38100" cap="flat" cmpd="sng" algn="ctr">
+                      <a:solidFill>
+                        <a:schemeClr val="tx1"/>
+                      </a:solidFill>
+                      <a:prstDash val="sysDot"/>
+                      <a:round/>
+                      <a:headEnd type="none" w="med" len="med"/>
+                      <a:tailEnd type="none" w="med" len="med"/>
+                    </a:lnL>
+                    <a:lnR w="38100" cap="flat" cmpd="sng" algn="ctr">
+                      <a:solidFill>
+                        <a:schemeClr val="tx1"/>
+                      </a:solidFill>
+                      <a:prstDash val="sysDot"/>
+                      <a:round/>
+                      <a:headEnd type="none" w="med" len="med"/>
+                      <a:tailEnd type="none" w="med" len="med"/>
+                    </a:lnR>
+                    <a:lnT w="38100" cap="flat" cmpd="sng" algn="ctr">
+                      <a:solidFill>
+                        <a:schemeClr val="tx1"/>
+                      </a:solidFill>
+                      <a:prstDash val="sysDot"/>
+                      <a:round/>
+                      <a:headEnd type="none" w="med" len="med"/>
+                      <a:tailEnd type="none" w="med" len="med"/>
+                    </a:lnT>
+                    <a:lnB w="38100" cap="flat" cmpd="sng" algn="ctr">
+                      <a:solidFill>
+                        <a:schemeClr val="tx1"/>
+                      </a:solidFill>
+                      <a:prstDash val="sysDot"/>
+                      <a:round/>
+                      <a:headEnd type="none" w="med" len="med"/>
+                      <a:tailEnd type="none" w="med" len="med"/>
+                    </a:lnB>
+                    <a:lnTlToBr w="12700" cmpd="sng">
+                      <a:noFill/>
+                      <a:prstDash val="solid"/>
+                    </a:lnTlToBr>
+                    <a:lnBlToTr w="12700" cmpd="sng">
+                      <a:noFill/>
+                      <a:prstDash val="solid"/>
+                    </a:lnBlToTr>
+                    <a:noFill/>
+                  </a:tcPr>
+                </a:tc>
+                <a:tc>
+                  <a:txBody>
+                    <a:bodyPr/>
+                    <a:lstStyle/>
+                    <a:p>
+                      <a:endParaRPr lang="en-US" sz="800" dirty="0"/>
+                    </a:p>
+                  </a:txBody>
+                  <a:tcPr>
+                    <a:lnL w="38100" cap="flat" cmpd="sng" algn="ctr">
+                      <a:solidFill>
+                        <a:schemeClr val="tx1"/>
+                      </a:solidFill>
+                      <a:prstDash val="sysDot"/>
+                      <a:round/>
+                      <a:headEnd type="none" w="med" len="med"/>
+                      <a:tailEnd type="none" w="med" len="med"/>
+                    </a:lnL>
+                    <a:lnR w="38100" cap="flat" cmpd="sng" algn="ctr">
+                      <a:solidFill>
+                        <a:schemeClr val="tx1"/>
+                      </a:solidFill>
+                      <a:prstDash val="sysDot"/>
+                      <a:round/>
+                      <a:headEnd type="none" w="med" len="med"/>
+                      <a:tailEnd type="none" w="med" len="med"/>
+                    </a:lnR>
+                    <a:lnT w="38100" cap="flat" cmpd="sng" algn="ctr">
+                      <a:solidFill>
+                        <a:schemeClr val="tx1"/>
+                      </a:solidFill>
+                      <a:prstDash val="sysDot"/>
+                      <a:round/>
+                      <a:headEnd type="none" w="med" len="med"/>
+                      <a:tailEnd type="none" w="med" len="med"/>
+                    </a:lnT>
+                    <a:lnB w="38100" cap="flat" cmpd="sng" algn="ctr">
+                      <a:solidFill>
+                        <a:schemeClr val="tx1"/>
+                      </a:solidFill>
+                      <a:prstDash val="sysDot"/>
+                      <a:round/>
+                      <a:headEnd type="none" w="med" len="med"/>
+                      <a:tailEnd type="none" w="med" len="med"/>
+                    </a:lnB>
+                    <a:lnTlToBr w="12700" cmpd="sng">
+                      <a:noFill/>
+                      <a:prstDash val="solid"/>
+                    </a:lnTlToBr>
+                    <a:lnBlToTr w="12700" cmpd="sng">
+                      <a:noFill/>
+                      <a:prstDash val="solid"/>
+                    </a:lnBlToTr>
+                    <a:solidFill>
+                      <a:schemeClr val="bg2">
+                        <a:lumMod val="90000"/>
+                      </a:schemeClr>
+                    </a:solidFill>
+                  </a:tcPr>
+                </a:tc>
+                <a:tc>
+                  <a:txBody>
+                    <a:bodyPr/>
+                    <a:lstStyle/>
+                    <a:p>
+                      <a:endParaRPr lang="en-US" sz="800" dirty="0"/>
+                    </a:p>
+                  </a:txBody>
+                  <a:tcPr>
+                    <a:lnL w="38100" cap="flat" cmpd="sng" algn="ctr">
+                      <a:solidFill>
+                        <a:schemeClr val="tx1"/>
+                      </a:solidFill>
+                      <a:prstDash val="sysDot"/>
+                      <a:round/>
+                      <a:headEnd type="none" w="med" len="med"/>
+                      <a:tailEnd type="none" w="med" len="med"/>
+                    </a:lnL>
+                    <a:lnR w="38100" cap="flat" cmpd="sng" algn="ctr">
+                      <a:solidFill>
+                        <a:schemeClr val="tx1"/>
+                      </a:solidFill>
+                      <a:prstDash val="sysDot"/>
+                      <a:round/>
+                      <a:headEnd type="none" w="med" len="med"/>
+                      <a:tailEnd type="none" w="med" len="med"/>
+                    </a:lnR>
+                    <a:lnT w="38100" cap="flat" cmpd="sng" algn="ctr">
+                      <a:solidFill>
+                        <a:schemeClr val="tx1"/>
+                      </a:solidFill>
+                      <a:prstDash val="sysDot"/>
+                      <a:round/>
+                      <a:headEnd type="none" w="med" len="med"/>
+                      <a:tailEnd type="none" w="med" len="med"/>
+                    </a:lnT>
+                    <a:lnB w="38100" cap="flat" cmpd="sng" algn="ctr">
+                      <a:solidFill>
+                        <a:schemeClr val="tx1"/>
+                      </a:solidFill>
+                      <a:prstDash val="sysDot"/>
+                      <a:round/>
+                      <a:headEnd type="none" w="med" len="med"/>
+                      <a:tailEnd type="none" w="med" len="med"/>
+                    </a:lnB>
+                    <a:lnTlToBr w="12700" cmpd="sng">
+                      <a:noFill/>
+                      <a:prstDash val="solid"/>
+                    </a:lnTlToBr>
+                    <a:lnBlToTr w="12700" cmpd="sng">
+                      <a:noFill/>
+                      <a:prstDash val="solid"/>
+                    </a:lnBlToTr>
+                    <a:noFill/>
+                  </a:tcPr>
+                </a:tc>
+                <a:tc>
+                  <a:txBody>
+                    <a:bodyPr/>
+                    <a:lstStyle/>
+                    <a:p>
+                      <a:endParaRPr lang="en-US" sz="800" dirty="0"/>
+                    </a:p>
+                  </a:txBody>
+                  <a:tcPr>
+                    <a:lnL w="38100" cap="flat" cmpd="sng" algn="ctr">
+                      <a:solidFill>
+                        <a:schemeClr val="tx1"/>
+                      </a:solidFill>
+                      <a:prstDash val="sysDot"/>
+                      <a:round/>
+                      <a:headEnd type="none" w="med" len="med"/>
+                      <a:tailEnd type="none" w="med" len="med"/>
+                    </a:lnL>
+                    <a:lnR w="38100" cap="flat" cmpd="sng" algn="ctr">
+                      <a:solidFill>
+                        <a:schemeClr val="tx1"/>
+                      </a:solidFill>
+                      <a:prstDash val="sysDot"/>
+                      <a:round/>
+                      <a:headEnd type="none" w="med" len="med"/>
+                      <a:tailEnd type="none" w="med" len="med"/>
+                    </a:lnR>
+                    <a:lnT w="38100" cap="flat" cmpd="sng" algn="ctr">
+                      <a:solidFill>
+                        <a:schemeClr val="tx1"/>
+                      </a:solidFill>
+                      <a:prstDash val="sysDot"/>
+                      <a:round/>
+                      <a:headEnd type="none" w="med" len="med"/>
+                      <a:tailEnd type="none" w="med" len="med"/>
+                    </a:lnT>
+                    <a:lnB w="38100" cap="flat" cmpd="sng" algn="ctr">
+                      <a:solidFill>
+                        <a:schemeClr val="tx1"/>
+                      </a:solidFill>
+                      <a:prstDash val="sysDot"/>
+                      <a:round/>
+                      <a:headEnd type="none" w="med" len="med"/>
+                      <a:tailEnd type="none" w="med" len="med"/>
+                    </a:lnB>
+                    <a:lnTlToBr w="12700" cmpd="sng">
+                      <a:noFill/>
+                      <a:prstDash val="solid"/>
+                    </a:lnTlToBr>
+                    <a:lnBlToTr w="12700" cmpd="sng">
+                      <a:noFill/>
+                      <a:prstDash val="solid"/>
+                    </a:lnBlToTr>
+                    <a:solidFill>
+                      <a:schemeClr val="bg2">
+                        <a:lumMod val="90000"/>
+                      </a:schemeClr>
+                    </a:solidFill>
+                  </a:tcPr>
+                </a:tc>
+                <a:tc>
+                  <a:txBody>
+                    <a:bodyPr/>
+                    <a:lstStyle/>
+                    <a:p>
+                      <a:endParaRPr lang="en-US" sz="800" dirty="0"/>
+                    </a:p>
+                  </a:txBody>
+                  <a:tcPr>
+                    <a:lnL w="38100" cap="flat" cmpd="sng" algn="ctr">
+                      <a:solidFill>
+                        <a:schemeClr val="tx1"/>
+                      </a:solidFill>
+                      <a:prstDash val="sysDot"/>
+                      <a:round/>
+                      <a:headEnd type="none" w="med" len="med"/>
+                      <a:tailEnd type="none" w="med" len="med"/>
+                    </a:lnL>
+                    <a:lnR w="38100" cap="flat" cmpd="sng" algn="ctr">
+                      <a:solidFill>
+                        <a:schemeClr val="tx1"/>
+                      </a:solidFill>
+                      <a:prstDash val="sysDot"/>
+                      <a:round/>
+                      <a:headEnd type="none" w="med" len="med"/>
+                      <a:tailEnd type="none" w="med" len="med"/>
+                    </a:lnR>
+                    <a:lnT w="38100" cap="flat" cmpd="sng" algn="ctr">
+                      <a:solidFill>
+                        <a:schemeClr val="tx1"/>
+                      </a:solidFill>
+                      <a:prstDash val="sysDot"/>
+                      <a:round/>
+                      <a:headEnd type="none" w="med" len="med"/>
+                      <a:tailEnd type="none" w="med" len="med"/>
+                    </a:lnT>
+                    <a:lnB w="38100" cap="flat" cmpd="sng" algn="ctr">
+                      <a:solidFill>
+                        <a:schemeClr val="tx1"/>
+                      </a:solidFill>
+                      <a:prstDash val="sysDot"/>
+                      <a:round/>
+                      <a:headEnd type="none" w="med" len="med"/>
+                      <a:tailEnd type="none" w="med" len="med"/>
+                    </a:lnB>
+                    <a:lnTlToBr w="12700" cmpd="sng">
+                      <a:noFill/>
+                      <a:prstDash val="solid"/>
+                    </a:lnTlToBr>
+                    <a:lnBlToTr w="12700" cmpd="sng">
+                      <a:noFill/>
+                      <a:prstDash val="solid"/>
+                    </a:lnBlToTr>
+                    <a:noFill/>
+                  </a:tcPr>
+                </a:tc>
+                <a:tc>
+                  <a:txBody>
+                    <a:bodyPr/>
+                    <a:lstStyle/>
+                    <a:p>
+                      <a:endParaRPr lang="en-US" sz="800" dirty="0"/>
+                    </a:p>
+                  </a:txBody>
+                  <a:tcPr>
+                    <a:lnL w="38100" cap="flat" cmpd="sng" algn="ctr">
+                      <a:solidFill>
+                        <a:schemeClr val="tx1"/>
+                      </a:solidFill>
+                      <a:prstDash val="sysDot"/>
+                      <a:round/>
+                      <a:headEnd type="none" w="med" len="med"/>
+                      <a:tailEnd type="none" w="med" len="med"/>
+                    </a:lnL>
+                    <a:lnR w="38100" cap="flat" cmpd="sng" algn="ctr">
+                      <a:solidFill>
+                        <a:schemeClr val="tx1"/>
+                      </a:solidFill>
+                      <a:prstDash val="sysDot"/>
+                      <a:round/>
+                      <a:headEnd type="none" w="med" len="med"/>
+                      <a:tailEnd type="none" w="med" len="med"/>
+                    </a:lnR>
+                    <a:lnT w="38100" cap="flat" cmpd="sng" algn="ctr">
+                      <a:solidFill>
+                        <a:schemeClr val="tx1"/>
+                      </a:solidFill>
+                      <a:prstDash val="sysDot"/>
+                      <a:round/>
+                      <a:headEnd type="none" w="med" len="med"/>
+                      <a:tailEnd type="none" w="med" len="med"/>
+                    </a:lnT>
+                    <a:lnB w="38100" cap="flat" cmpd="sng" algn="ctr">
+                      <a:solidFill>
+                        <a:schemeClr val="tx1"/>
+                      </a:solidFill>
+                      <a:prstDash val="sysDot"/>
+                      <a:round/>
+                      <a:headEnd type="none" w="med" len="med"/>
+                      <a:tailEnd type="none" w="med" len="med"/>
+                    </a:lnB>
+                    <a:lnTlToBr w="12700" cmpd="sng">
+                      <a:noFill/>
+                      <a:prstDash val="solid"/>
+                    </a:lnTlToBr>
+                    <a:lnBlToTr w="12700" cmpd="sng">
+                      <a:noFill/>
+                      <a:prstDash val="solid"/>
+                    </a:lnBlToTr>
+                    <a:solidFill>
+                      <a:schemeClr val="bg2">
+                        <a:lumMod val="90000"/>
+                      </a:schemeClr>
+                    </a:solidFill>
+                  </a:tcPr>
+                </a:tc>
+                <a:extLst>
+                  <a:ext uri="{0D108BD9-81ED-4DB2-BD59-A6C34878D82A}">
+                    <a16:rowId xmlns:a16="http://schemas.microsoft.com/office/drawing/2014/main" val="1525955999"/>
+                  </a:ext>
+                </a:extLst>
+              </a:tr>
+              <a:tr h="685800">
+                <a:tc>
+                  <a:txBody>
+                    <a:bodyPr/>
+                    <a:lstStyle/>
+                    <a:p>
+                      <a:endParaRPr lang="en-US" sz="800" dirty="0"/>
+                    </a:p>
+                  </a:txBody>
+                  <a:tcPr>
+                    <a:lnL w="38100" cap="flat" cmpd="sng" algn="ctr">
+                      <a:solidFill>
+                        <a:schemeClr val="tx1"/>
+                      </a:solidFill>
+                      <a:prstDash val="sysDot"/>
+                      <a:round/>
+                      <a:headEnd type="none" w="med" len="med"/>
+                      <a:tailEnd type="none" w="med" len="med"/>
+                    </a:lnL>
+                    <a:lnR w="38100" cap="flat" cmpd="sng" algn="ctr">
+                      <a:solidFill>
+                        <a:schemeClr val="tx1"/>
+                      </a:solidFill>
+                      <a:prstDash val="sysDot"/>
+                      <a:round/>
+                      <a:headEnd type="none" w="med" len="med"/>
+                      <a:tailEnd type="none" w="med" len="med"/>
+                    </a:lnR>
+                    <a:lnT w="38100" cap="flat" cmpd="sng" algn="ctr">
+                      <a:solidFill>
+                        <a:schemeClr val="tx1"/>
+                      </a:solidFill>
+                      <a:prstDash val="sysDot"/>
+                      <a:round/>
+                      <a:headEnd type="none" w="med" len="med"/>
+                      <a:tailEnd type="none" w="med" len="med"/>
+                    </a:lnT>
+                    <a:lnB w="38100" cap="flat" cmpd="sng" algn="ctr">
+                      <a:solidFill>
+                        <a:schemeClr val="tx1"/>
+                      </a:solidFill>
+                      <a:prstDash val="sysDot"/>
+                      <a:round/>
+                      <a:headEnd type="none" w="med" len="med"/>
+                      <a:tailEnd type="none" w="med" len="med"/>
+                    </a:lnB>
+                    <a:lnTlToBr w="12700" cmpd="sng">
+                      <a:noFill/>
+                      <a:prstDash val="solid"/>
+                    </a:lnTlToBr>
+                    <a:lnBlToTr w="12700" cmpd="sng">
+                      <a:noFill/>
+                      <a:prstDash val="solid"/>
+                    </a:lnBlToTr>
+                    <a:solidFill>
+                      <a:schemeClr val="bg2">
+                        <a:lumMod val="90000"/>
+                      </a:schemeClr>
+                    </a:solidFill>
+                  </a:tcPr>
+                </a:tc>
+                <a:tc>
+                  <a:txBody>
+                    <a:bodyPr/>
+                    <a:lstStyle/>
+                    <a:p>
+                      <a:endParaRPr lang="en-US" sz="800" dirty="0"/>
+                    </a:p>
+                  </a:txBody>
+                  <a:tcPr>
+                    <a:lnL w="38100" cap="flat" cmpd="sng" algn="ctr">
+                      <a:solidFill>
+                        <a:schemeClr val="tx1"/>
+                      </a:solidFill>
+                      <a:prstDash val="sysDot"/>
+                      <a:round/>
+                      <a:headEnd type="none" w="med" len="med"/>
+                      <a:tailEnd type="none" w="med" len="med"/>
+                    </a:lnL>
+                    <a:lnR w="38100" cap="flat" cmpd="sng" algn="ctr">
+                      <a:solidFill>
+                        <a:schemeClr val="tx1"/>
+                      </a:solidFill>
+                      <a:prstDash val="sysDot"/>
+                      <a:round/>
+                      <a:headEnd type="none" w="med" len="med"/>
+                      <a:tailEnd type="none" w="med" len="med"/>
+                    </a:lnR>
+                    <a:lnT w="38100" cap="flat" cmpd="sng" algn="ctr">
+                      <a:solidFill>
+                        <a:schemeClr val="tx1"/>
+                      </a:solidFill>
+                      <a:prstDash val="sysDot"/>
+                      <a:round/>
+                      <a:headEnd type="none" w="med" len="med"/>
+                      <a:tailEnd type="none" w="med" len="med"/>
+                    </a:lnT>
+                    <a:lnB w="38100" cap="flat" cmpd="sng" algn="ctr">
+                      <a:solidFill>
+                        <a:schemeClr val="tx1"/>
+                      </a:solidFill>
+                      <a:prstDash val="sysDot"/>
+                      <a:round/>
+                      <a:headEnd type="none" w="med" len="med"/>
+                      <a:tailEnd type="none" w="med" len="med"/>
+                    </a:lnB>
+                    <a:lnTlToBr w="12700" cmpd="sng">
+                      <a:noFill/>
+                      <a:prstDash val="solid"/>
+                    </a:lnTlToBr>
+                    <a:lnBlToTr w="12700" cmpd="sng">
+                      <a:noFill/>
+                      <a:prstDash val="solid"/>
+                    </a:lnBlToTr>
+                    <a:noFill/>
+                  </a:tcPr>
+                </a:tc>
+                <a:tc>
+                  <a:txBody>
+                    <a:bodyPr/>
+                    <a:lstStyle/>
+                    <a:p>
+                      <a:endParaRPr lang="en-US" sz="800" dirty="0"/>
+                    </a:p>
+                  </a:txBody>
+                  <a:tcPr>
+                    <a:lnL w="38100" cap="flat" cmpd="sng" algn="ctr">
+                      <a:solidFill>
+                        <a:schemeClr val="tx1"/>
+                      </a:solidFill>
+                      <a:prstDash val="sysDot"/>
+                      <a:round/>
+                      <a:headEnd type="none" w="med" len="med"/>
+                      <a:tailEnd type="none" w="med" len="med"/>
+                    </a:lnL>
+                    <a:lnR w="38100" cap="flat" cmpd="sng" algn="ctr">
+                      <a:solidFill>
+                        <a:schemeClr val="tx1"/>
+                      </a:solidFill>
+                      <a:prstDash val="sysDot"/>
+                      <a:round/>
+                      <a:headEnd type="none" w="med" len="med"/>
+                      <a:tailEnd type="none" w="med" len="med"/>
+                    </a:lnR>
+                    <a:lnT w="38100" cap="flat" cmpd="sng" algn="ctr">
+                      <a:solidFill>
+                        <a:schemeClr val="tx1"/>
+                      </a:solidFill>
+                      <a:prstDash val="sysDot"/>
+                      <a:round/>
+                      <a:headEnd type="none" w="med" len="med"/>
+                      <a:tailEnd type="none" w="med" len="med"/>
+                    </a:lnT>
+                    <a:lnB w="38100" cap="flat" cmpd="sng" algn="ctr">
+                      <a:solidFill>
+                        <a:schemeClr val="tx1"/>
+                      </a:solidFill>
+                      <a:prstDash val="sysDot"/>
+                      <a:round/>
+                      <a:headEnd type="none" w="med" len="med"/>
+                      <a:tailEnd type="none" w="med" len="med"/>
+                    </a:lnB>
+                    <a:lnTlToBr w="12700" cmpd="sng">
+                      <a:noFill/>
+                      <a:prstDash val="solid"/>
+                    </a:lnTlToBr>
+                    <a:lnBlToTr w="12700" cmpd="sng">
+                      <a:noFill/>
+                      <a:prstDash val="solid"/>
+                    </a:lnBlToTr>
+                    <a:solidFill>
+                      <a:schemeClr val="bg2">
+                        <a:lumMod val="90000"/>
+                      </a:schemeClr>
+                    </a:solidFill>
+                  </a:tcPr>
+                </a:tc>
+                <a:tc>
+                  <a:txBody>
+                    <a:bodyPr/>
+                    <a:lstStyle/>
+                    <a:p>
+                      <a:endParaRPr lang="en-US" sz="800" dirty="0"/>
+                    </a:p>
+                  </a:txBody>
+                  <a:tcPr>
+                    <a:lnL w="38100" cap="flat" cmpd="sng" algn="ctr">
+                      <a:solidFill>
+                        <a:schemeClr val="tx1"/>
+                      </a:solidFill>
+                      <a:prstDash val="sysDot"/>
+                      <a:round/>
+                      <a:headEnd type="none" w="med" len="med"/>
+                      <a:tailEnd type="none" w="med" len="med"/>
+                    </a:lnL>
+                    <a:lnR w="38100" cap="flat" cmpd="sng" algn="ctr">
+                      <a:solidFill>
+                        <a:schemeClr val="tx1"/>
+                      </a:solidFill>
+                      <a:prstDash val="sysDot"/>
+                      <a:round/>
+                      <a:headEnd type="none" w="med" len="med"/>
+                      <a:tailEnd type="none" w="med" len="med"/>
+                    </a:lnR>
+                    <a:lnT w="38100" cap="flat" cmpd="sng" algn="ctr">
+                      <a:solidFill>
+                        <a:schemeClr val="tx1"/>
+                      </a:solidFill>
+                      <a:prstDash val="sysDot"/>
+                      <a:round/>
+                      <a:headEnd type="none" w="med" len="med"/>
+                      <a:tailEnd type="none" w="med" len="med"/>
+                    </a:lnT>
+                    <a:lnB w="38100" cap="flat" cmpd="sng" algn="ctr">
+                      <a:solidFill>
+                        <a:schemeClr val="tx1"/>
+                      </a:solidFill>
+                      <a:prstDash val="sysDot"/>
+                      <a:round/>
+                      <a:headEnd type="none" w="med" len="med"/>
+                      <a:tailEnd type="none" w="med" len="med"/>
+                    </a:lnB>
+                    <a:lnTlToBr w="12700" cmpd="sng">
+                      <a:noFill/>
+                      <a:prstDash val="solid"/>
+                    </a:lnTlToBr>
+                    <a:lnBlToTr w="12700" cmpd="sng">
+                      <a:noFill/>
+                      <a:prstDash val="solid"/>
+                    </a:lnBlToTr>
+                    <a:noFill/>
+                  </a:tcPr>
+                </a:tc>
+                <a:tc>
+                  <a:txBody>
+                    <a:bodyPr/>
+                    <a:lstStyle/>
+                    <a:p>
+                      <a:endParaRPr lang="en-US" sz="800" dirty="0"/>
+                    </a:p>
+                  </a:txBody>
+                  <a:tcPr>
+                    <a:lnL w="38100" cap="flat" cmpd="sng" algn="ctr">
+                      <a:solidFill>
+                        <a:schemeClr val="tx1"/>
+                      </a:solidFill>
+                      <a:prstDash val="sysDot"/>
+                      <a:round/>
+                      <a:headEnd type="none" w="med" len="med"/>
+                      <a:tailEnd type="none" w="med" len="med"/>
+                    </a:lnL>
+                    <a:lnR w="38100" cap="flat" cmpd="sng" algn="ctr">
+                      <a:solidFill>
+                        <a:schemeClr val="tx1"/>
+                      </a:solidFill>
+                      <a:prstDash val="sysDot"/>
+                      <a:round/>
+                      <a:headEnd type="none" w="med" len="med"/>
+                      <a:tailEnd type="none" w="med" len="med"/>
+                    </a:lnR>
+                    <a:lnT w="38100" cap="flat" cmpd="sng" algn="ctr">
+                      <a:solidFill>
+                        <a:schemeClr val="tx1"/>
+                      </a:solidFill>
+                      <a:prstDash val="sysDot"/>
+                      <a:round/>
+                      <a:headEnd type="none" w="med" len="med"/>
+                      <a:tailEnd type="none" w="med" len="med"/>
+                    </a:lnT>
+                    <a:lnB w="38100" cap="flat" cmpd="sng" algn="ctr">
+                      <a:solidFill>
+                        <a:schemeClr val="tx1"/>
+                      </a:solidFill>
+                      <a:prstDash val="sysDot"/>
+                      <a:round/>
+                      <a:headEnd type="none" w="med" len="med"/>
+                      <a:tailEnd type="none" w="med" len="med"/>
+                    </a:lnB>
+                    <a:lnTlToBr w="12700" cmpd="sng">
+                      <a:noFill/>
+                      <a:prstDash val="solid"/>
+                    </a:lnTlToBr>
+                    <a:lnBlToTr w="12700" cmpd="sng">
+                      <a:noFill/>
+                      <a:prstDash val="solid"/>
+                    </a:lnBlToTr>
+                    <a:solidFill>
+                      <a:schemeClr val="bg2">
+                        <a:lumMod val="90000"/>
+                      </a:schemeClr>
+                    </a:solidFill>
+                  </a:tcPr>
+                </a:tc>
+                <a:tc>
+                  <a:txBody>
+                    <a:bodyPr/>
+                    <a:lstStyle/>
+                    <a:p>
+                      <a:endParaRPr lang="en-US" sz="800" dirty="0"/>
+                    </a:p>
+                  </a:txBody>
+                  <a:tcPr>
+                    <a:lnL w="38100" cap="flat" cmpd="sng" algn="ctr">
+                      <a:solidFill>
+                        <a:schemeClr val="tx1"/>
+                      </a:solidFill>
+                      <a:prstDash val="sysDot"/>
+                      <a:round/>
+                      <a:headEnd type="none" w="med" len="med"/>
+                      <a:tailEnd type="none" w="med" len="med"/>
+                    </a:lnL>
+                    <a:lnR w="38100" cap="flat" cmpd="sng" algn="ctr">
+                      <a:solidFill>
+                        <a:schemeClr val="tx1"/>
+                      </a:solidFill>
+                      <a:prstDash val="sysDot"/>
+                      <a:round/>
+                      <a:headEnd type="none" w="med" len="med"/>
+                      <a:tailEnd type="none" w="med" len="med"/>
+                    </a:lnR>
+                    <a:lnT w="38100" cap="flat" cmpd="sng" algn="ctr">
+                      <a:solidFill>
+                        <a:schemeClr val="tx1"/>
+                      </a:solidFill>
+                      <a:prstDash val="sysDot"/>
+                      <a:round/>
+                      <a:headEnd type="none" w="med" len="med"/>
+                      <a:tailEnd type="none" w="med" len="med"/>
+                    </a:lnT>
+                    <a:lnB w="38100" cap="flat" cmpd="sng" algn="ctr">
+                      <a:solidFill>
+                        <a:schemeClr val="tx1"/>
+                      </a:solidFill>
+                      <a:prstDash val="sysDot"/>
+                      <a:round/>
+                      <a:headEnd type="none" w="med" len="med"/>
+                      <a:tailEnd type="none" w="med" len="med"/>
+                    </a:lnB>
+                    <a:lnTlToBr w="12700" cmpd="sng">
+                      <a:noFill/>
+                      <a:prstDash val="solid"/>
+                    </a:lnTlToBr>
+                    <a:lnBlToTr w="12700" cmpd="sng">
+                      <a:noFill/>
+                      <a:prstDash val="solid"/>
+                    </a:lnBlToTr>
+                    <a:noFill/>
+                  </a:tcPr>
+                </a:tc>
+                <a:tc>
+                  <a:txBody>
+                    <a:bodyPr/>
+                    <a:lstStyle/>
+                    <a:p>
+                      <a:endParaRPr lang="en-US" sz="800" dirty="0"/>
+                    </a:p>
+                  </a:txBody>
+                  <a:tcPr>
+                    <a:lnL w="38100" cap="flat" cmpd="sng" algn="ctr">
+                      <a:solidFill>
+                        <a:schemeClr val="tx1"/>
+                      </a:solidFill>
+                      <a:prstDash val="sysDot"/>
+                      <a:round/>
+                      <a:headEnd type="none" w="med" len="med"/>
+                      <a:tailEnd type="none" w="med" len="med"/>
+                    </a:lnL>
+                    <a:lnR w="38100" cap="flat" cmpd="sng" algn="ctr">
+                      <a:solidFill>
+                        <a:schemeClr val="tx1"/>
+                      </a:solidFill>
+                      <a:prstDash val="sysDot"/>
+                      <a:round/>
+                      <a:headEnd type="none" w="med" len="med"/>
+                      <a:tailEnd type="none" w="med" len="med"/>
+                    </a:lnR>
+                    <a:lnT w="38100" cap="flat" cmpd="sng" algn="ctr">
+                      <a:solidFill>
+                        <a:schemeClr val="tx1"/>
+                      </a:solidFill>
+                      <a:prstDash val="sysDot"/>
+                      <a:round/>
+                      <a:headEnd type="none" w="med" len="med"/>
+                      <a:tailEnd type="none" w="med" len="med"/>
+                    </a:lnT>
+                    <a:lnB w="38100" cap="flat" cmpd="sng" algn="ctr">
+                      <a:solidFill>
+                        <a:schemeClr val="tx1"/>
+                      </a:solidFill>
+                      <a:prstDash val="sysDot"/>
+                      <a:round/>
+                      <a:headEnd type="none" w="med" len="med"/>
+                      <a:tailEnd type="none" w="med" len="med"/>
+                    </a:lnB>
+                    <a:lnTlToBr w="12700" cmpd="sng">
+                      <a:noFill/>
+                      <a:prstDash val="solid"/>
+                    </a:lnTlToBr>
+                    <a:lnBlToTr w="12700" cmpd="sng">
+                      <a:noFill/>
+                      <a:prstDash val="solid"/>
+                    </a:lnBlToTr>
+                    <a:solidFill>
+                      <a:schemeClr val="bg2">
+                        <a:lumMod val="90000"/>
+                      </a:schemeClr>
+                    </a:solidFill>
+                  </a:tcPr>
+                </a:tc>
+                <a:tc>
+                  <a:txBody>
+                    <a:bodyPr/>
+                    <a:lstStyle/>
+                    <a:p>
+                      <a:endParaRPr lang="en-US" sz="800" dirty="0"/>
+                    </a:p>
+                  </a:txBody>
+                  <a:tcPr>
+                    <a:lnL w="38100" cap="flat" cmpd="sng" algn="ctr">
+                      <a:solidFill>
+                        <a:schemeClr val="tx1"/>
+                      </a:solidFill>
+                      <a:prstDash val="sysDot"/>
+                      <a:round/>
+                      <a:headEnd type="none" w="med" len="med"/>
+                      <a:tailEnd type="none" w="med" len="med"/>
+                    </a:lnL>
+                    <a:lnR w="38100" cap="flat" cmpd="sng" algn="ctr">
+                      <a:solidFill>
+                        <a:schemeClr val="tx1"/>
+                      </a:solidFill>
+                      <a:prstDash val="sysDot"/>
+                      <a:round/>
+                      <a:headEnd type="none" w="med" len="med"/>
+                      <a:tailEnd type="none" w="med" len="med"/>
+                    </a:lnR>
+                    <a:lnT w="38100" cap="flat" cmpd="sng" algn="ctr">
+                      <a:solidFill>
+                        <a:schemeClr val="tx1"/>
+                      </a:solidFill>
+                      <a:prstDash val="sysDot"/>
+                      <a:round/>
+                      <a:headEnd type="none" w="med" len="med"/>
+                      <a:tailEnd type="none" w="med" len="med"/>
+                    </a:lnT>
+                    <a:lnB w="38100" cap="flat" cmpd="sng" algn="ctr">
+                      <a:solidFill>
+                        <a:schemeClr val="tx1"/>
+                      </a:solidFill>
+                      <a:prstDash val="sysDot"/>
+                      <a:round/>
+                      <a:headEnd type="none" w="med" len="med"/>
+                      <a:tailEnd type="none" w="med" len="med"/>
+                    </a:lnB>
+                    <a:lnTlToBr w="12700" cmpd="sng">
+                      <a:noFill/>
+                      <a:prstDash val="solid"/>
+                    </a:lnTlToBr>
+                    <a:lnBlToTr w="12700" cmpd="sng">
+                      <a:noFill/>
+                      <a:prstDash val="solid"/>
+                    </a:lnBlToTr>
+                    <a:noFill/>
+                  </a:tcPr>
+                </a:tc>
+                <a:extLst>
+                  <a:ext uri="{0D108BD9-81ED-4DB2-BD59-A6C34878D82A}">
+                    <a16:rowId xmlns:a16="http://schemas.microsoft.com/office/drawing/2014/main" val="3174283509"/>
+                  </a:ext>
+                </a:extLst>
+              </a:tr>
+              <a:tr h="685800">
+                <a:tc>
+                  <a:txBody>
+                    <a:bodyPr/>
+                    <a:lstStyle/>
+                    <a:p>
+                      <a:endParaRPr lang="en-US" sz="800" dirty="0"/>
+                    </a:p>
+                  </a:txBody>
+                  <a:tcPr>
+                    <a:lnL w="38100" cap="flat" cmpd="sng" algn="ctr">
+                      <a:solidFill>
+                        <a:schemeClr val="tx1"/>
+                      </a:solidFill>
+                      <a:prstDash val="sysDot"/>
+                      <a:round/>
+                      <a:headEnd type="none" w="med" len="med"/>
+                      <a:tailEnd type="none" w="med" len="med"/>
+                    </a:lnL>
+                    <a:lnR w="38100" cap="flat" cmpd="sng" algn="ctr">
+                      <a:solidFill>
+                        <a:schemeClr val="tx1"/>
+                      </a:solidFill>
+                      <a:prstDash val="sysDot"/>
+                      <a:round/>
+                      <a:headEnd type="none" w="med" len="med"/>
+                      <a:tailEnd type="none" w="med" len="med"/>
+                    </a:lnR>
+                    <a:lnT w="38100" cap="flat" cmpd="sng" algn="ctr">
+                      <a:solidFill>
+                        <a:schemeClr val="tx1"/>
+                      </a:solidFill>
+                      <a:prstDash val="sysDot"/>
+                      <a:round/>
+                      <a:headEnd type="none" w="med" len="med"/>
+                      <a:tailEnd type="none" w="med" len="med"/>
+                    </a:lnT>
+                    <a:lnB w="38100" cap="flat" cmpd="sng" algn="ctr">
+                      <a:solidFill>
+                        <a:schemeClr val="tx1"/>
+                      </a:solidFill>
+                      <a:prstDash val="sysDot"/>
+                      <a:round/>
+                      <a:headEnd type="none" w="med" len="med"/>
+                      <a:tailEnd type="none" w="med" len="med"/>
+                    </a:lnB>
+                    <a:lnTlToBr w="12700" cmpd="sng">
+                      <a:noFill/>
+                      <a:prstDash val="solid"/>
+                    </a:lnTlToBr>
+                    <a:lnBlToTr w="12700" cmpd="sng">
+                      <a:noFill/>
+                      <a:prstDash val="solid"/>
+                    </a:lnBlToTr>
+                    <a:noFill/>
+                  </a:tcPr>
+                </a:tc>
+                <a:tc>
+                  <a:txBody>
+                    <a:bodyPr/>
+                    <a:lstStyle/>
+                    <a:p>
+                      <a:endParaRPr lang="en-US" sz="800" dirty="0"/>
+                    </a:p>
+                  </a:txBody>
+                  <a:tcPr>
+                    <a:lnL w="38100" cap="flat" cmpd="sng" algn="ctr">
+                      <a:solidFill>
+                        <a:schemeClr val="tx1"/>
+                      </a:solidFill>
+                      <a:prstDash val="sysDot"/>
+                      <a:round/>
+                      <a:headEnd type="none" w="med" len="med"/>
+                      <a:tailEnd type="none" w="med" len="med"/>
+                    </a:lnL>
+                    <a:lnR w="38100" cap="flat" cmpd="sng" algn="ctr">
+                      <a:solidFill>
+                        <a:schemeClr val="tx1"/>
+                      </a:solidFill>
+                      <a:prstDash val="sysDot"/>
+                      <a:round/>
+                      <a:headEnd type="none" w="med" len="med"/>
+                      <a:tailEnd type="none" w="med" len="med"/>
+                    </a:lnR>
+                    <a:lnT w="38100" cap="flat" cmpd="sng" algn="ctr">
+                      <a:solidFill>
+                        <a:schemeClr val="tx1"/>
+                      </a:solidFill>
+                      <a:prstDash val="sysDot"/>
+                      <a:round/>
+                      <a:headEnd type="none" w="med" len="med"/>
+                      <a:tailEnd type="none" w="med" len="med"/>
+                    </a:lnT>
+                    <a:lnB w="38100" cap="flat" cmpd="sng" algn="ctr">
+                      <a:solidFill>
+                        <a:schemeClr val="tx1"/>
+                      </a:solidFill>
+                      <a:prstDash val="sysDot"/>
+                      <a:round/>
+                      <a:headEnd type="none" w="med" len="med"/>
+                      <a:tailEnd type="none" w="med" len="med"/>
+                    </a:lnB>
+                    <a:lnTlToBr w="12700" cmpd="sng">
+                      <a:noFill/>
+                      <a:prstDash val="solid"/>
+                    </a:lnTlToBr>
+                    <a:lnBlToTr w="12700" cmpd="sng">
+                      <a:noFill/>
+                      <a:prstDash val="solid"/>
+                    </a:lnBlToTr>
+                    <a:solidFill>
+                      <a:schemeClr val="bg2">
+                        <a:lumMod val="90000"/>
+                      </a:schemeClr>
+                    </a:solidFill>
+                  </a:tcPr>
+                </a:tc>
+                <a:tc>
+                  <a:txBody>
+                    <a:bodyPr/>
+                    <a:lstStyle/>
+                    <a:p>
+                      <a:endParaRPr lang="en-US" sz="800" dirty="0"/>
+                    </a:p>
+                  </a:txBody>
+                  <a:tcPr>
+                    <a:lnL w="38100" cap="flat" cmpd="sng" algn="ctr">
+                      <a:solidFill>
+                        <a:schemeClr val="tx1"/>
+                      </a:solidFill>
+                      <a:prstDash val="sysDot"/>
+                      <a:round/>
+                      <a:headEnd type="none" w="med" len="med"/>
+                      <a:tailEnd type="none" w="med" len="med"/>
+                    </a:lnL>
+                    <a:lnR w="38100" cap="flat" cmpd="sng" algn="ctr">
+                      <a:solidFill>
+                        <a:schemeClr val="tx1"/>
+                      </a:solidFill>
+                      <a:prstDash val="sysDot"/>
+                      <a:round/>
+                      <a:headEnd type="none" w="med" len="med"/>
+                      <a:tailEnd type="none" w="med" len="med"/>
+                    </a:lnR>
+                    <a:lnT w="38100" cap="flat" cmpd="sng" algn="ctr">
+                      <a:solidFill>
+                        <a:schemeClr val="tx1"/>
+                      </a:solidFill>
+                      <a:prstDash val="sysDot"/>
+                      <a:round/>
+                      <a:headEnd type="none" w="med" len="med"/>
+                      <a:tailEnd type="none" w="med" len="med"/>
+                    </a:lnT>
+                    <a:lnB w="38100" cap="flat" cmpd="sng" algn="ctr">
+                      <a:solidFill>
+                        <a:schemeClr val="tx1"/>
+                      </a:solidFill>
+                      <a:prstDash val="sysDot"/>
+                      <a:round/>
+                      <a:headEnd type="none" w="med" len="med"/>
+                      <a:tailEnd type="none" w="med" len="med"/>
+                    </a:lnB>
+                    <a:lnTlToBr w="12700" cmpd="sng">
+                      <a:noFill/>
+                      <a:prstDash val="solid"/>
+                    </a:lnTlToBr>
+                    <a:lnBlToTr w="12700" cmpd="sng">
+                      <a:noFill/>
+                      <a:prstDash val="solid"/>
+                    </a:lnBlToTr>
+                    <a:noFill/>
+                  </a:tcPr>
+                </a:tc>
+                <a:tc>
+                  <a:txBody>
+                    <a:bodyPr/>
+                    <a:lstStyle/>
+                    <a:p>
+                      <a:endParaRPr lang="en-US" sz="800" dirty="0"/>
+                    </a:p>
+                  </a:txBody>
+                  <a:tcPr>
+                    <a:lnL w="38100" cap="flat" cmpd="sng" algn="ctr">
+                      <a:solidFill>
+                        <a:schemeClr val="tx1"/>
+                      </a:solidFill>
+                      <a:prstDash val="sysDot"/>
+                      <a:round/>
+                      <a:headEnd type="none" w="med" len="med"/>
+                      <a:tailEnd type="none" w="med" len="med"/>
+                    </a:lnL>
+                    <a:lnR w="38100" cap="flat" cmpd="sng" algn="ctr">
+                      <a:solidFill>
+                        <a:schemeClr val="tx1"/>
+                      </a:solidFill>
+                      <a:prstDash val="sysDot"/>
+                      <a:round/>
+                      <a:headEnd type="none" w="med" len="med"/>
+                      <a:tailEnd type="none" w="med" len="med"/>
+                    </a:lnR>
+                    <a:lnT w="38100" cap="flat" cmpd="sng" algn="ctr">
+                      <a:solidFill>
+                        <a:schemeClr val="tx1"/>
+                      </a:solidFill>
+                      <a:prstDash val="sysDot"/>
+                      <a:round/>
+                      <a:headEnd type="none" w="med" len="med"/>
+                      <a:tailEnd type="none" w="med" len="med"/>
+                    </a:lnT>
+                    <a:lnB w="38100" cap="flat" cmpd="sng" algn="ctr">
+                      <a:solidFill>
+                        <a:schemeClr val="tx1"/>
+                      </a:solidFill>
+                      <a:prstDash val="sysDot"/>
+                      <a:round/>
+                      <a:headEnd type="none" w="med" len="med"/>
+                      <a:tailEnd type="none" w="med" len="med"/>
+                    </a:lnB>
+                    <a:lnTlToBr w="12700" cmpd="sng">
+                      <a:noFill/>
+                      <a:prstDash val="solid"/>
+                    </a:lnTlToBr>
+                    <a:lnBlToTr w="12700" cmpd="sng">
+                      <a:noFill/>
+                      <a:prstDash val="solid"/>
+                    </a:lnBlToTr>
+                    <a:solidFill>
+                      <a:schemeClr val="bg2">
+                        <a:lumMod val="90000"/>
+                      </a:schemeClr>
+                    </a:solidFill>
+                  </a:tcPr>
+                </a:tc>
+                <a:tc>
+                  <a:txBody>
+                    <a:bodyPr/>
+                    <a:lstStyle/>
+                    <a:p>
+                      <a:endParaRPr lang="en-US" sz="800" dirty="0"/>
+                    </a:p>
+                  </a:txBody>
+                  <a:tcPr>
+                    <a:lnL w="38100" cap="flat" cmpd="sng" algn="ctr">
+                      <a:solidFill>
+                        <a:schemeClr val="tx1"/>
+                      </a:solidFill>
+                      <a:prstDash val="sysDot"/>
+                      <a:round/>
+                      <a:headEnd type="none" w="med" len="med"/>
+                      <a:tailEnd type="none" w="med" len="med"/>
+                    </a:lnL>
+                    <a:lnR w="38100" cap="flat" cmpd="sng" algn="ctr">
+                      <a:solidFill>
+                        <a:schemeClr val="tx1"/>
+                      </a:solidFill>
+                      <a:prstDash val="sysDot"/>
+                      <a:round/>
+                      <a:headEnd type="none" w="med" len="med"/>
+                      <a:tailEnd type="none" w="med" len="med"/>
+                    </a:lnR>
+                    <a:lnT w="38100" cap="flat" cmpd="sng" algn="ctr">
+                      <a:solidFill>
+                        <a:schemeClr val="tx1"/>
+                      </a:solidFill>
+                      <a:prstDash val="sysDot"/>
+                      <a:round/>
+                      <a:headEnd type="none" w="med" len="med"/>
+                      <a:tailEnd type="none" w="med" len="med"/>
+                    </a:lnT>
+                    <a:lnB w="38100" cap="flat" cmpd="sng" algn="ctr">
+                      <a:solidFill>
+                        <a:schemeClr val="tx1"/>
+                      </a:solidFill>
+                      <a:prstDash val="sysDot"/>
+                      <a:round/>
+                      <a:headEnd type="none" w="med" len="med"/>
+                      <a:tailEnd type="none" w="med" len="med"/>
+                    </a:lnB>
+                    <a:lnTlToBr w="12700" cmpd="sng">
+                      <a:noFill/>
+                      <a:prstDash val="solid"/>
+                    </a:lnTlToBr>
+                    <a:lnBlToTr w="12700" cmpd="sng">
+                      <a:noFill/>
+                      <a:prstDash val="solid"/>
+                    </a:lnBlToTr>
+                    <a:noFill/>
+                  </a:tcPr>
+                </a:tc>
+                <a:tc>
+                  <a:txBody>
+                    <a:bodyPr/>
+                    <a:lstStyle/>
+                    <a:p>
+                      <a:endParaRPr lang="en-US" sz="800" dirty="0"/>
+                    </a:p>
+                  </a:txBody>
+                  <a:tcPr>
+                    <a:lnL w="38100" cap="flat" cmpd="sng" algn="ctr">
+                      <a:solidFill>
+                        <a:schemeClr val="tx1"/>
+                      </a:solidFill>
+                      <a:prstDash val="sysDot"/>
+                      <a:round/>
+                      <a:headEnd type="none" w="med" len="med"/>
+                      <a:tailEnd type="none" w="med" len="med"/>
+                    </a:lnL>
+                    <a:lnR w="38100" cap="flat" cmpd="sng" algn="ctr">
+                      <a:solidFill>
+                        <a:schemeClr val="tx1"/>
+                      </a:solidFill>
+                      <a:prstDash val="sysDot"/>
+                      <a:round/>
+                      <a:headEnd type="none" w="med" len="med"/>
+                      <a:tailEnd type="none" w="med" len="med"/>
+                    </a:lnR>
+                    <a:lnT w="38100" cap="flat" cmpd="sng" algn="ctr">
+                      <a:solidFill>
+                        <a:schemeClr val="tx1"/>
+                      </a:solidFill>
+                      <a:prstDash val="sysDot"/>
+                      <a:round/>
+                      <a:headEnd type="none" w="med" len="med"/>
+                      <a:tailEnd type="none" w="med" len="med"/>
+                    </a:lnT>
+                    <a:lnB w="38100" cap="flat" cmpd="sng" algn="ctr">
+                      <a:solidFill>
+                        <a:schemeClr val="tx1"/>
+                      </a:solidFill>
+                      <a:prstDash val="sysDot"/>
+                      <a:round/>
+                      <a:headEnd type="none" w="med" len="med"/>
+                      <a:tailEnd type="none" w="med" len="med"/>
+                    </a:lnB>
+                    <a:lnTlToBr w="12700" cmpd="sng">
+                      <a:noFill/>
+                      <a:prstDash val="solid"/>
+                    </a:lnTlToBr>
+                    <a:lnBlToTr w="12700" cmpd="sng">
+                      <a:noFill/>
+                      <a:prstDash val="solid"/>
+                    </a:lnBlToTr>
+                    <a:solidFill>
+                      <a:schemeClr val="bg2">
+                        <a:lumMod val="90000"/>
+                      </a:schemeClr>
+                    </a:solidFill>
+                  </a:tcPr>
+                </a:tc>
+                <a:tc>
+                  <a:txBody>
+                    <a:bodyPr/>
+                    <a:lstStyle/>
+                    <a:p>
+                      <a:endParaRPr lang="en-US" sz="800" dirty="0"/>
+                    </a:p>
+                  </a:txBody>
+                  <a:tcPr>
+                    <a:lnL w="38100" cap="flat" cmpd="sng" algn="ctr">
+                      <a:solidFill>
+                        <a:schemeClr val="tx1"/>
+                      </a:solidFill>
+                      <a:prstDash val="sysDot"/>
+                      <a:round/>
+                      <a:headEnd type="none" w="med" len="med"/>
+                      <a:tailEnd type="none" w="med" len="med"/>
+                    </a:lnL>
+                    <a:lnR w="38100" cap="flat" cmpd="sng" algn="ctr">
+                      <a:solidFill>
+                        <a:schemeClr val="tx1"/>
+                      </a:solidFill>
+                      <a:prstDash val="sysDot"/>
+                      <a:round/>
+                      <a:headEnd type="none" w="med" len="med"/>
+                      <a:tailEnd type="none" w="med" len="med"/>
+                    </a:lnR>
+                    <a:lnT w="38100" cap="flat" cmpd="sng" algn="ctr">
+                      <a:solidFill>
+                        <a:schemeClr val="tx1"/>
+                      </a:solidFill>
+                      <a:prstDash val="sysDot"/>
+                      <a:round/>
+                      <a:headEnd type="none" w="med" len="med"/>
+                      <a:tailEnd type="none" w="med" len="med"/>
+                    </a:lnT>
+                    <a:lnB w="38100" cap="flat" cmpd="sng" algn="ctr">
+                      <a:solidFill>
+                        <a:schemeClr val="tx1"/>
+                      </a:solidFill>
+                      <a:prstDash val="sysDot"/>
+                      <a:round/>
+                      <a:headEnd type="none" w="med" len="med"/>
+                      <a:tailEnd type="none" w="med" len="med"/>
+                    </a:lnB>
+                    <a:lnTlToBr w="12700" cmpd="sng">
+                      <a:noFill/>
+                      <a:prstDash val="solid"/>
+                    </a:lnTlToBr>
+                    <a:lnBlToTr w="12700" cmpd="sng">
+                      <a:noFill/>
+                      <a:prstDash val="solid"/>
+                    </a:lnBlToTr>
+                    <a:noFill/>
+                  </a:tcPr>
+                </a:tc>
+                <a:tc>
+                  <a:txBody>
+                    <a:bodyPr/>
+                    <a:lstStyle/>
+                    <a:p>
+                      <a:endParaRPr lang="en-US" sz="800" dirty="0"/>
+                    </a:p>
+                  </a:txBody>
+                  <a:tcPr>
+                    <a:lnL w="38100" cap="flat" cmpd="sng" algn="ctr">
+                      <a:solidFill>
+                        <a:schemeClr val="tx1"/>
+                      </a:solidFill>
+                      <a:prstDash val="sysDot"/>
+                      <a:round/>
+                      <a:headEnd type="none" w="med" len="med"/>
+                      <a:tailEnd type="none" w="med" len="med"/>
+                    </a:lnL>
+                    <a:lnR w="38100" cap="flat" cmpd="sng" algn="ctr">
+                      <a:solidFill>
+                        <a:schemeClr val="tx1"/>
+                      </a:solidFill>
+                      <a:prstDash val="sysDot"/>
+                      <a:round/>
+                      <a:headEnd type="none" w="med" len="med"/>
+                      <a:tailEnd type="none" w="med" len="med"/>
+                    </a:lnR>
+                    <a:lnT w="38100" cap="flat" cmpd="sng" algn="ctr">
+                      <a:solidFill>
+                        <a:schemeClr val="tx1"/>
+                      </a:solidFill>
+                      <a:prstDash val="sysDot"/>
+                      <a:round/>
+                      <a:headEnd type="none" w="med" len="med"/>
+                      <a:tailEnd type="none" w="med" len="med"/>
+                    </a:lnT>
+                    <a:lnB w="38100" cap="flat" cmpd="sng" algn="ctr">
+                      <a:solidFill>
+                        <a:schemeClr val="tx1"/>
+                      </a:solidFill>
+                      <a:prstDash val="sysDot"/>
+                      <a:round/>
+                      <a:headEnd type="none" w="med" len="med"/>
+                      <a:tailEnd type="none" w="med" len="med"/>
+                    </a:lnB>
+                    <a:lnTlToBr w="12700" cmpd="sng">
+                      <a:noFill/>
+                      <a:prstDash val="solid"/>
+                    </a:lnTlToBr>
+                    <a:lnBlToTr w="12700" cmpd="sng">
+                      <a:noFill/>
+                      <a:prstDash val="solid"/>
+                    </a:lnBlToTr>
+                    <a:solidFill>
+                      <a:schemeClr val="bg2">
+                        <a:lumMod val="90000"/>
+                      </a:schemeClr>
+                    </a:solidFill>
+                  </a:tcPr>
+                </a:tc>
+                <a:extLst>
+                  <a:ext uri="{0D108BD9-81ED-4DB2-BD59-A6C34878D82A}">
+                    <a16:rowId xmlns:a16="http://schemas.microsoft.com/office/drawing/2014/main" val="3728249601"/>
+                  </a:ext>
+                </a:extLst>
+              </a:tr>
+              <a:tr h="685800">
+                <a:tc>
+                  <a:txBody>
+                    <a:bodyPr/>
+                    <a:lstStyle/>
+                    <a:p>
+                      <a:endParaRPr lang="en-US" sz="800" dirty="0"/>
+                    </a:p>
+                  </a:txBody>
+                  <a:tcPr>
+                    <a:lnL w="38100" cap="flat" cmpd="sng" algn="ctr">
+                      <a:solidFill>
+                        <a:schemeClr val="tx1"/>
+                      </a:solidFill>
+                      <a:prstDash val="sysDot"/>
+                      <a:round/>
+                      <a:headEnd type="none" w="med" len="med"/>
+                      <a:tailEnd type="none" w="med" len="med"/>
+                    </a:lnL>
+                    <a:lnR w="38100" cap="flat" cmpd="sng" algn="ctr">
+                      <a:solidFill>
+                        <a:schemeClr val="tx1"/>
+                      </a:solidFill>
+                      <a:prstDash val="sysDot"/>
+                      <a:round/>
+                      <a:headEnd type="none" w="med" len="med"/>
+                      <a:tailEnd type="none" w="med" len="med"/>
+                    </a:lnR>
+                    <a:lnT w="38100" cap="flat" cmpd="sng" algn="ctr">
+                      <a:solidFill>
+                        <a:schemeClr val="tx1"/>
+                      </a:solidFill>
+                      <a:prstDash val="sysDot"/>
+                      <a:round/>
+                      <a:headEnd type="none" w="med" len="med"/>
+                      <a:tailEnd type="none" w="med" len="med"/>
+                    </a:lnT>
+                    <a:lnB w="38100" cap="flat" cmpd="sng" algn="ctr">
+                      <a:solidFill>
+                        <a:schemeClr val="tx1"/>
+                      </a:solidFill>
+                      <a:prstDash val="sysDot"/>
+                      <a:round/>
+                      <a:headEnd type="none" w="med" len="med"/>
+                      <a:tailEnd type="none" w="med" len="med"/>
+                    </a:lnB>
+                    <a:lnTlToBr w="12700" cmpd="sng">
+                      <a:noFill/>
+                      <a:prstDash val="solid"/>
+                    </a:lnTlToBr>
+                    <a:lnBlToTr w="12700" cmpd="sng">
+                      <a:noFill/>
+                      <a:prstDash val="solid"/>
+                    </a:lnBlToTr>
+                    <a:solidFill>
+                      <a:schemeClr val="bg2">
+                        <a:lumMod val="90000"/>
+                      </a:schemeClr>
+                    </a:solidFill>
+                  </a:tcPr>
+                </a:tc>
+                <a:tc>
+                  <a:txBody>
+                    <a:bodyPr/>
+                    <a:lstStyle/>
+                    <a:p>
+                      <a:endParaRPr lang="en-US" sz="800" dirty="0"/>
+                    </a:p>
+                  </a:txBody>
+                  <a:tcPr>
+                    <a:lnL w="38100" cap="flat" cmpd="sng" algn="ctr">
+                      <a:solidFill>
+                        <a:schemeClr val="tx1"/>
+                      </a:solidFill>
+                      <a:prstDash val="sysDot"/>
+                      <a:round/>
+                      <a:headEnd type="none" w="med" len="med"/>
+                      <a:tailEnd type="none" w="med" len="med"/>
+                    </a:lnL>
+                    <a:lnR w="38100" cap="flat" cmpd="sng" algn="ctr">
+                      <a:solidFill>
+                        <a:schemeClr val="tx1"/>
+                      </a:solidFill>
+                      <a:prstDash val="sysDot"/>
+                      <a:round/>
+                      <a:headEnd type="none" w="med" len="med"/>
+                      <a:tailEnd type="none" w="med" len="med"/>
+                    </a:lnR>
+                    <a:lnT w="38100" cap="flat" cmpd="sng" algn="ctr">
+                      <a:solidFill>
+                        <a:schemeClr val="tx1"/>
+                      </a:solidFill>
+                      <a:prstDash val="sysDot"/>
+                      <a:round/>
+                      <a:headEnd type="none" w="med" len="med"/>
+                      <a:tailEnd type="none" w="med" len="med"/>
+                    </a:lnT>
+                    <a:lnB w="38100" cap="flat" cmpd="sng" algn="ctr">
+                      <a:solidFill>
+                        <a:schemeClr val="tx1"/>
+                      </a:solidFill>
+                      <a:prstDash val="sysDot"/>
+                      <a:round/>
+                      <a:headEnd type="none" w="med" len="med"/>
+                      <a:tailEnd type="none" w="med" len="med"/>
+                    </a:lnB>
+                    <a:lnTlToBr w="12700" cmpd="sng">
+                      <a:noFill/>
+                      <a:prstDash val="solid"/>
+                    </a:lnTlToBr>
+                    <a:lnBlToTr w="12700" cmpd="sng">
+                      <a:noFill/>
+                      <a:prstDash val="solid"/>
+                    </a:lnBlToTr>
+                    <a:noFill/>
+                  </a:tcPr>
+                </a:tc>
+                <a:tc>
+                  <a:txBody>
+                    <a:bodyPr/>
+                    <a:lstStyle/>
+                    <a:p>
+                      <a:endParaRPr lang="en-US" sz="800" dirty="0"/>
+                    </a:p>
+                  </a:txBody>
+                  <a:tcPr>
+                    <a:lnL w="38100" cap="flat" cmpd="sng" algn="ctr">
+                      <a:solidFill>
+                        <a:schemeClr val="tx1"/>
+                      </a:solidFill>
+                      <a:prstDash val="sysDot"/>
+                      <a:round/>
+                      <a:headEnd type="none" w="med" len="med"/>
+                      <a:tailEnd type="none" w="med" len="med"/>
+                    </a:lnL>
+                    <a:lnR w="38100" cap="flat" cmpd="sng" algn="ctr">
+                      <a:solidFill>
+                        <a:schemeClr val="tx1"/>
+                      </a:solidFill>
+                      <a:prstDash val="sysDot"/>
+                      <a:round/>
+                      <a:headEnd type="none" w="med" len="med"/>
+                      <a:tailEnd type="none" w="med" len="med"/>
+                    </a:lnR>
+                    <a:lnT w="38100" cap="flat" cmpd="sng" algn="ctr">
+                      <a:solidFill>
+                        <a:schemeClr val="tx1"/>
+                      </a:solidFill>
+                      <a:prstDash val="sysDot"/>
+                      <a:round/>
+                      <a:headEnd type="none" w="med" len="med"/>
+                      <a:tailEnd type="none" w="med" len="med"/>
+                    </a:lnT>
+                    <a:lnB w="38100" cap="flat" cmpd="sng" algn="ctr">
+                      <a:solidFill>
+                        <a:schemeClr val="tx1"/>
+                      </a:solidFill>
+                      <a:prstDash val="sysDot"/>
+                      <a:round/>
+                      <a:headEnd type="none" w="med" len="med"/>
+                      <a:tailEnd type="none" w="med" len="med"/>
+                    </a:lnB>
+                    <a:lnTlToBr w="12700" cmpd="sng">
+                      <a:noFill/>
+                      <a:prstDash val="solid"/>
+                    </a:lnTlToBr>
+                    <a:lnBlToTr w="12700" cmpd="sng">
+                      <a:noFill/>
+                      <a:prstDash val="solid"/>
+                    </a:lnBlToTr>
+                    <a:solidFill>
+                      <a:schemeClr val="bg2">
+                        <a:lumMod val="90000"/>
+                      </a:schemeClr>
+                    </a:solidFill>
+                  </a:tcPr>
+                </a:tc>
+                <a:tc>
+                  <a:txBody>
+                    <a:bodyPr/>
+                    <a:lstStyle/>
+                    <a:p>
+                      <a:endParaRPr lang="en-US" sz="800" dirty="0"/>
+                    </a:p>
+                  </a:txBody>
+                  <a:tcPr>
+                    <a:lnL w="38100" cap="flat" cmpd="sng" algn="ctr">
+                      <a:solidFill>
+                        <a:schemeClr val="tx1"/>
+                      </a:solidFill>
+                      <a:prstDash val="sysDot"/>
+                      <a:round/>
+                      <a:headEnd type="none" w="med" len="med"/>
+                      <a:tailEnd type="none" w="med" len="med"/>
+                    </a:lnL>
+                    <a:lnR w="38100" cap="flat" cmpd="sng" algn="ctr">
+                      <a:solidFill>
+                        <a:schemeClr val="tx1"/>
+                      </a:solidFill>
+                      <a:prstDash val="sysDot"/>
+                      <a:round/>
+                      <a:headEnd type="none" w="med" len="med"/>
+                      <a:tailEnd type="none" w="med" len="med"/>
+                    </a:lnR>
+                    <a:lnT w="38100" cap="flat" cmpd="sng" algn="ctr">
+                      <a:solidFill>
+                        <a:schemeClr val="tx1"/>
+                      </a:solidFill>
+                      <a:prstDash val="sysDot"/>
+                      <a:round/>
+                      <a:headEnd type="none" w="med" len="med"/>
+                      <a:tailEnd type="none" w="med" len="med"/>
+                    </a:lnT>
+                    <a:lnB w="38100" cap="flat" cmpd="sng" algn="ctr">
+                      <a:solidFill>
+                        <a:schemeClr val="tx1"/>
+                      </a:solidFill>
+                      <a:prstDash val="sysDot"/>
+                      <a:round/>
+                      <a:headEnd type="none" w="med" len="med"/>
+                      <a:tailEnd type="none" w="med" len="med"/>
+                    </a:lnB>
+                    <a:lnTlToBr w="12700" cmpd="sng">
+                      <a:noFill/>
+                      <a:prstDash val="solid"/>
+                    </a:lnTlToBr>
+                    <a:lnBlToTr w="12700" cmpd="sng">
+                      <a:noFill/>
+                      <a:prstDash val="solid"/>
+                    </a:lnBlToTr>
+                    <a:noFill/>
+                  </a:tcPr>
+                </a:tc>
+                <a:tc>
+                  <a:txBody>
+                    <a:bodyPr/>
+                    <a:lstStyle/>
+                    <a:p>
+                      <a:endParaRPr lang="en-US" sz="800" dirty="0"/>
+                    </a:p>
+                  </a:txBody>
+                  <a:tcPr>
+                    <a:lnL w="38100" cap="flat" cmpd="sng" algn="ctr">
+                      <a:solidFill>
+                        <a:schemeClr val="tx1"/>
+                      </a:solidFill>
+                      <a:prstDash val="sysDot"/>
+                      <a:round/>
+                      <a:headEnd type="none" w="med" len="med"/>
+                      <a:tailEnd type="none" w="med" len="med"/>
+                    </a:lnL>
+                    <a:lnR w="38100" cap="flat" cmpd="sng" algn="ctr">
+                      <a:solidFill>
+                        <a:schemeClr val="tx1"/>
+                      </a:solidFill>
+                      <a:prstDash val="sysDot"/>
+                      <a:round/>
+                      <a:headEnd type="none" w="med" len="med"/>
+                      <a:tailEnd type="none" w="med" len="med"/>
+                    </a:lnR>
+                    <a:lnT w="38100" cap="flat" cmpd="sng" algn="ctr">
+                      <a:solidFill>
+                        <a:schemeClr val="tx1"/>
+                      </a:solidFill>
+                      <a:prstDash val="sysDot"/>
+                      <a:round/>
+                      <a:headEnd type="none" w="med" len="med"/>
+                      <a:tailEnd type="none" w="med" len="med"/>
+                    </a:lnT>
+                    <a:lnB w="38100" cap="flat" cmpd="sng" algn="ctr">
+                      <a:solidFill>
+                        <a:schemeClr val="tx1"/>
+                      </a:solidFill>
+                      <a:prstDash val="sysDot"/>
+                      <a:round/>
+                      <a:headEnd type="none" w="med" len="med"/>
+                      <a:tailEnd type="none" w="med" len="med"/>
+                    </a:lnB>
+                    <a:lnTlToBr w="12700" cmpd="sng">
+                      <a:noFill/>
+                      <a:prstDash val="solid"/>
+                    </a:lnTlToBr>
+                    <a:lnBlToTr w="12700" cmpd="sng">
+                      <a:noFill/>
+                      <a:prstDash val="solid"/>
+                    </a:lnBlToTr>
+                    <a:solidFill>
+                      <a:schemeClr val="bg2">
+                        <a:lumMod val="90000"/>
+                      </a:schemeClr>
+                    </a:solidFill>
+                  </a:tcPr>
+                </a:tc>
+                <a:tc>
+                  <a:txBody>
+                    <a:bodyPr/>
+                    <a:lstStyle/>
+                    <a:p>
+                      <a:endParaRPr lang="en-US" sz="800" dirty="0"/>
+                    </a:p>
+                  </a:txBody>
+                  <a:tcPr>
+                    <a:lnL w="38100" cap="flat" cmpd="sng" algn="ctr">
+                      <a:solidFill>
+                        <a:schemeClr val="tx1"/>
+                      </a:solidFill>
+                      <a:prstDash val="sysDot"/>
+                      <a:round/>
+                      <a:headEnd type="none" w="med" len="med"/>
+                      <a:tailEnd type="none" w="med" len="med"/>
+                    </a:lnL>
+                    <a:lnR w="38100" cap="flat" cmpd="sng" algn="ctr">
+                      <a:solidFill>
+                        <a:schemeClr val="tx1"/>
+                      </a:solidFill>
+                      <a:prstDash val="sysDot"/>
+                      <a:round/>
+                      <a:headEnd type="none" w="med" len="med"/>
+                      <a:tailEnd type="none" w="med" len="med"/>
+                    </a:lnR>
+                    <a:lnT w="38100" cap="flat" cmpd="sng" algn="ctr">
+                      <a:solidFill>
+                        <a:schemeClr val="tx1"/>
+                      </a:solidFill>
+                      <a:prstDash val="sysDot"/>
+                      <a:round/>
+                      <a:headEnd type="none" w="med" len="med"/>
+                      <a:tailEnd type="none" w="med" len="med"/>
+                    </a:lnT>
+                    <a:lnB w="38100" cap="flat" cmpd="sng" algn="ctr">
+                      <a:solidFill>
+                        <a:schemeClr val="tx1"/>
+                      </a:solidFill>
+                      <a:prstDash val="sysDot"/>
+                      <a:round/>
+                      <a:headEnd type="none" w="med" len="med"/>
+                      <a:tailEnd type="none" w="med" len="med"/>
+                    </a:lnB>
+                    <a:lnTlToBr w="12700" cmpd="sng">
+                      <a:noFill/>
+                      <a:prstDash val="solid"/>
+                    </a:lnTlToBr>
+                    <a:lnBlToTr w="12700" cmpd="sng">
+                      <a:noFill/>
+                      <a:prstDash val="solid"/>
+                    </a:lnBlToTr>
+                    <a:noFill/>
+                  </a:tcPr>
+                </a:tc>
+                <a:tc>
+                  <a:txBody>
+                    <a:bodyPr/>
+                    <a:lstStyle/>
+                    <a:p>
+                      <a:endParaRPr lang="en-US" sz="800" dirty="0"/>
+                    </a:p>
+                  </a:txBody>
+                  <a:tcPr>
+                    <a:lnL w="38100" cap="flat" cmpd="sng" algn="ctr">
+                      <a:solidFill>
+                        <a:schemeClr val="tx1"/>
+                      </a:solidFill>
+                      <a:prstDash val="sysDot"/>
+                      <a:round/>
+                      <a:headEnd type="none" w="med" len="med"/>
+                      <a:tailEnd type="none" w="med" len="med"/>
+                    </a:lnL>
+                    <a:lnR w="38100" cap="flat" cmpd="sng" algn="ctr">
+                      <a:solidFill>
+                        <a:schemeClr val="tx1"/>
+                      </a:solidFill>
+                      <a:prstDash val="sysDot"/>
+                      <a:round/>
+                      <a:headEnd type="none" w="med" len="med"/>
+                      <a:tailEnd type="none" w="med" len="med"/>
+                    </a:lnR>
+                    <a:lnT w="38100" cap="flat" cmpd="sng" algn="ctr">
+                      <a:solidFill>
+                        <a:schemeClr val="tx1"/>
+                      </a:solidFill>
+                      <a:prstDash val="sysDot"/>
+                      <a:round/>
+                      <a:headEnd type="none" w="med" len="med"/>
+                      <a:tailEnd type="none" w="med" len="med"/>
+                    </a:lnT>
+                    <a:lnB w="38100" cap="flat" cmpd="sng" algn="ctr">
+                      <a:solidFill>
+                        <a:schemeClr val="tx1"/>
+                      </a:solidFill>
+                      <a:prstDash val="sysDot"/>
+                      <a:round/>
+                      <a:headEnd type="none" w="med" len="med"/>
+                      <a:tailEnd type="none" w="med" len="med"/>
+                    </a:lnB>
+                    <a:lnTlToBr w="12700" cmpd="sng">
+                      <a:noFill/>
+                      <a:prstDash val="solid"/>
+                    </a:lnTlToBr>
+                    <a:lnBlToTr w="12700" cmpd="sng">
+                      <a:noFill/>
+                      <a:prstDash val="solid"/>
+                    </a:lnBlToTr>
+                    <a:solidFill>
+                      <a:schemeClr val="bg2">
+                        <a:lumMod val="90000"/>
+                      </a:schemeClr>
+                    </a:solidFill>
+                  </a:tcPr>
+                </a:tc>
+                <a:tc>
+                  <a:txBody>
+                    <a:bodyPr/>
+                    <a:lstStyle/>
+                    <a:p>
+                      <a:endParaRPr lang="en-US" sz="800" dirty="0"/>
+                    </a:p>
+                  </a:txBody>
+                  <a:tcPr>
+                    <a:lnL w="38100" cap="flat" cmpd="sng" algn="ctr">
+                      <a:solidFill>
+                        <a:schemeClr val="tx1"/>
+                      </a:solidFill>
+                      <a:prstDash val="sysDot"/>
+                      <a:round/>
+                      <a:headEnd type="none" w="med" len="med"/>
+                      <a:tailEnd type="none" w="med" len="med"/>
+                    </a:lnL>
+                    <a:lnR w="38100" cap="flat" cmpd="sng" algn="ctr">
+                      <a:solidFill>
+                        <a:schemeClr val="tx1"/>
+                      </a:solidFill>
+                      <a:prstDash val="sysDot"/>
+                      <a:round/>
+                      <a:headEnd type="none" w="med" len="med"/>
+                      <a:tailEnd type="none" w="med" len="med"/>
+                    </a:lnR>
+                    <a:lnT w="38100" cap="flat" cmpd="sng" algn="ctr">
+                      <a:solidFill>
+                        <a:schemeClr val="tx1"/>
+                      </a:solidFill>
+                      <a:prstDash val="sysDot"/>
+                      <a:round/>
+                      <a:headEnd type="none" w="med" len="med"/>
+                      <a:tailEnd type="none" w="med" len="med"/>
+                    </a:lnT>
+                    <a:lnB w="38100" cap="flat" cmpd="sng" algn="ctr">
+                      <a:solidFill>
+                        <a:schemeClr val="tx1"/>
+                      </a:solidFill>
+                      <a:prstDash val="sysDot"/>
+                      <a:round/>
+                      <a:headEnd type="none" w="med" len="med"/>
+                      <a:tailEnd type="none" w="med" len="med"/>
+                    </a:lnB>
+                    <a:lnTlToBr w="12700" cmpd="sng">
+                      <a:noFill/>
+                      <a:prstDash val="solid"/>
+                    </a:lnTlToBr>
+                    <a:lnBlToTr w="12700" cmpd="sng">
+                      <a:noFill/>
+                      <a:prstDash val="solid"/>
+                    </a:lnBlToTr>
+                    <a:noFill/>
+                  </a:tcPr>
+                </a:tc>
+                <a:extLst>
+                  <a:ext uri="{0D108BD9-81ED-4DB2-BD59-A6C34878D82A}">
+                    <a16:rowId xmlns:a16="http://schemas.microsoft.com/office/drawing/2014/main" val="106255211"/>
+                  </a:ext>
+                </a:extLst>
+              </a:tr>
+            </a:tbl>
+          </a:graphicData>
+        </a:graphic>
+      </p:graphicFrame>
+      <p:graphicFrame>
+        <p:nvGraphicFramePr>
+          <p:cNvPr id="7" name="Table 7">
+            <a:extLst>
+              <a:ext uri="{FF2B5EF4-FFF2-40B4-BE49-F238E27FC236}">
+                <a16:creationId xmlns:a16="http://schemas.microsoft.com/office/drawing/2014/main" id="{01D4DCEC-019A-F5D4-A358-61481F55A78A}"/>
+              </a:ext>
+            </a:extLst>
+          </p:cNvPr>
+          <p:cNvGraphicFramePr>
+            <a:graphicFrameLocks noGrp="1"/>
+          </p:cNvGraphicFramePr>
+          <p:nvPr>
+            <p:extLst>
+              <p:ext uri="{D42A27DB-BD31-4B8C-83A1-F6EECF244321}">
+                <p14:modId xmlns:p14="http://schemas.microsoft.com/office/powerpoint/2010/main" val="2597939016"/>
+              </p:ext>
+            </p:extLst>
+          </p:nvPr>
+        </p:nvGraphicFramePr>
+        <p:xfrm>
+          <a:off x="1311928" y="399916"/>
+          <a:ext cx="367553" cy="5486400"/>
+        </p:xfrm>
+        <a:graphic>
+          <a:graphicData uri="http://schemas.openxmlformats.org/drawingml/2006/table">
+            <a:tbl>
+              <a:tblPr firstRow="1" bandRow="1">
+                <a:tableStyleId>{2D5ABB26-0587-4C30-8999-92F81FD0307C}</a:tableStyleId>
+              </a:tblPr>
+              <a:tblGrid>
+                <a:gridCol w="367553">
+                  <a:extLst>
+                    <a:ext uri="{9D8B030D-6E8A-4147-A177-3AD203B41FA5}">
+                      <a16:colId xmlns:a16="http://schemas.microsoft.com/office/drawing/2014/main" val="3365589889"/>
+                    </a:ext>
+                  </a:extLst>
+                </a:gridCol>
+              </a:tblGrid>
+              <a:tr h="685800">
+                <a:tc>
+                  <a:txBody>
+                    <a:bodyPr/>
+                    <a:lstStyle/>
+                    <a:p>
+                      <a:r>
+                        <a:rPr lang="en-GB" dirty="0"/>
+                        <a:t>8</a:t>
+                      </a:r>
+                    </a:p>
+                  </a:txBody>
+                  <a:tcPr/>
+                </a:tc>
+                <a:extLst>
+                  <a:ext uri="{0D108BD9-81ED-4DB2-BD59-A6C34878D82A}">
+                    <a16:rowId xmlns:a16="http://schemas.microsoft.com/office/drawing/2014/main" val="3924536603"/>
+                  </a:ext>
+                </a:extLst>
+              </a:tr>
+              <a:tr h="685800">
+                <a:tc>
+                  <a:txBody>
+                    <a:bodyPr/>
+                    <a:lstStyle/>
+                    <a:p>
+                      <a:r>
+                        <a:rPr lang="en-GB" dirty="0"/>
+                        <a:t>7</a:t>
+                      </a:r>
+                      <a:endParaRPr lang="en-US" dirty="0"/>
+                    </a:p>
+                  </a:txBody>
+                  <a:tcPr/>
+                </a:tc>
+                <a:extLst>
+                  <a:ext uri="{0D108BD9-81ED-4DB2-BD59-A6C34878D82A}">
+                    <a16:rowId xmlns:a16="http://schemas.microsoft.com/office/drawing/2014/main" val="3448292974"/>
+                  </a:ext>
+                </a:extLst>
+              </a:tr>
+              <a:tr h="685800">
+                <a:tc>
+                  <a:txBody>
+                    <a:bodyPr/>
+                    <a:lstStyle/>
+                    <a:p>
+                      <a:r>
+                        <a:rPr lang="en-GB" dirty="0"/>
+                        <a:t>6</a:t>
+                      </a:r>
+                      <a:endParaRPr lang="en-US" dirty="0"/>
+                    </a:p>
+                  </a:txBody>
+                  <a:tcPr/>
+                </a:tc>
+                <a:extLst>
+                  <a:ext uri="{0D108BD9-81ED-4DB2-BD59-A6C34878D82A}">
+                    <a16:rowId xmlns:a16="http://schemas.microsoft.com/office/drawing/2014/main" val="3540322648"/>
+                  </a:ext>
+                </a:extLst>
+              </a:tr>
+              <a:tr h="685800">
+                <a:tc>
+                  <a:txBody>
+                    <a:bodyPr/>
+                    <a:lstStyle/>
+                    <a:p>
+                      <a:r>
+                        <a:rPr lang="en-GB" dirty="0"/>
+                        <a:t>5</a:t>
+                      </a:r>
+                      <a:endParaRPr lang="en-US" dirty="0"/>
+                    </a:p>
+                  </a:txBody>
+                  <a:tcPr/>
+                </a:tc>
+                <a:extLst>
+                  <a:ext uri="{0D108BD9-81ED-4DB2-BD59-A6C34878D82A}">
+                    <a16:rowId xmlns:a16="http://schemas.microsoft.com/office/drawing/2014/main" val="708032988"/>
+                  </a:ext>
+                </a:extLst>
+              </a:tr>
+              <a:tr h="685800">
+                <a:tc>
+                  <a:txBody>
+                    <a:bodyPr/>
+                    <a:lstStyle/>
+                    <a:p>
+                      <a:r>
+                        <a:rPr lang="en-GB" dirty="0"/>
+                        <a:t>4</a:t>
+                      </a:r>
+                      <a:endParaRPr lang="en-US" dirty="0"/>
+                    </a:p>
+                  </a:txBody>
+                  <a:tcPr/>
+                </a:tc>
+                <a:extLst>
+                  <a:ext uri="{0D108BD9-81ED-4DB2-BD59-A6C34878D82A}">
+                    <a16:rowId xmlns:a16="http://schemas.microsoft.com/office/drawing/2014/main" val="2845889688"/>
+                  </a:ext>
+                </a:extLst>
+              </a:tr>
+              <a:tr h="685800">
+                <a:tc>
+                  <a:txBody>
+                    <a:bodyPr/>
+                    <a:lstStyle/>
+                    <a:p>
+                      <a:r>
+                        <a:rPr lang="en-GB" dirty="0"/>
+                        <a:t>3</a:t>
+                      </a:r>
+                      <a:endParaRPr lang="en-US" dirty="0"/>
+                    </a:p>
+                  </a:txBody>
+                  <a:tcPr/>
+                </a:tc>
+                <a:extLst>
+                  <a:ext uri="{0D108BD9-81ED-4DB2-BD59-A6C34878D82A}">
+                    <a16:rowId xmlns:a16="http://schemas.microsoft.com/office/drawing/2014/main" val="3146044157"/>
+                  </a:ext>
+                </a:extLst>
+              </a:tr>
+              <a:tr h="685800">
+                <a:tc>
+                  <a:txBody>
+                    <a:bodyPr/>
+                    <a:lstStyle/>
+                    <a:p>
+                      <a:r>
+                        <a:rPr lang="en-GB" dirty="0"/>
+                        <a:t>2</a:t>
+                      </a:r>
+                      <a:endParaRPr lang="en-US" dirty="0"/>
+                    </a:p>
+                  </a:txBody>
+                  <a:tcPr/>
+                </a:tc>
+                <a:extLst>
+                  <a:ext uri="{0D108BD9-81ED-4DB2-BD59-A6C34878D82A}">
+                    <a16:rowId xmlns:a16="http://schemas.microsoft.com/office/drawing/2014/main" val="3127139323"/>
+                  </a:ext>
+                </a:extLst>
+              </a:tr>
+              <a:tr h="685800">
+                <a:tc>
+                  <a:txBody>
+                    <a:bodyPr/>
+                    <a:lstStyle/>
+                    <a:p>
+                      <a:r>
+                        <a:rPr lang="en-GB" dirty="0"/>
+                        <a:t>1</a:t>
+                      </a:r>
+                      <a:endParaRPr lang="en-US" dirty="0"/>
+                    </a:p>
+                  </a:txBody>
+                  <a:tcPr/>
+                </a:tc>
+                <a:extLst>
+                  <a:ext uri="{0D108BD9-81ED-4DB2-BD59-A6C34878D82A}">
+                    <a16:rowId xmlns:a16="http://schemas.microsoft.com/office/drawing/2014/main" val="2230072434"/>
+                  </a:ext>
+                </a:extLst>
+              </a:tr>
+            </a:tbl>
+          </a:graphicData>
+        </a:graphic>
+      </p:graphicFrame>
+      <p:graphicFrame>
+        <p:nvGraphicFramePr>
+          <p:cNvPr id="8" name="Table 8">
+            <a:extLst>
+              <a:ext uri="{FF2B5EF4-FFF2-40B4-BE49-F238E27FC236}">
+                <a16:creationId xmlns:a16="http://schemas.microsoft.com/office/drawing/2014/main" id="{16425EF0-8261-6B54-6C21-8F6341841BD9}"/>
+              </a:ext>
+            </a:extLst>
+          </p:cNvPr>
+          <p:cNvGraphicFramePr>
+            <a:graphicFrameLocks noGrp="1"/>
+          </p:cNvGraphicFramePr>
+          <p:nvPr>
+            <p:extLst>
+              <p:ext uri="{D42A27DB-BD31-4B8C-83A1-F6EECF244321}">
+                <p14:modId xmlns:p14="http://schemas.microsoft.com/office/powerpoint/2010/main" val="470744657"/>
+              </p:ext>
+            </p:extLst>
+          </p:nvPr>
+        </p:nvGraphicFramePr>
+        <p:xfrm>
+          <a:off x="1898426" y="6104516"/>
+          <a:ext cx="5486400" cy="370840"/>
+        </p:xfrm>
+        <a:graphic>
+          <a:graphicData uri="http://schemas.openxmlformats.org/drawingml/2006/table">
+            <a:tbl>
+              <a:tblPr firstRow="1" bandRow="1">
+                <a:tableStyleId>{2D5ABB26-0587-4C30-8999-92F81FD0307C}</a:tableStyleId>
+              </a:tblPr>
+              <a:tblGrid>
+                <a:gridCol w="685800">
+                  <a:extLst>
+                    <a:ext uri="{9D8B030D-6E8A-4147-A177-3AD203B41FA5}">
+                      <a16:colId xmlns:a16="http://schemas.microsoft.com/office/drawing/2014/main" val="990141282"/>
+                    </a:ext>
+                  </a:extLst>
+                </a:gridCol>
+                <a:gridCol w="685800">
+                  <a:extLst>
+                    <a:ext uri="{9D8B030D-6E8A-4147-A177-3AD203B41FA5}">
+                      <a16:colId xmlns:a16="http://schemas.microsoft.com/office/drawing/2014/main" val="1267491491"/>
+                    </a:ext>
+                  </a:extLst>
+                </a:gridCol>
+                <a:gridCol w="685800">
+                  <a:extLst>
+                    <a:ext uri="{9D8B030D-6E8A-4147-A177-3AD203B41FA5}">
+                      <a16:colId xmlns:a16="http://schemas.microsoft.com/office/drawing/2014/main" val="618927347"/>
+                    </a:ext>
+                  </a:extLst>
+                </a:gridCol>
+                <a:gridCol w="685800">
+                  <a:extLst>
+                    <a:ext uri="{9D8B030D-6E8A-4147-A177-3AD203B41FA5}">
+                      <a16:colId xmlns:a16="http://schemas.microsoft.com/office/drawing/2014/main" val="857314845"/>
+                    </a:ext>
+                  </a:extLst>
+                </a:gridCol>
+                <a:gridCol w="685800">
+                  <a:extLst>
+                    <a:ext uri="{9D8B030D-6E8A-4147-A177-3AD203B41FA5}">
+                      <a16:colId xmlns:a16="http://schemas.microsoft.com/office/drawing/2014/main" val="2864907625"/>
+                    </a:ext>
+                  </a:extLst>
+                </a:gridCol>
+                <a:gridCol w="685800">
+                  <a:extLst>
+                    <a:ext uri="{9D8B030D-6E8A-4147-A177-3AD203B41FA5}">
+                      <a16:colId xmlns:a16="http://schemas.microsoft.com/office/drawing/2014/main" val="2219493558"/>
+                    </a:ext>
+                  </a:extLst>
+                </a:gridCol>
+                <a:gridCol w="685800">
+                  <a:extLst>
+                    <a:ext uri="{9D8B030D-6E8A-4147-A177-3AD203B41FA5}">
+                      <a16:colId xmlns:a16="http://schemas.microsoft.com/office/drawing/2014/main" val="584124743"/>
+                    </a:ext>
+                  </a:extLst>
+                </a:gridCol>
+                <a:gridCol w="685800">
+                  <a:extLst>
+                    <a:ext uri="{9D8B030D-6E8A-4147-A177-3AD203B41FA5}">
+                      <a16:colId xmlns:a16="http://schemas.microsoft.com/office/drawing/2014/main" val="2838823004"/>
+                    </a:ext>
+                  </a:extLst>
+                </a:gridCol>
+              </a:tblGrid>
+              <a:tr h="370840">
+                <a:tc>
+                  <a:txBody>
+                    <a:bodyPr/>
+                    <a:lstStyle/>
+                    <a:p>
+                      <a:pPr algn="r"/>
+                      <a:r>
+                        <a:rPr lang="en-GB" dirty="0"/>
+                        <a:t>1</a:t>
+                      </a:r>
+                      <a:endParaRPr lang="en-US" dirty="0"/>
+                    </a:p>
+                  </a:txBody>
+                  <a:tcPr/>
+                </a:tc>
+                <a:tc>
+                  <a:txBody>
+                    <a:bodyPr/>
+                    <a:lstStyle/>
+                    <a:p>
+                      <a:pPr algn="r"/>
+                      <a:r>
+                        <a:rPr lang="en-GB" dirty="0"/>
+                        <a:t>2</a:t>
+                      </a:r>
+                      <a:endParaRPr lang="en-US" dirty="0"/>
+                    </a:p>
+                  </a:txBody>
+                  <a:tcPr/>
+                </a:tc>
+                <a:tc>
+                  <a:txBody>
+                    <a:bodyPr/>
+                    <a:lstStyle/>
+                    <a:p>
+                      <a:pPr algn="r"/>
+                      <a:r>
+                        <a:rPr lang="en-GB" dirty="0"/>
+                        <a:t>3</a:t>
+                      </a:r>
+                      <a:endParaRPr lang="en-US" dirty="0"/>
+                    </a:p>
+                  </a:txBody>
+                  <a:tcPr/>
+                </a:tc>
+                <a:tc>
+                  <a:txBody>
+                    <a:bodyPr/>
+                    <a:lstStyle/>
+                    <a:p>
+                      <a:pPr algn="r"/>
+                      <a:r>
+                        <a:rPr lang="en-GB" dirty="0"/>
+                        <a:t>4</a:t>
+                      </a:r>
+                      <a:endParaRPr lang="en-US" dirty="0"/>
+                    </a:p>
+                  </a:txBody>
+                  <a:tcPr/>
+                </a:tc>
+                <a:tc>
+                  <a:txBody>
+                    <a:bodyPr/>
+                    <a:lstStyle/>
+                    <a:p>
+                      <a:pPr algn="r"/>
+                      <a:r>
+                        <a:rPr lang="en-GB" dirty="0"/>
+                        <a:t>5</a:t>
+                      </a:r>
+                      <a:endParaRPr lang="en-US" dirty="0"/>
+                    </a:p>
+                  </a:txBody>
+                  <a:tcPr/>
+                </a:tc>
+                <a:tc>
+                  <a:txBody>
+                    <a:bodyPr/>
+                    <a:lstStyle/>
+                    <a:p>
+                      <a:pPr algn="r"/>
+                      <a:r>
+                        <a:rPr lang="en-GB" dirty="0"/>
+                        <a:t>6</a:t>
+                      </a:r>
+                      <a:endParaRPr lang="en-US" dirty="0"/>
+                    </a:p>
+                  </a:txBody>
+                  <a:tcPr/>
+                </a:tc>
+                <a:tc>
+                  <a:txBody>
+                    <a:bodyPr/>
+                    <a:lstStyle/>
+                    <a:p>
+                      <a:pPr algn="r"/>
+                      <a:r>
+                        <a:rPr lang="en-GB" dirty="0"/>
+                        <a:t>7</a:t>
+                      </a:r>
+                      <a:endParaRPr lang="en-US" dirty="0"/>
+                    </a:p>
+                  </a:txBody>
+                  <a:tcPr/>
+                </a:tc>
+                <a:tc>
+                  <a:txBody>
+                    <a:bodyPr/>
+                    <a:lstStyle/>
+                    <a:p>
+                      <a:pPr algn="r"/>
+                      <a:r>
+                        <a:rPr lang="en-GB" dirty="0"/>
+                        <a:t>8</a:t>
+                      </a:r>
+                      <a:endParaRPr lang="en-US" dirty="0"/>
+                    </a:p>
+                  </a:txBody>
+                  <a:tcPr/>
+                </a:tc>
+                <a:extLst>
+                  <a:ext uri="{0D108BD9-81ED-4DB2-BD59-A6C34878D82A}">
+                    <a16:rowId xmlns:a16="http://schemas.microsoft.com/office/drawing/2014/main" val="3626839496"/>
+                  </a:ext>
+                </a:extLst>
+              </a:tr>
+            </a:tbl>
+          </a:graphicData>
+        </a:graphic>
+      </p:graphicFrame>
+      <p:sp>
+        <p:nvSpPr>
+          <p:cNvPr id="15" name="Oval 14">
+            <a:extLst>
+              <a:ext uri="{FF2B5EF4-FFF2-40B4-BE49-F238E27FC236}">
+                <a16:creationId xmlns:a16="http://schemas.microsoft.com/office/drawing/2014/main" id="{CC266DD5-E386-EAA2-06AA-EA5B404997E0}"/>
+              </a:ext>
+            </a:extLst>
+          </p:cNvPr>
+          <p:cNvSpPr/>
+          <p:nvPr/>
+        </p:nvSpPr>
+        <p:spPr>
+          <a:xfrm>
+            <a:off x="1912620" y="4922520"/>
+            <a:ext cx="228600" cy="228600"/>
+          </a:xfrm>
+          <a:prstGeom prst="ellipse">
+            <a:avLst/>
+          </a:prstGeom>
+          <a:solidFill>
+            <a:schemeClr val="tx1"/>
+          </a:solidFill>
+          <a:ln>
+            <a:solidFill>
+              <a:schemeClr val="bg1"/>
+            </a:solidFill>
+          </a:ln>
+        </p:spPr>
+        <p:style>
+          <a:lnRef idx="2">
+            <a:schemeClr val="accent1">
+              <a:shade val="50000"/>
+            </a:schemeClr>
+          </a:lnRef>
+          <a:fillRef idx="1">
+            <a:schemeClr val="accent1"/>
+          </a:fillRef>
+          <a:effectRef idx="0">
+            <a:schemeClr val="accent1"/>
+          </a:effectRef>
+          <a:fontRef idx="minor">
+            <a:schemeClr val="lt1"/>
+          </a:fontRef>
+        </p:style>
+        <p:txBody>
+          <a:bodyPr rtlCol="0" anchor="ctr"/>
+          <a:lstStyle/>
+          <a:p>
+            <a:pPr algn="ctr"/>
+            <a:endParaRPr lang="en-US">
+              <a:solidFill>
+                <a:schemeClr val="bg1"/>
+              </a:solidFill>
+            </a:endParaRPr>
+          </a:p>
+        </p:txBody>
+      </p:sp>
+      <p:sp>
+        <p:nvSpPr>
+          <p:cNvPr id="16" name="Oval 15">
+            <a:extLst>
+              <a:ext uri="{FF2B5EF4-FFF2-40B4-BE49-F238E27FC236}">
+                <a16:creationId xmlns:a16="http://schemas.microsoft.com/office/drawing/2014/main" id="{F5748D38-2491-3FD8-412B-D82E4972A930}"/>
+              </a:ext>
+            </a:extLst>
+          </p:cNvPr>
+          <p:cNvSpPr/>
+          <p:nvPr/>
+        </p:nvSpPr>
+        <p:spPr>
+          <a:xfrm>
+            <a:off x="2598420" y="4922520"/>
+            <a:ext cx="228600" cy="228600"/>
+          </a:xfrm>
+          <a:prstGeom prst="ellipse">
+            <a:avLst/>
+          </a:prstGeom>
+          <a:solidFill>
+            <a:schemeClr val="tx1"/>
+          </a:solidFill>
+          <a:ln>
+            <a:solidFill>
+              <a:schemeClr val="bg1"/>
+            </a:solidFill>
+          </a:ln>
+        </p:spPr>
+        <p:style>
+          <a:lnRef idx="2">
+            <a:schemeClr val="accent1">
+              <a:shade val="50000"/>
+            </a:schemeClr>
+          </a:lnRef>
+          <a:fillRef idx="1">
+            <a:schemeClr val="accent1"/>
+          </a:fillRef>
+          <a:effectRef idx="0">
+            <a:schemeClr val="accent1"/>
+          </a:effectRef>
+          <a:fontRef idx="minor">
+            <a:schemeClr val="lt1"/>
+          </a:fontRef>
+        </p:style>
+        <p:txBody>
+          <a:bodyPr rtlCol="0" anchor="ctr"/>
+          <a:lstStyle/>
+          <a:p>
+            <a:pPr algn="ctr"/>
+            <a:endParaRPr lang="en-US">
+              <a:solidFill>
+                <a:schemeClr val="bg1"/>
+              </a:solidFill>
+            </a:endParaRPr>
+          </a:p>
+        </p:txBody>
+      </p:sp>
+      <p:sp>
+        <p:nvSpPr>
+          <p:cNvPr id="17" name="Oval 16">
+            <a:extLst>
+              <a:ext uri="{FF2B5EF4-FFF2-40B4-BE49-F238E27FC236}">
+                <a16:creationId xmlns:a16="http://schemas.microsoft.com/office/drawing/2014/main" id="{FADE6B74-5F85-8163-95AD-B011BEC56F43}"/>
+              </a:ext>
+            </a:extLst>
+          </p:cNvPr>
+          <p:cNvSpPr/>
+          <p:nvPr/>
+        </p:nvSpPr>
+        <p:spPr>
+          <a:xfrm>
+            <a:off x="3267467" y="4922520"/>
+            <a:ext cx="228600" cy="228600"/>
+          </a:xfrm>
+          <a:prstGeom prst="ellipse">
+            <a:avLst/>
+          </a:prstGeom>
+          <a:solidFill>
+            <a:schemeClr val="tx1"/>
+          </a:solidFill>
+          <a:ln>
+            <a:solidFill>
+              <a:schemeClr val="bg1"/>
+            </a:solidFill>
+          </a:ln>
+        </p:spPr>
+        <p:style>
+          <a:lnRef idx="2">
+            <a:schemeClr val="accent1">
+              <a:shade val="50000"/>
+            </a:schemeClr>
+          </a:lnRef>
+          <a:fillRef idx="1">
+            <a:schemeClr val="accent1"/>
+          </a:fillRef>
+          <a:effectRef idx="0">
+            <a:schemeClr val="accent1"/>
+          </a:effectRef>
+          <a:fontRef idx="minor">
+            <a:schemeClr val="lt1"/>
+          </a:fontRef>
+        </p:style>
+        <p:txBody>
+          <a:bodyPr rtlCol="0" anchor="ctr"/>
+          <a:lstStyle/>
+          <a:p>
+            <a:pPr algn="ctr"/>
+            <a:endParaRPr lang="en-US">
+              <a:solidFill>
+                <a:schemeClr val="bg1"/>
+              </a:solidFill>
+            </a:endParaRPr>
+          </a:p>
+        </p:txBody>
+      </p:sp>
+      <p:sp>
+        <p:nvSpPr>
+          <p:cNvPr id="18" name="Oval 17">
+            <a:extLst>
+              <a:ext uri="{FF2B5EF4-FFF2-40B4-BE49-F238E27FC236}">
+                <a16:creationId xmlns:a16="http://schemas.microsoft.com/office/drawing/2014/main" id="{F9F7A550-3B09-42B7-B81A-01818DFFD7E3}"/>
+              </a:ext>
+            </a:extLst>
+          </p:cNvPr>
+          <p:cNvSpPr/>
+          <p:nvPr/>
+        </p:nvSpPr>
+        <p:spPr>
+          <a:xfrm>
+            <a:off x="3969000" y="4247032"/>
+            <a:ext cx="228600" cy="228600"/>
+          </a:xfrm>
+          <a:prstGeom prst="ellipse">
+            <a:avLst/>
+          </a:prstGeom>
+          <a:solidFill>
+            <a:schemeClr val="tx1"/>
+          </a:solidFill>
+          <a:ln>
+            <a:solidFill>
+              <a:schemeClr val="bg1"/>
+            </a:solidFill>
+          </a:ln>
+        </p:spPr>
+        <p:style>
+          <a:lnRef idx="2">
+            <a:schemeClr val="accent1">
+              <a:shade val="50000"/>
+            </a:schemeClr>
+          </a:lnRef>
+          <a:fillRef idx="1">
+            <a:schemeClr val="accent1"/>
+          </a:fillRef>
+          <a:effectRef idx="0">
+            <a:schemeClr val="accent1"/>
+          </a:effectRef>
+          <a:fontRef idx="minor">
+            <a:schemeClr val="lt1"/>
+          </a:fontRef>
+        </p:style>
+        <p:txBody>
+          <a:bodyPr rtlCol="0" anchor="ctr"/>
+          <a:lstStyle/>
+          <a:p>
+            <a:pPr algn="ctr"/>
+            <a:endParaRPr lang="en-US">
+              <a:solidFill>
+                <a:schemeClr val="bg1"/>
+              </a:solidFill>
+            </a:endParaRPr>
+          </a:p>
+        </p:txBody>
+      </p:sp>
+      <p:sp>
+        <p:nvSpPr>
+          <p:cNvPr id="19" name="Oval 18">
+            <a:extLst>
+              <a:ext uri="{FF2B5EF4-FFF2-40B4-BE49-F238E27FC236}">
+                <a16:creationId xmlns:a16="http://schemas.microsoft.com/office/drawing/2014/main" id="{848B1B00-970C-B3F0-8791-C8ECB2046513}"/>
+              </a:ext>
+            </a:extLst>
+          </p:cNvPr>
+          <p:cNvSpPr/>
+          <p:nvPr/>
+        </p:nvSpPr>
+        <p:spPr>
+          <a:xfrm>
+            <a:off x="4645174" y="4922520"/>
+            <a:ext cx="228600" cy="228600"/>
+          </a:xfrm>
+          <a:prstGeom prst="ellipse">
+            <a:avLst/>
+          </a:prstGeom>
+          <a:solidFill>
+            <a:schemeClr val="tx1"/>
+          </a:solidFill>
+          <a:ln>
+            <a:solidFill>
+              <a:schemeClr val="bg1"/>
+            </a:solidFill>
+          </a:ln>
+        </p:spPr>
+        <p:style>
+          <a:lnRef idx="2">
+            <a:schemeClr val="accent1">
+              <a:shade val="50000"/>
+            </a:schemeClr>
+          </a:lnRef>
+          <a:fillRef idx="1">
+            <a:schemeClr val="accent1"/>
+          </a:fillRef>
+          <a:effectRef idx="0">
+            <a:schemeClr val="accent1"/>
+          </a:effectRef>
+          <a:fontRef idx="minor">
+            <a:schemeClr val="lt1"/>
+          </a:fontRef>
+        </p:style>
+        <p:txBody>
+          <a:bodyPr rtlCol="0" anchor="ctr"/>
+          <a:lstStyle/>
+          <a:p>
+            <a:pPr algn="ctr"/>
+            <a:endParaRPr lang="en-US">
+              <a:solidFill>
+                <a:schemeClr val="bg1"/>
+              </a:solidFill>
+            </a:endParaRPr>
+          </a:p>
+        </p:txBody>
+      </p:sp>
+      <p:sp>
+        <p:nvSpPr>
+          <p:cNvPr id="20" name="Oval 19">
+            <a:extLst>
+              <a:ext uri="{FF2B5EF4-FFF2-40B4-BE49-F238E27FC236}">
+                <a16:creationId xmlns:a16="http://schemas.microsoft.com/office/drawing/2014/main" id="{122FB32C-3F0E-8E61-9865-1523BA8BE6EE}"/>
+              </a:ext>
+            </a:extLst>
+          </p:cNvPr>
+          <p:cNvSpPr/>
+          <p:nvPr/>
+        </p:nvSpPr>
+        <p:spPr>
+          <a:xfrm>
+            <a:off x="5338594" y="4922520"/>
+            <a:ext cx="228600" cy="228600"/>
+          </a:xfrm>
+          <a:prstGeom prst="ellipse">
+            <a:avLst/>
+          </a:prstGeom>
+          <a:solidFill>
+            <a:schemeClr val="tx1"/>
+          </a:solidFill>
+          <a:ln>
+            <a:solidFill>
+              <a:schemeClr val="bg1"/>
+            </a:solidFill>
+          </a:ln>
+        </p:spPr>
+        <p:style>
+          <a:lnRef idx="2">
+            <a:schemeClr val="accent1">
+              <a:shade val="50000"/>
+            </a:schemeClr>
+          </a:lnRef>
+          <a:fillRef idx="1">
+            <a:schemeClr val="accent1"/>
+          </a:fillRef>
+          <a:effectRef idx="0">
+            <a:schemeClr val="accent1"/>
+          </a:effectRef>
+          <a:fontRef idx="minor">
+            <a:schemeClr val="lt1"/>
+          </a:fontRef>
+        </p:style>
+        <p:txBody>
+          <a:bodyPr rtlCol="0" anchor="ctr"/>
+          <a:lstStyle/>
+          <a:p>
+            <a:pPr algn="ctr"/>
+            <a:endParaRPr lang="en-US">
+              <a:solidFill>
+                <a:schemeClr val="bg1"/>
+              </a:solidFill>
+            </a:endParaRPr>
+          </a:p>
+        </p:txBody>
+      </p:sp>
+      <p:sp>
+        <p:nvSpPr>
+          <p:cNvPr id="21" name="Oval 20">
+            <a:extLst>
+              <a:ext uri="{FF2B5EF4-FFF2-40B4-BE49-F238E27FC236}">
+                <a16:creationId xmlns:a16="http://schemas.microsoft.com/office/drawing/2014/main" id="{4901CE46-ADA5-8505-08E0-081EAC237D54}"/>
+              </a:ext>
+            </a:extLst>
+          </p:cNvPr>
+          <p:cNvSpPr/>
+          <p:nvPr/>
+        </p:nvSpPr>
+        <p:spPr>
+          <a:xfrm>
+            <a:off x="6015261" y="4922520"/>
+            <a:ext cx="228600" cy="228600"/>
+          </a:xfrm>
+          <a:prstGeom prst="ellipse">
+            <a:avLst/>
+          </a:prstGeom>
+          <a:solidFill>
+            <a:schemeClr val="tx1"/>
+          </a:solidFill>
+          <a:ln>
+            <a:solidFill>
+              <a:schemeClr val="bg1"/>
+            </a:solidFill>
+          </a:ln>
+        </p:spPr>
+        <p:style>
+          <a:lnRef idx="2">
+            <a:schemeClr val="accent1">
+              <a:shade val="50000"/>
+            </a:schemeClr>
+          </a:lnRef>
+          <a:fillRef idx="1">
+            <a:schemeClr val="accent1"/>
+          </a:fillRef>
+          <a:effectRef idx="0">
+            <a:schemeClr val="accent1"/>
+          </a:effectRef>
+          <a:fontRef idx="minor">
+            <a:schemeClr val="lt1"/>
+          </a:fontRef>
+        </p:style>
+        <p:txBody>
+          <a:bodyPr rtlCol="0" anchor="ctr"/>
+          <a:lstStyle/>
+          <a:p>
+            <a:pPr algn="ctr"/>
+            <a:endParaRPr lang="en-US">
+              <a:solidFill>
+                <a:schemeClr val="bg1"/>
+              </a:solidFill>
+            </a:endParaRPr>
+          </a:p>
+        </p:txBody>
+      </p:sp>
+      <p:sp>
+        <p:nvSpPr>
+          <p:cNvPr id="22" name="Oval 21">
+            <a:extLst>
+              <a:ext uri="{FF2B5EF4-FFF2-40B4-BE49-F238E27FC236}">
+                <a16:creationId xmlns:a16="http://schemas.microsoft.com/office/drawing/2014/main" id="{5E94F013-DE84-5F5E-865B-3A4594CDFDAA}"/>
+              </a:ext>
+            </a:extLst>
+          </p:cNvPr>
+          <p:cNvSpPr/>
+          <p:nvPr/>
+        </p:nvSpPr>
+        <p:spPr>
+          <a:xfrm>
+            <a:off x="6708681" y="4922520"/>
+            <a:ext cx="228600" cy="228600"/>
+          </a:xfrm>
+          <a:prstGeom prst="ellipse">
+            <a:avLst/>
+          </a:prstGeom>
+          <a:solidFill>
+            <a:schemeClr val="tx1"/>
+          </a:solidFill>
+          <a:ln>
+            <a:solidFill>
+              <a:schemeClr val="bg1"/>
+            </a:solidFill>
+          </a:ln>
+        </p:spPr>
+        <p:style>
+          <a:lnRef idx="2">
+            <a:schemeClr val="accent1">
+              <a:shade val="50000"/>
+            </a:schemeClr>
+          </a:lnRef>
+          <a:fillRef idx="1">
+            <a:schemeClr val="accent1"/>
+          </a:fillRef>
+          <a:effectRef idx="0">
+            <a:schemeClr val="accent1"/>
+          </a:effectRef>
+          <a:fontRef idx="minor">
+            <a:schemeClr val="lt1"/>
+          </a:fontRef>
+        </p:style>
+        <p:txBody>
+          <a:bodyPr rtlCol="0" anchor="ctr"/>
+          <a:lstStyle/>
+          <a:p>
+            <a:pPr algn="ctr"/>
+            <a:endParaRPr lang="en-US">
+              <a:solidFill>
+                <a:schemeClr val="bg1"/>
+              </a:solidFill>
+            </a:endParaRPr>
+          </a:p>
+        </p:txBody>
+      </p:sp>
+      <p:grpSp>
+        <p:nvGrpSpPr>
+          <p:cNvPr id="31" name="Group 30">
+            <a:extLst>
+              <a:ext uri="{FF2B5EF4-FFF2-40B4-BE49-F238E27FC236}">
+                <a16:creationId xmlns:a16="http://schemas.microsoft.com/office/drawing/2014/main" id="{85C9BEE1-6AD7-21CB-5644-8293FCE0C74F}"/>
+              </a:ext>
+            </a:extLst>
+          </p:cNvPr>
+          <p:cNvGrpSpPr/>
+          <p:nvPr/>
+        </p:nvGrpSpPr>
+        <p:grpSpPr>
+          <a:xfrm>
+            <a:off x="1882140" y="5564841"/>
+            <a:ext cx="5116101" cy="320040"/>
+            <a:chOff x="1882140" y="5336241"/>
+            <a:chExt cx="5116101" cy="320040"/>
+          </a:xfrm>
+        </p:grpSpPr>
+        <p:sp>
+          <p:nvSpPr>
+            <p:cNvPr id="23" name="Oval 22">
+              <a:extLst>
+                <a:ext uri="{FF2B5EF4-FFF2-40B4-BE49-F238E27FC236}">
+                  <a16:creationId xmlns:a16="http://schemas.microsoft.com/office/drawing/2014/main" id="{9C35CA43-83E7-CA83-538D-1ACB924D3936}"/>
+                </a:ext>
+              </a:extLst>
+            </p:cNvPr>
+            <p:cNvSpPr/>
+            <p:nvPr/>
+          </p:nvSpPr>
+          <p:spPr>
+            <a:xfrm>
+              <a:off x="1882140" y="5336241"/>
+              <a:ext cx="320040" cy="320040"/>
+            </a:xfrm>
+            <a:prstGeom prst="ellipse">
+              <a:avLst/>
+            </a:prstGeom>
+            <a:solidFill>
+              <a:schemeClr val="tx1"/>
+            </a:solidFill>
+            <a:ln>
+              <a:solidFill>
+                <a:schemeClr val="bg1"/>
+              </a:solidFill>
+            </a:ln>
+          </p:spPr>
+          <p:style>
+            <a:lnRef idx="2">
+              <a:schemeClr val="accent1">
+                <a:shade val="50000"/>
+              </a:schemeClr>
+            </a:lnRef>
+            <a:fillRef idx="1">
+              <a:schemeClr val="accent1"/>
+            </a:fillRef>
+            <a:effectRef idx="0">
+              <a:schemeClr val="accent1"/>
+            </a:effectRef>
+            <a:fontRef idx="minor">
+              <a:schemeClr val="lt1"/>
+            </a:fontRef>
+          </p:style>
+          <p:txBody>
+            <a:bodyPr rtlCol="0" anchor="ctr"/>
+            <a:lstStyle/>
+            <a:p>
+              <a:pPr algn="ctr"/>
+              <a:r>
+                <a:rPr lang="en-GB" dirty="0">
+                  <a:solidFill>
+                    <a:schemeClr val="bg1"/>
+                  </a:solidFill>
+                </a:rPr>
+                <a:t>R</a:t>
+              </a:r>
+              <a:endParaRPr lang="en-US" dirty="0">
+                <a:solidFill>
+                  <a:schemeClr val="bg1"/>
+                </a:solidFill>
+              </a:endParaRPr>
+            </a:p>
+          </p:txBody>
+        </p:sp>
+        <p:sp>
+          <p:nvSpPr>
+            <p:cNvPr id="24" name="Oval 23">
+              <a:extLst>
+                <a:ext uri="{FF2B5EF4-FFF2-40B4-BE49-F238E27FC236}">
+                  <a16:creationId xmlns:a16="http://schemas.microsoft.com/office/drawing/2014/main" id="{3FF237F4-2117-D91C-4DF6-3FD36FB00102}"/>
+                </a:ext>
+              </a:extLst>
+            </p:cNvPr>
+            <p:cNvSpPr/>
+            <p:nvPr/>
+          </p:nvSpPr>
+          <p:spPr>
+            <a:xfrm>
+              <a:off x="2567940" y="5336241"/>
+              <a:ext cx="320040" cy="320040"/>
+            </a:xfrm>
+            <a:prstGeom prst="ellipse">
+              <a:avLst/>
+            </a:prstGeom>
+            <a:solidFill>
+              <a:schemeClr val="tx1"/>
+            </a:solidFill>
+            <a:ln>
+              <a:solidFill>
+                <a:schemeClr val="bg1"/>
+              </a:solidFill>
+            </a:ln>
+          </p:spPr>
+          <p:style>
+            <a:lnRef idx="2">
+              <a:schemeClr val="accent1">
+                <a:shade val="50000"/>
+              </a:schemeClr>
+            </a:lnRef>
+            <a:fillRef idx="1">
+              <a:schemeClr val="accent1"/>
+            </a:fillRef>
+            <a:effectRef idx="0">
+              <a:schemeClr val="accent1"/>
+            </a:effectRef>
+            <a:fontRef idx="minor">
+              <a:schemeClr val="lt1"/>
+            </a:fontRef>
+          </p:style>
+          <p:txBody>
+            <a:bodyPr rtlCol="0" anchor="ctr"/>
+            <a:lstStyle/>
+            <a:p>
+              <a:pPr algn="ctr"/>
+              <a:r>
+                <a:rPr lang="en-GB" dirty="0">
+                  <a:solidFill>
+                    <a:schemeClr val="bg1"/>
+                  </a:solidFill>
+                </a:rPr>
+                <a:t>N</a:t>
+              </a:r>
+              <a:endParaRPr lang="en-US" dirty="0">
+                <a:solidFill>
+                  <a:schemeClr val="bg1"/>
+                </a:solidFill>
+              </a:endParaRPr>
+            </a:p>
+          </p:txBody>
+        </p:sp>
+        <p:sp>
+          <p:nvSpPr>
+            <p:cNvPr id="25" name="Oval 24">
+              <a:extLst>
+                <a:ext uri="{FF2B5EF4-FFF2-40B4-BE49-F238E27FC236}">
+                  <a16:creationId xmlns:a16="http://schemas.microsoft.com/office/drawing/2014/main" id="{4D0A4515-2DA4-7C75-E728-C7ADFA7A47FC}"/>
+                </a:ext>
+              </a:extLst>
+            </p:cNvPr>
+            <p:cNvSpPr/>
+            <p:nvPr/>
+          </p:nvSpPr>
+          <p:spPr>
+            <a:xfrm>
+              <a:off x="3236987" y="5336241"/>
+              <a:ext cx="320040" cy="320040"/>
+            </a:xfrm>
+            <a:prstGeom prst="ellipse">
+              <a:avLst/>
+            </a:prstGeom>
+            <a:solidFill>
+              <a:schemeClr val="tx1"/>
+            </a:solidFill>
+            <a:ln>
+              <a:solidFill>
+                <a:schemeClr val="bg1"/>
+              </a:solidFill>
+            </a:ln>
+          </p:spPr>
+          <p:style>
+            <a:lnRef idx="2">
+              <a:schemeClr val="accent1">
+                <a:shade val="50000"/>
+              </a:schemeClr>
+            </a:lnRef>
+            <a:fillRef idx="1">
+              <a:schemeClr val="accent1"/>
+            </a:fillRef>
+            <a:effectRef idx="0">
+              <a:schemeClr val="accent1"/>
+            </a:effectRef>
+            <a:fontRef idx="minor">
+              <a:schemeClr val="lt1"/>
+            </a:fontRef>
+          </p:style>
+          <p:txBody>
+            <a:bodyPr rtlCol="0" anchor="ctr"/>
+            <a:lstStyle/>
+            <a:p>
+              <a:pPr algn="ctr"/>
+              <a:r>
+                <a:rPr lang="en-GB" dirty="0">
+                  <a:solidFill>
+                    <a:schemeClr val="bg1"/>
+                  </a:solidFill>
+                </a:rPr>
+                <a:t>B</a:t>
+              </a:r>
+              <a:endParaRPr lang="en-US" dirty="0">
+                <a:solidFill>
+                  <a:schemeClr val="bg1"/>
+                </a:solidFill>
+              </a:endParaRPr>
+            </a:p>
+          </p:txBody>
+        </p:sp>
+        <p:sp>
+          <p:nvSpPr>
+            <p:cNvPr id="26" name="Oval 25">
+              <a:extLst>
+                <a:ext uri="{FF2B5EF4-FFF2-40B4-BE49-F238E27FC236}">
+                  <a16:creationId xmlns:a16="http://schemas.microsoft.com/office/drawing/2014/main" id="{EFD901D7-3B67-A92F-3B51-01BD5625345B}"/>
+                </a:ext>
+              </a:extLst>
+            </p:cNvPr>
+            <p:cNvSpPr/>
+            <p:nvPr/>
+          </p:nvSpPr>
+          <p:spPr>
+            <a:xfrm>
+              <a:off x="3938027" y="5336241"/>
+              <a:ext cx="320040" cy="320040"/>
+            </a:xfrm>
+            <a:prstGeom prst="ellipse">
+              <a:avLst/>
+            </a:prstGeom>
+            <a:solidFill>
+              <a:schemeClr val="tx1"/>
+            </a:solidFill>
+            <a:ln>
+              <a:solidFill>
+                <a:schemeClr val="bg1"/>
+              </a:solidFill>
+            </a:ln>
+          </p:spPr>
+          <p:style>
+            <a:lnRef idx="2">
+              <a:schemeClr val="accent1">
+                <a:shade val="50000"/>
+              </a:schemeClr>
+            </a:lnRef>
+            <a:fillRef idx="1">
+              <a:schemeClr val="accent1"/>
+            </a:fillRef>
+            <a:effectRef idx="0">
+              <a:schemeClr val="accent1"/>
+            </a:effectRef>
+            <a:fontRef idx="minor">
+              <a:schemeClr val="lt1"/>
+            </a:fontRef>
+          </p:style>
+          <p:txBody>
+            <a:bodyPr rtlCol="0" anchor="ctr"/>
+            <a:lstStyle/>
+            <a:p>
+              <a:pPr algn="ctr"/>
+              <a:r>
+                <a:rPr lang="en-GB" dirty="0">
+                  <a:solidFill>
+                    <a:schemeClr val="bg1"/>
+                  </a:solidFill>
+                </a:rPr>
+                <a:t>K</a:t>
+              </a:r>
+              <a:endParaRPr lang="en-US" dirty="0">
+                <a:solidFill>
+                  <a:schemeClr val="bg1"/>
+                </a:solidFill>
+              </a:endParaRPr>
+            </a:p>
+          </p:txBody>
+        </p:sp>
+        <p:sp>
+          <p:nvSpPr>
+            <p:cNvPr id="27" name="Oval 26">
+              <a:extLst>
+                <a:ext uri="{FF2B5EF4-FFF2-40B4-BE49-F238E27FC236}">
+                  <a16:creationId xmlns:a16="http://schemas.microsoft.com/office/drawing/2014/main" id="{7F1537AD-7EA5-CA7E-B0A9-766F4C0173F6}"/>
+                </a:ext>
+              </a:extLst>
+            </p:cNvPr>
+            <p:cNvSpPr/>
+            <p:nvPr/>
+          </p:nvSpPr>
+          <p:spPr>
+            <a:xfrm>
+              <a:off x="4614694" y="5336241"/>
+              <a:ext cx="320040" cy="320040"/>
+            </a:xfrm>
+            <a:prstGeom prst="ellipse">
+              <a:avLst/>
+            </a:prstGeom>
+            <a:solidFill>
+              <a:schemeClr val="tx1"/>
+            </a:solidFill>
+            <a:ln>
+              <a:solidFill>
+                <a:schemeClr val="bg1"/>
+              </a:solidFill>
+            </a:ln>
+          </p:spPr>
+          <p:style>
+            <a:lnRef idx="2">
+              <a:schemeClr val="accent1">
+                <a:shade val="50000"/>
+              </a:schemeClr>
+            </a:lnRef>
+            <a:fillRef idx="1">
+              <a:schemeClr val="accent1"/>
+            </a:fillRef>
+            <a:effectRef idx="0">
+              <a:schemeClr val="accent1"/>
+            </a:effectRef>
+            <a:fontRef idx="minor">
+              <a:schemeClr val="lt1"/>
+            </a:fontRef>
+          </p:style>
+          <p:txBody>
+            <a:bodyPr rtlCol="0" anchor="ctr"/>
+            <a:lstStyle/>
+            <a:p>
+              <a:pPr algn="ctr"/>
+              <a:r>
+                <a:rPr lang="en-GB" dirty="0">
+                  <a:solidFill>
+                    <a:schemeClr val="bg1"/>
+                  </a:solidFill>
+                </a:rPr>
+                <a:t>Q</a:t>
+              </a:r>
+              <a:endParaRPr lang="en-US" dirty="0">
+                <a:solidFill>
+                  <a:schemeClr val="bg1"/>
+                </a:solidFill>
+              </a:endParaRPr>
+            </a:p>
+          </p:txBody>
+        </p:sp>
+        <p:sp>
+          <p:nvSpPr>
+            <p:cNvPr id="28" name="Oval 27">
+              <a:extLst>
+                <a:ext uri="{FF2B5EF4-FFF2-40B4-BE49-F238E27FC236}">
+                  <a16:creationId xmlns:a16="http://schemas.microsoft.com/office/drawing/2014/main" id="{45A5B0DE-4F8F-1C03-702F-D71DFF9C4C9F}"/>
+                </a:ext>
+              </a:extLst>
+            </p:cNvPr>
+            <p:cNvSpPr/>
+            <p:nvPr/>
+          </p:nvSpPr>
+          <p:spPr>
+            <a:xfrm>
+              <a:off x="5308114" y="5336241"/>
+              <a:ext cx="320040" cy="320040"/>
+            </a:xfrm>
+            <a:prstGeom prst="ellipse">
+              <a:avLst/>
+            </a:prstGeom>
+            <a:solidFill>
+              <a:schemeClr val="tx1"/>
+            </a:solidFill>
+            <a:ln>
+              <a:solidFill>
+                <a:schemeClr val="bg1"/>
+              </a:solidFill>
+            </a:ln>
+          </p:spPr>
+          <p:style>
+            <a:lnRef idx="2">
+              <a:schemeClr val="accent1">
+                <a:shade val="50000"/>
+              </a:schemeClr>
+            </a:lnRef>
+            <a:fillRef idx="1">
+              <a:schemeClr val="accent1"/>
+            </a:fillRef>
+            <a:effectRef idx="0">
+              <a:schemeClr val="accent1"/>
+            </a:effectRef>
+            <a:fontRef idx="minor">
+              <a:schemeClr val="lt1"/>
+            </a:fontRef>
+          </p:style>
+          <p:txBody>
+            <a:bodyPr rtlCol="0" anchor="ctr"/>
+            <a:lstStyle/>
+            <a:p>
+              <a:pPr algn="ctr"/>
+              <a:r>
+                <a:rPr lang="en-GB" dirty="0">
+                  <a:solidFill>
+                    <a:schemeClr val="bg1"/>
+                  </a:solidFill>
+                </a:rPr>
+                <a:t>B</a:t>
+              </a:r>
+              <a:endParaRPr lang="en-US" dirty="0">
+                <a:solidFill>
+                  <a:schemeClr val="bg1"/>
+                </a:solidFill>
+              </a:endParaRPr>
+            </a:p>
+          </p:txBody>
+        </p:sp>
+        <p:sp>
+          <p:nvSpPr>
+            <p:cNvPr id="29" name="Oval 28">
+              <a:extLst>
+                <a:ext uri="{FF2B5EF4-FFF2-40B4-BE49-F238E27FC236}">
+                  <a16:creationId xmlns:a16="http://schemas.microsoft.com/office/drawing/2014/main" id="{37667B5D-E871-11E1-D8A2-B5B1EBE2179B}"/>
+                </a:ext>
+              </a:extLst>
+            </p:cNvPr>
+            <p:cNvSpPr/>
+            <p:nvPr/>
+          </p:nvSpPr>
+          <p:spPr>
+            <a:xfrm>
+              <a:off x="5984781" y="5336241"/>
+              <a:ext cx="320040" cy="320040"/>
+            </a:xfrm>
+            <a:prstGeom prst="ellipse">
+              <a:avLst/>
+            </a:prstGeom>
+            <a:solidFill>
+              <a:schemeClr val="tx1"/>
+            </a:solidFill>
+            <a:ln>
+              <a:solidFill>
+                <a:schemeClr val="bg1"/>
+              </a:solidFill>
+            </a:ln>
+          </p:spPr>
+          <p:style>
+            <a:lnRef idx="2">
+              <a:schemeClr val="accent1">
+                <a:shade val="50000"/>
+              </a:schemeClr>
+            </a:lnRef>
+            <a:fillRef idx="1">
+              <a:schemeClr val="accent1"/>
+            </a:fillRef>
+            <a:effectRef idx="0">
+              <a:schemeClr val="accent1"/>
+            </a:effectRef>
+            <a:fontRef idx="minor">
+              <a:schemeClr val="lt1"/>
+            </a:fontRef>
+          </p:style>
+          <p:txBody>
+            <a:bodyPr rtlCol="0" anchor="ctr"/>
+            <a:lstStyle/>
+            <a:p>
+              <a:pPr algn="ctr"/>
+              <a:r>
+                <a:rPr lang="en-GB" dirty="0">
+                  <a:solidFill>
+                    <a:schemeClr val="bg1"/>
+                  </a:solidFill>
+                </a:rPr>
+                <a:t>N</a:t>
+              </a:r>
+              <a:endParaRPr lang="en-US" dirty="0">
+                <a:solidFill>
+                  <a:schemeClr val="bg1"/>
+                </a:solidFill>
+              </a:endParaRPr>
+            </a:p>
+          </p:txBody>
+        </p:sp>
+        <p:sp>
+          <p:nvSpPr>
+            <p:cNvPr id="30" name="Oval 29">
+              <a:extLst>
+                <a:ext uri="{FF2B5EF4-FFF2-40B4-BE49-F238E27FC236}">
+                  <a16:creationId xmlns:a16="http://schemas.microsoft.com/office/drawing/2014/main" id="{04A78DD4-1592-4AE8-F14D-4EFB41B25A7A}"/>
+                </a:ext>
+              </a:extLst>
+            </p:cNvPr>
+            <p:cNvSpPr/>
+            <p:nvPr/>
+          </p:nvSpPr>
+          <p:spPr>
+            <a:xfrm>
+              <a:off x="6678201" y="5336241"/>
+              <a:ext cx="320040" cy="320040"/>
+            </a:xfrm>
+            <a:prstGeom prst="ellipse">
+              <a:avLst/>
+            </a:prstGeom>
+            <a:solidFill>
+              <a:schemeClr val="tx1"/>
+            </a:solidFill>
+            <a:ln>
+              <a:solidFill>
+                <a:schemeClr val="bg1"/>
+              </a:solidFill>
+            </a:ln>
+          </p:spPr>
+          <p:style>
+            <a:lnRef idx="2">
+              <a:schemeClr val="accent1">
+                <a:shade val="50000"/>
+              </a:schemeClr>
+            </a:lnRef>
+            <a:fillRef idx="1">
+              <a:schemeClr val="accent1"/>
+            </a:fillRef>
+            <a:effectRef idx="0">
+              <a:schemeClr val="accent1"/>
+            </a:effectRef>
+            <a:fontRef idx="minor">
+              <a:schemeClr val="lt1"/>
+            </a:fontRef>
+          </p:style>
+          <p:txBody>
+            <a:bodyPr rtlCol="0" anchor="ctr"/>
+            <a:lstStyle/>
+            <a:p>
+              <a:pPr algn="ctr"/>
+              <a:r>
+                <a:rPr lang="en-GB" dirty="0">
+                  <a:solidFill>
+                    <a:schemeClr val="bg1"/>
+                  </a:solidFill>
+                </a:rPr>
+                <a:t>R</a:t>
+              </a:r>
+              <a:endParaRPr lang="en-US" dirty="0">
+                <a:solidFill>
+                  <a:schemeClr val="bg1"/>
+                </a:solidFill>
+              </a:endParaRPr>
+            </a:p>
+          </p:txBody>
+        </p:sp>
+      </p:grpSp>
+      <p:sp>
+        <p:nvSpPr>
+          <p:cNvPr id="34" name="Oval 33">
+            <a:extLst>
+              <a:ext uri="{FF2B5EF4-FFF2-40B4-BE49-F238E27FC236}">
+                <a16:creationId xmlns:a16="http://schemas.microsoft.com/office/drawing/2014/main" id="{81D9F24C-88DB-00B7-369E-D9E489A54303}"/>
+              </a:ext>
+            </a:extLst>
+          </p:cNvPr>
+          <p:cNvSpPr/>
+          <p:nvPr/>
+        </p:nvSpPr>
+        <p:spPr>
+          <a:xfrm>
+            <a:off x="1908081" y="1470017"/>
+            <a:ext cx="228600" cy="228600"/>
+          </a:xfrm>
+          <a:prstGeom prst="ellipse">
+            <a:avLst/>
+          </a:prstGeom>
+          <a:solidFill>
+            <a:schemeClr val="bg1">
+              <a:lumMod val="95000"/>
+            </a:schemeClr>
+          </a:solidFill>
+          <a:ln>
+            <a:solidFill>
+              <a:schemeClr val="tx1"/>
+            </a:solidFill>
+          </a:ln>
+        </p:spPr>
+        <p:style>
+          <a:lnRef idx="2">
+            <a:schemeClr val="accent1">
+              <a:shade val="50000"/>
+            </a:schemeClr>
+          </a:lnRef>
+          <a:fillRef idx="1">
+            <a:schemeClr val="accent1"/>
+          </a:fillRef>
+          <a:effectRef idx="0">
+            <a:schemeClr val="accent1"/>
+          </a:effectRef>
+          <a:fontRef idx="minor">
+            <a:schemeClr val="lt1"/>
+          </a:fontRef>
+        </p:style>
+        <p:txBody>
+          <a:bodyPr rtlCol="0" anchor="ctr"/>
+          <a:lstStyle/>
+          <a:p>
+            <a:pPr algn="ctr"/>
+            <a:endParaRPr lang="en-US"/>
+          </a:p>
+        </p:txBody>
+      </p:sp>
+      <p:sp>
+        <p:nvSpPr>
+          <p:cNvPr id="35" name="Oval 34">
+            <a:extLst>
+              <a:ext uri="{FF2B5EF4-FFF2-40B4-BE49-F238E27FC236}">
+                <a16:creationId xmlns:a16="http://schemas.microsoft.com/office/drawing/2014/main" id="{9ED3A11C-189A-7799-AE40-6A4FEDC66486}"/>
+              </a:ext>
+            </a:extLst>
+          </p:cNvPr>
+          <p:cNvSpPr/>
+          <p:nvPr/>
+        </p:nvSpPr>
+        <p:spPr>
+          <a:xfrm>
+            <a:off x="2593881" y="1470017"/>
+            <a:ext cx="228600" cy="228600"/>
+          </a:xfrm>
+          <a:prstGeom prst="ellipse">
+            <a:avLst/>
+          </a:prstGeom>
+          <a:solidFill>
+            <a:schemeClr val="bg1">
+              <a:lumMod val="95000"/>
+            </a:schemeClr>
+          </a:solidFill>
+          <a:ln>
+            <a:solidFill>
+              <a:schemeClr val="tx1"/>
+            </a:solidFill>
+          </a:ln>
+        </p:spPr>
+        <p:style>
+          <a:lnRef idx="2">
+            <a:schemeClr val="accent1">
+              <a:shade val="50000"/>
+            </a:schemeClr>
+          </a:lnRef>
+          <a:fillRef idx="1">
+            <a:schemeClr val="accent1"/>
+          </a:fillRef>
+          <a:effectRef idx="0">
+            <a:schemeClr val="accent1"/>
+          </a:effectRef>
+          <a:fontRef idx="minor">
+            <a:schemeClr val="lt1"/>
+          </a:fontRef>
+        </p:style>
+        <p:txBody>
+          <a:bodyPr rtlCol="0" anchor="ctr"/>
+          <a:lstStyle/>
+          <a:p>
+            <a:pPr algn="ctr"/>
+            <a:endParaRPr lang="en-US"/>
+          </a:p>
+        </p:txBody>
+      </p:sp>
+      <p:sp>
+        <p:nvSpPr>
+          <p:cNvPr id="36" name="Oval 35">
+            <a:extLst>
+              <a:ext uri="{FF2B5EF4-FFF2-40B4-BE49-F238E27FC236}">
+                <a16:creationId xmlns:a16="http://schemas.microsoft.com/office/drawing/2014/main" id="{055A0C29-B67F-3A5D-3016-2D171A85453C}"/>
+              </a:ext>
+            </a:extLst>
+          </p:cNvPr>
+          <p:cNvSpPr/>
+          <p:nvPr/>
+        </p:nvSpPr>
+        <p:spPr>
+          <a:xfrm>
+            <a:off x="3262928" y="1470017"/>
+            <a:ext cx="228600" cy="228600"/>
+          </a:xfrm>
+          <a:prstGeom prst="ellipse">
+            <a:avLst/>
+          </a:prstGeom>
+          <a:solidFill>
+            <a:schemeClr val="bg1">
+              <a:lumMod val="95000"/>
+            </a:schemeClr>
+          </a:solidFill>
+          <a:ln>
+            <a:solidFill>
+              <a:schemeClr val="tx1"/>
+            </a:solidFill>
+          </a:ln>
+        </p:spPr>
+        <p:style>
+          <a:lnRef idx="2">
+            <a:schemeClr val="accent1">
+              <a:shade val="50000"/>
+            </a:schemeClr>
+          </a:lnRef>
+          <a:fillRef idx="1">
+            <a:schemeClr val="accent1"/>
+          </a:fillRef>
+          <a:effectRef idx="0">
+            <a:schemeClr val="accent1"/>
+          </a:effectRef>
+          <a:fontRef idx="minor">
+            <a:schemeClr val="lt1"/>
+          </a:fontRef>
+        </p:style>
+        <p:txBody>
+          <a:bodyPr rtlCol="0" anchor="ctr"/>
+          <a:lstStyle/>
+          <a:p>
+            <a:pPr algn="ctr"/>
+            <a:endParaRPr lang="en-US"/>
+          </a:p>
+        </p:txBody>
+      </p:sp>
+      <p:sp>
+        <p:nvSpPr>
+          <p:cNvPr id="37" name="Oval 36">
+            <a:extLst>
+              <a:ext uri="{FF2B5EF4-FFF2-40B4-BE49-F238E27FC236}">
+                <a16:creationId xmlns:a16="http://schemas.microsoft.com/office/drawing/2014/main" id="{941434EB-4867-1F5E-9446-ED1C7F414787}"/>
+              </a:ext>
+            </a:extLst>
+          </p:cNvPr>
+          <p:cNvSpPr/>
+          <p:nvPr/>
+        </p:nvSpPr>
+        <p:spPr>
+          <a:xfrm>
+            <a:off x="3963968" y="1470017"/>
+            <a:ext cx="228600" cy="228600"/>
+          </a:xfrm>
+          <a:prstGeom prst="ellipse">
+            <a:avLst/>
+          </a:prstGeom>
+          <a:solidFill>
+            <a:schemeClr val="bg1">
+              <a:lumMod val="95000"/>
+            </a:schemeClr>
+          </a:solidFill>
+          <a:ln>
+            <a:solidFill>
+              <a:schemeClr val="tx1"/>
+            </a:solidFill>
+          </a:ln>
+        </p:spPr>
+        <p:style>
+          <a:lnRef idx="2">
+            <a:schemeClr val="accent1">
+              <a:shade val="50000"/>
+            </a:schemeClr>
+          </a:lnRef>
+          <a:fillRef idx="1">
+            <a:schemeClr val="accent1"/>
+          </a:fillRef>
+          <a:effectRef idx="0">
+            <a:schemeClr val="accent1"/>
+          </a:effectRef>
+          <a:fontRef idx="minor">
+            <a:schemeClr val="lt1"/>
+          </a:fontRef>
+        </p:style>
+        <p:txBody>
+          <a:bodyPr rtlCol="0" anchor="ctr"/>
+          <a:lstStyle/>
+          <a:p>
+            <a:pPr algn="ctr"/>
+            <a:endParaRPr lang="en-US"/>
+          </a:p>
+        </p:txBody>
+      </p:sp>
+      <p:sp>
+        <p:nvSpPr>
+          <p:cNvPr id="38" name="Oval 37">
+            <a:extLst>
+              <a:ext uri="{FF2B5EF4-FFF2-40B4-BE49-F238E27FC236}">
+                <a16:creationId xmlns:a16="http://schemas.microsoft.com/office/drawing/2014/main" id="{DB0F42B1-4D14-6789-E457-6343D4FB3E29}"/>
+              </a:ext>
+            </a:extLst>
+          </p:cNvPr>
+          <p:cNvSpPr/>
+          <p:nvPr/>
+        </p:nvSpPr>
+        <p:spPr>
+          <a:xfrm>
+            <a:off x="4645174" y="2876390"/>
+            <a:ext cx="228600" cy="228600"/>
+          </a:xfrm>
+          <a:prstGeom prst="ellipse">
+            <a:avLst/>
+          </a:prstGeom>
+          <a:solidFill>
+            <a:schemeClr val="bg1">
+              <a:lumMod val="95000"/>
+            </a:schemeClr>
+          </a:solidFill>
+          <a:ln>
+            <a:solidFill>
+              <a:schemeClr val="tx1"/>
+            </a:solidFill>
+          </a:ln>
+        </p:spPr>
+        <p:style>
+          <a:lnRef idx="2">
+            <a:schemeClr val="accent1">
+              <a:shade val="50000"/>
+            </a:schemeClr>
+          </a:lnRef>
+          <a:fillRef idx="1">
+            <a:schemeClr val="accent1"/>
+          </a:fillRef>
+          <a:effectRef idx="0">
+            <a:schemeClr val="accent1"/>
+          </a:effectRef>
+          <a:fontRef idx="minor">
+            <a:schemeClr val="lt1"/>
+          </a:fontRef>
+        </p:style>
+        <p:txBody>
+          <a:bodyPr rtlCol="0" anchor="ctr"/>
+          <a:lstStyle/>
+          <a:p>
+            <a:pPr algn="ctr"/>
+            <a:endParaRPr lang="en-US"/>
+          </a:p>
+        </p:txBody>
+      </p:sp>
+      <p:sp>
+        <p:nvSpPr>
+          <p:cNvPr id="39" name="Oval 38">
+            <a:extLst>
+              <a:ext uri="{FF2B5EF4-FFF2-40B4-BE49-F238E27FC236}">
+                <a16:creationId xmlns:a16="http://schemas.microsoft.com/office/drawing/2014/main" id="{5DE19C6F-CFB8-A0E7-5208-D138FC105CB5}"/>
+              </a:ext>
+            </a:extLst>
+          </p:cNvPr>
+          <p:cNvSpPr/>
+          <p:nvPr/>
+        </p:nvSpPr>
+        <p:spPr>
+          <a:xfrm>
+            <a:off x="5334055" y="1470017"/>
+            <a:ext cx="228600" cy="228600"/>
+          </a:xfrm>
+          <a:prstGeom prst="ellipse">
+            <a:avLst/>
+          </a:prstGeom>
+          <a:solidFill>
+            <a:schemeClr val="bg1">
+              <a:lumMod val="95000"/>
+            </a:schemeClr>
+          </a:solidFill>
+          <a:ln>
+            <a:solidFill>
+              <a:schemeClr val="tx1"/>
+            </a:solidFill>
+          </a:ln>
+        </p:spPr>
+        <p:style>
+          <a:lnRef idx="2">
+            <a:schemeClr val="accent1">
+              <a:shade val="50000"/>
+            </a:schemeClr>
+          </a:lnRef>
+          <a:fillRef idx="1">
+            <a:schemeClr val="accent1"/>
+          </a:fillRef>
+          <a:effectRef idx="0">
+            <a:schemeClr val="accent1"/>
+          </a:effectRef>
+          <a:fontRef idx="minor">
+            <a:schemeClr val="lt1"/>
+          </a:fontRef>
+        </p:style>
+        <p:txBody>
+          <a:bodyPr rtlCol="0" anchor="ctr"/>
+          <a:lstStyle/>
+          <a:p>
+            <a:pPr algn="ctr"/>
+            <a:endParaRPr lang="en-US"/>
+          </a:p>
+        </p:txBody>
+      </p:sp>
+      <p:sp>
+        <p:nvSpPr>
+          <p:cNvPr id="40" name="Oval 39">
+            <a:extLst>
+              <a:ext uri="{FF2B5EF4-FFF2-40B4-BE49-F238E27FC236}">
+                <a16:creationId xmlns:a16="http://schemas.microsoft.com/office/drawing/2014/main" id="{5DB82507-13EC-BCD7-DC1D-EB4372C24DEE}"/>
+              </a:ext>
+            </a:extLst>
+          </p:cNvPr>
+          <p:cNvSpPr/>
+          <p:nvPr/>
+        </p:nvSpPr>
+        <p:spPr>
+          <a:xfrm>
+            <a:off x="6010722" y="1470017"/>
+            <a:ext cx="228600" cy="228600"/>
+          </a:xfrm>
+          <a:prstGeom prst="ellipse">
+            <a:avLst/>
+          </a:prstGeom>
+          <a:solidFill>
+            <a:schemeClr val="bg1">
+              <a:lumMod val="95000"/>
+            </a:schemeClr>
+          </a:solidFill>
+          <a:ln>
+            <a:solidFill>
+              <a:schemeClr val="tx1"/>
+            </a:solidFill>
+          </a:ln>
+        </p:spPr>
+        <p:style>
+          <a:lnRef idx="2">
+            <a:schemeClr val="accent1">
+              <a:shade val="50000"/>
+            </a:schemeClr>
+          </a:lnRef>
+          <a:fillRef idx="1">
+            <a:schemeClr val="accent1"/>
+          </a:fillRef>
+          <a:effectRef idx="0">
+            <a:schemeClr val="accent1"/>
+          </a:effectRef>
+          <a:fontRef idx="minor">
+            <a:schemeClr val="lt1"/>
+          </a:fontRef>
+        </p:style>
+        <p:txBody>
+          <a:bodyPr rtlCol="0" anchor="ctr"/>
+          <a:lstStyle/>
+          <a:p>
+            <a:pPr algn="ctr"/>
+            <a:endParaRPr lang="en-US"/>
+          </a:p>
+        </p:txBody>
+      </p:sp>
+      <p:sp>
+        <p:nvSpPr>
+          <p:cNvPr id="41" name="Oval 40">
+            <a:extLst>
+              <a:ext uri="{FF2B5EF4-FFF2-40B4-BE49-F238E27FC236}">
+                <a16:creationId xmlns:a16="http://schemas.microsoft.com/office/drawing/2014/main" id="{A8ADF30E-2160-00FF-A48C-7A7519756F27}"/>
+              </a:ext>
+            </a:extLst>
+          </p:cNvPr>
+          <p:cNvSpPr/>
+          <p:nvPr/>
+        </p:nvSpPr>
+        <p:spPr>
+          <a:xfrm>
+            <a:off x="6704142" y="1470017"/>
+            <a:ext cx="228600" cy="228600"/>
+          </a:xfrm>
+          <a:prstGeom prst="ellipse">
+            <a:avLst/>
+          </a:prstGeom>
+          <a:solidFill>
+            <a:schemeClr val="bg1">
+              <a:lumMod val="95000"/>
+            </a:schemeClr>
+          </a:solidFill>
+          <a:ln>
+            <a:solidFill>
+              <a:schemeClr val="tx1"/>
+            </a:solidFill>
+          </a:ln>
+        </p:spPr>
+        <p:style>
+          <a:lnRef idx="2">
+            <a:schemeClr val="accent1">
+              <a:shade val="50000"/>
+            </a:schemeClr>
+          </a:lnRef>
+          <a:fillRef idx="1">
+            <a:schemeClr val="accent1"/>
+          </a:fillRef>
+          <a:effectRef idx="0">
+            <a:schemeClr val="accent1"/>
+          </a:effectRef>
+          <a:fontRef idx="minor">
+            <a:schemeClr val="lt1"/>
+          </a:fontRef>
+        </p:style>
+        <p:txBody>
+          <a:bodyPr rtlCol="0" anchor="ctr"/>
+          <a:lstStyle/>
+          <a:p>
+            <a:pPr algn="ctr"/>
+            <a:endParaRPr lang="en-US"/>
+          </a:p>
+        </p:txBody>
+      </p:sp>
+      <p:grpSp>
+        <p:nvGrpSpPr>
+          <p:cNvPr id="42" name="Group 41">
+            <a:extLst>
+              <a:ext uri="{FF2B5EF4-FFF2-40B4-BE49-F238E27FC236}">
+                <a16:creationId xmlns:a16="http://schemas.microsoft.com/office/drawing/2014/main" id="{A4C6A0A6-A729-020F-BB37-00C5A1A56AA0}"/>
+              </a:ext>
+            </a:extLst>
+          </p:cNvPr>
+          <p:cNvGrpSpPr/>
+          <p:nvPr/>
+        </p:nvGrpSpPr>
+        <p:grpSpPr>
+          <a:xfrm>
+            <a:off x="1882140" y="754060"/>
+            <a:ext cx="5116101" cy="320040"/>
+            <a:chOff x="1882140" y="5336241"/>
+            <a:chExt cx="5116101" cy="320040"/>
+          </a:xfrm>
+          <a:solidFill>
+            <a:schemeClr val="bg1">
+              <a:lumMod val="95000"/>
+            </a:schemeClr>
+          </a:solidFill>
+        </p:grpSpPr>
+        <p:sp>
+          <p:nvSpPr>
+            <p:cNvPr id="43" name="Oval 42">
+              <a:extLst>
+                <a:ext uri="{FF2B5EF4-FFF2-40B4-BE49-F238E27FC236}">
+                  <a16:creationId xmlns:a16="http://schemas.microsoft.com/office/drawing/2014/main" id="{4BA10ED1-0D84-D9B3-EBFE-25E7A0567A8F}"/>
+                </a:ext>
+              </a:extLst>
+            </p:cNvPr>
+            <p:cNvSpPr/>
+            <p:nvPr/>
+          </p:nvSpPr>
+          <p:spPr>
+            <a:xfrm>
+              <a:off x="1882140" y="5336241"/>
+              <a:ext cx="320040" cy="320040"/>
+            </a:xfrm>
+            <a:prstGeom prst="ellipse">
+              <a:avLst/>
+            </a:prstGeom>
+            <a:grpFill/>
+            <a:ln>
+              <a:solidFill>
+                <a:schemeClr val="tx1"/>
+              </a:solidFill>
+            </a:ln>
+          </p:spPr>
+          <p:style>
+            <a:lnRef idx="2">
+              <a:schemeClr val="accent1">
+                <a:shade val="50000"/>
+              </a:schemeClr>
+            </a:lnRef>
+            <a:fillRef idx="1">
+              <a:schemeClr val="accent1"/>
+            </a:fillRef>
+            <a:effectRef idx="0">
+              <a:schemeClr val="accent1"/>
+            </a:effectRef>
+            <a:fontRef idx="minor">
+              <a:schemeClr val="lt1"/>
+            </a:fontRef>
+          </p:style>
+          <p:txBody>
+            <a:bodyPr rtlCol="0" anchor="ctr"/>
+            <a:lstStyle/>
+            <a:p>
+              <a:pPr algn="ctr"/>
+              <a:r>
+                <a:rPr lang="en-GB" dirty="0">
+                  <a:solidFill>
+                    <a:schemeClr val="tx1"/>
+                  </a:solidFill>
+                </a:rPr>
+                <a:t>R</a:t>
+              </a:r>
+              <a:endParaRPr lang="en-US" dirty="0">
+                <a:solidFill>
+                  <a:schemeClr val="tx1"/>
+                </a:solidFill>
+              </a:endParaRPr>
+            </a:p>
+          </p:txBody>
+        </p:sp>
+        <p:sp>
+          <p:nvSpPr>
+            <p:cNvPr id="44" name="Oval 43">
+              <a:extLst>
+                <a:ext uri="{FF2B5EF4-FFF2-40B4-BE49-F238E27FC236}">
+                  <a16:creationId xmlns:a16="http://schemas.microsoft.com/office/drawing/2014/main" id="{EB087B15-3D0E-0A47-C69E-840E75365524}"/>
+                </a:ext>
+              </a:extLst>
+            </p:cNvPr>
+            <p:cNvSpPr/>
+            <p:nvPr/>
+          </p:nvSpPr>
+          <p:spPr>
+            <a:xfrm>
+              <a:off x="2567940" y="5336241"/>
+              <a:ext cx="320040" cy="320040"/>
+            </a:xfrm>
+            <a:prstGeom prst="ellipse">
+              <a:avLst/>
+            </a:prstGeom>
+            <a:grpFill/>
+            <a:ln>
+              <a:solidFill>
+                <a:schemeClr val="tx1"/>
+              </a:solidFill>
+            </a:ln>
+          </p:spPr>
+          <p:style>
+            <a:lnRef idx="2">
+              <a:schemeClr val="accent1">
+                <a:shade val="50000"/>
+              </a:schemeClr>
+            </a:lnRef>
+            <a:fillRef idx="1">
+              <a:schemeClr val="accent1"/>
+            </a:fillRef>
+            <a:effectRef idx="0">
+              <a:schemeClr val="accent1"/>
+            </a:effectRef>
+            <a:fontRef idx="minor">
+              <a:schemeClr val="lt1"/>
+            </a:fontRef>
+          </p:style>
+          <p:txBody>
+            <a:bodyPr rtlCol="0" anchor="ctr"/>
+            <a:lstStyle/>
+            <a:p>
+              <a:pPr algn="ctr"/>
+              <a:r>
+                <a:rPr lang="en-GB" dirty="0">
+                  <a:solidFill>
+                    <a:schemeClr val="tx1"/>
+                  </a:solidFill>
+                </a:rPr>
+                <a:t>N</a:t>
+              </a:r>
+              <a:endParaRPr lang="en-US" dirty="0">
+                <a:solidFill>
+                  <a:schemeClr val="tx1"/>
+                </a:solidFill>
+              </a:endParaRPr>
+            </a:p>
+          </p:txBody>
+        </p:sp>
+        <p:sp>
+          <p:nvSpPr>
+            <p:cNvPr id="45" name="Oval 44">
+              <a:extLst>
+                <a:ext uri="{FF2B5EF4-FFF2-40B4-BE49-F238E27FC236}">
+                  <a16:creationId xmlns:a16="http://schemas.microsoft.com/office/drawing/2014/main" id="{BBD5BC16-3EC9-8A47-8F6C-11D95C5FE964}"/>
+                </a:ext>
+              </a:extLst>
+            </p:cNvPr>
+            <p:cNvSpPr/>
+            <p:nvPr/>
+          </p:nvSpPr>
+          <p:spPr>
+            <a:xfrm>
+              <a:off x="3236987" y="5336241"/>
+              <a:ext cx="320040" cy="320040"/>
+            </a:xfrm>
+            <a:prstGeom prst="ellipse">
+              <a:avLst/>
+            </a:prstGeom>
+            <a:grpFill/>
+            <a:ln>
+              <a:solidFill>
+                <a:schemeClr val="tx1"/>
+              </a:solidFill>
+            </a:ln>
+          </p:spPr>
+          <p:style>
+            <a:lnRef idx="2">
+              <a:schemeClr val="accent1">
+                <a:shade val="50000"/>
+              </a:schemeClr>
+            </a:lnRef>
+            <a:fillRef idx="1">
+              <a:schemeClr val="accent1"/>
+            </a:fillRef>
+            <a:effectRef idx="0">
+              <a:schemeClr val="accent1"/>
+            </a:effectRef>
+            <a:fontRef idx="minor">
+              <a:schemeClr val="lt1"/>
+            </a:fontRef>
+          </p:style>
+          <p:txBody>
+            <a:bodyPr rtlCol="0" anchor="ctr"/>
+            <a:lstStyle/>
+            <a:p>
+              <a:pPr algn="ctr"/>
+              <a:r>
+                <a:rPr lang="en-GB" dirty="0">
+                  <a:solidFill>
+                    <a:schemeClr val="tx1"/>
+                  </a:solidFill>
+                </a:rPr>
+                <a:t>B</a:t>
+              </a:r>
+              <a:endParaRPr lang="en-US" dirty="0">
+                <a:solidFill>
+                  <a:schemeClr val="tx1"/>
+                </a:solidFill>
+              </a:endParaRPr>
+            </a:p>
+          </p:txBody>
+        </p:sp>
+        <p:sp>
+          <p:nvSpPr>
+            <p:cNvPr id="46" name="Oval 45">
+              <a:extLst>
+                <a:ext uri="{FF2B5EF4-FFF2-40B4-BE49-F238E27FC236}">
+                  <a16:creationId xmlns:a16="http://schemas.microsoft.com/office/drawing/2014/main" id="{B66AF331-8DA3-C2A0-EBB8-D188E3201D05}"/>
+                </a:ext>
+              </a:extLst>
+            </p:cNvPr>
+            <p:cNvSpPr/>
+            <p:nvPr/>
+          </p:nvSpPr>
+          <p:spPr>
+            <a:xfrm>
+              <a:off x="3938027" y="5336241"/>
+              <a:ext cx="320040" cy="320040"/>
+            </a:xfrm>
+            <a:prstGeom prst="ellipse">
+              <a:avLst/>
+            </a:prstGeom>
+            <a:grpFill/>
+            <a:ln>
+              <a:solidFill>
+                <a:schemeClr val="tx1"/>
+              </a:solidFill>
+            </a:ln>
+          </p:spPr>
+          <p:style>
+            <a:lnRef idx="2">
+              <a:schemeClr val="accent1">
+                <a:shade val="50000"/>
+              </a:schemeClr>
+            </a:lnRef>
+            <a:fillRef idx="1">
+              <a:schemeClr val="accent1"/>
+            </a:fillRef>
+            <a:effectRef idx="0">
+              <a:schemeClr val="accent1"/>
+            </a:effectRef>
+            <a:fontRef idx="minor">
+              <a:schemeClr val="lt1"/>
+            </a:fontRef>
+          </p:style>
+          <p:txBody>
+            <a:bodyPr rtlCol="0" anchor="ctr"/>
+            <a:lstStyle/>
+            <a:p>
+              <a:pPr algn="ctr"/>
+              <a:r>
+                <a:rPr lang="en-GB" dirty="0">
+                  <a:solidFill>
+                    <a:schemeClr val="tx1"/>
+                  </a:solidFill>
+                </a:rPr>
+                <a:t>K</a:t>
+              </a:r>
+              <a:endParaRPr lang="en-US" dirty="0">
+                <a:solidFill>
+                  <a:schemeClr val="tx1"/>
+                </a:solidFill>
+              </a:endParaRPr>
+            </a:p>
+          </p:txBody>
+        </p:sp>
+        <p:sp>
+          <p:nvSpPr>
+            <p:cNvPr id="47" name="Oval 46">
+              <a:extLst>
+                <a:ext uri="{FF2B5EF4-FFF2-40B4-BE49-F238E27FC236}">
+                  <a16:creationId xmlns:a16="http://schemas.microsoft.com/office/drawing/2014/main" id="{82B1DD23-BD9A-90F7-5EC9-EBDCE53E7075}"/>
+                </a:ext>
+              </a:extLst>
+            </p:cNvPr>
+            <p:cNvSpPr/>
+            <p:nvPr/>
+          </p:nvSpPr>
+          <p:spPr>
+            <a:xfrm>
+              <a:off x="4614694" y="5336241"/>
+              <a:ext cx="320040" cy="320040"/>
+            </a:xfrm>
+            <a:prstGeom prst="ellipse">
+              <a:avLst/>
+            </a:prstGeom>
+            <a:grpFill/>
+            <a:ln>
+              <a:solidFill>
+                <a:schemeClr val="tx1"/>
+              </a:solidFill>
+            </a:ln>
+          </p:spPr>
+          <p:style>
+            <a:lnRef idx="2">
+              <a:schemeClr val="accent1">
+                <a:shade val="50000"/>
+              </a:schemeClr>
+            </a:lnRef>
+            <a:fillRef idx="1">
+              <a:schemeClr val="accent1"/>
+            </a:fillRef>
+            <a:effectRef idx="0">
+              <a:schemeClr val="accent1"/>
+            </a:effectRef>
+            <a:fontRef idx="minor">
+              <a:schemeClr val="lt1"/>
+            </a:fontRef>
+          </p:style>
+          <p:txBody>
+            <a:bodyPr rtlCol="0" anchor="ctr"/>
+            <a:lstStyle/>
+            <a:p>
+              <a:pPr algn="ctr"/>
+              <a:r>
+                <a:rPr lang="en-GB" dirty="0">
+                  <a:solidFill>
+                    <a:schemeClr val="tx1"/>
+                  </a:solidFill>
+                </a:rPr>
+                <a:t>Q</a:t>
+              </a:r>
+              <a:endParaRPr lang="en-US" dirty="0">
+                <a:solidFill>
+                  <a:schemeClr val="tx1"/>
+                </a:solidFill>
+              </a:endParaRPr>
+            </a:p>
+          </p:txBody>
+        </p:sp>
+        <p:sp>
+          <p:nvSpPr>
+            <p:cNvPr id="48" name="Oval 47">
+              <a:extLst>
+                <a:ext uri="{FF2B5EF4-FFF2-40B4-BE49-F238E27FC236}">
+                  <a16:creationId xmlns:a16="http://schemas.microsoft.com/office/drawing/2014/main" id="{8E8C2F47-BC79-A4A1-EF40-53B5649F0AF3}"/>
+                </a:ext>
+              </a:extLst>
+            </p:cNvPr>
+            <p:cNvSpPr/>
+            <p:nvPr/>
+          </p:nvSpPr>
+          <p:spPr>
+            <a:xfrm>
+              <a:off x="5308114" y="5336241"/>
+              <a:ext cx="320040" cy="320040"/>
+            </a:xfrm>
+            <a:prstGeom prst="ellipse">
+              <a:avLst/>
+            </a:prstGeom>
+            <a:grpFill/>
+            <a:ln>
+              <a:solidFill>
+                <a:schemeClr val="tx1"/>
+              </a:solidFill>
+            </a:ln>
+          </p:spPr>
+          <p:style>
+            <a:lnRef idx="2">
+              <a:schemeClr val="accent1">
+                <a:shade val="50000"/>
+              </a:schemeClr>
+            </a:lnRef>
+            <a:fillRef idx="1">
+              <a:schemeClr val="accent1"/>
+            </a:fillRef>
+            <a:effectRef idx="0">
+              <a:schemeClr val="accent1"/>
+            </a:effectRef>
+            <a:fontRef idx="minor">
+              <a:schemeClr val="lt1"/>
+            </a:fontRef>
+          </p:style>
+          <p:txBody>
+            <a:bodyPr rtlCol="0" anchor="ctr"/>
+            <a:lstStyle/>
+            <a:p>
+              <a:pPr algn="ctr"/>
+              <a:r>
+                <a:rPr lang="en-GB" dirty="0">
+                  <a:solidFill>
+                    <a:schemeClr val="tx1"/>
+                  </a:solidFill>
+                </a:rPr>
+                <a:t>B</a:t>
+              </a:r>
+              <a:endParaRPr lang="en-US" dirty="0">
+                <a:solidFill>
+                  <a:schemeClr val="tx1"/>
+                </a:solidFill>
+              </a:endParaRPr>
+            </a:p>
+          </p:txBody>
+        </p:sp>
+        <p:sp>
+          <p:nvSpPr>
+            <p:cNvPr id="49" name="Oval 48">
+              <a:extLst>
+                <a:ext uri="{FF2B5EF4-FFF2-40B4-BE49-F238E27FC236}">
+                  <a16:creationId xmlns:a16="http://schemas.microsoft.com/office/drawing/2014/main" id="{15FEAEBA-59FC-D1FB-830A-4A6F759C8E94}"/>
+                </a:ext>
+              </a:extLst>
+            </p:cNvPr>
+            <p:cNvSpPr/>
+            <p:nvPr/>
+          </p:nvSpPr>
+          <p:spPr>
+            <a:xfrm>
+              <a:off x="5984781" y="5336241"/>
+              <a:ext cx="320040" cy="320040"/>
+            </a:xfrm>
+            <a:prstGeom prst="ellipse">
+              <a:avLst/>
+            </a:prstGeom>
+            <a:grpFill/>
+            <a:ln>
+              <a:solidFill>
+                <a:schemeClr val="tx1"/>
+              </a:solidFill>
+            </a:ln>
+          </p:spPr>
+          <p:style>
+            <a:lnRef idx="2">
+              <a:schemeClr val="accent1">
+                <a:shade val="50000"/>
+              </a:schemeClr>
+            </a:lnRef>
+            <a:fillRef idx="1">
+              <a:schemeClr val="accent1"/>
+            </a:fillRef>
+            <a:effectRef idx="0">
+              <a:schemeClr val="accent1"/>
+            </a:effectRef>
+            <a:fontRef idx="minor">
+              <a:schemeClr val="lt1"/>
+            </a:fontRef>
+          </p:style>
+          <p:txBody>
+            <a:bodyPr rtlCol="0" anchor="ctr"/>
+            <a:lstStyle/>
+            <a:p>
+              <a:pPr algn="ctr"/>
+              <a:r>
+                <a:rPr lang="en-GB" dirty="0">
+                  <a:solidFill>
+                    <a:schemeClr val="tx1"/>
+                  </a:solidFill>
+                </a:rPr>
+                <a:t>N</a:t>
+              </a:r>
+              <a:endParaRPr lang="en-US" dirty="0">
+                <a:solidFill>
+                  <a:schemeClr val="tx1"/>
+                </a:solidFill>
+              </a:endParaRPr>
+            </a:p>
+          </p:txBody>
+        </p:sp>
+        <p:sp>
+          <p:nvSpPr>
+            <p:cNvPr id="50" name="Oval 49">
+              <a:extLst>
+                <a:ext uri="{FF2B5EF4-FFF2-40B4-BE49-F238E27FC236}">
+                  <a16:creationId xmlns:a16="http://schemas.microsoft.com/office/drawing/2014/main" id="{8CD35485-C4A0-A409-8E21-A59B2F4F8E2A}"/>
+                </a:ext>
+              </a:extLst>
+            </p:cNvPr>
+            <p:cNvSpPr/>
+            <p:nvPr/>
+          </p:nvSpPr>
+          <p:spPr>
+            <a:xfrm>
+              <a:off x="6678201" y="5336241"/>
+              <a:ext cx="320040" cy="320040"/>
+            </a:xfrm>
+            <a:prstGeom prst="ellipse">
+              <a:avLst/>
+            </a:prstGeom>
+            <a:grpFill/>
+            <a:ln>
+              <a:solidFill>
+                <a:schemeClr val="tx1"/>
+              </a:solidFill>
+            </a:ln>
+          </p:spPr>
+          <p:style>
+            <a:lnRef idx="2">
+              <a:schemeClr val="accent1">
+                <a:shade val="50000"/>
+              </a:schemeClr>
+            </a:lnRef>
+            <a:fillRef idx="1">
+              <a:schemeClr val="accent1"/>
+            </a:fillRef>
+            <a:effectRef idx="0">
+              <a:schemeClr val="accent1"/>
+            </a:effectRef>
+            <a:fontRef idx="minor">
+              <a:schemeClr val="lt1"/>
+            </a:fontRef>
+          </p:style>
+          <p:txBody>
+            <a:bodyPr rtlCol="0" anchor="ctr"/>
+            <a:lstStyle/>
+            <a:p>
+              <a:pPr algn="ctr"/>
+              <a:r>
+                <a:rPr lang="en-GB" dirty="0">
+                  <a:solidFill>
+                    <a:schemeClr val="tx1"/>
+                  </a:solidFill>
+                </a:rPr>
+                <a:t>R</a:t>
+              </a:r>
+              <a:endParaRPr lang="en-US" dirty="0">
+                <a:solidFill>
+                  <a:schemeClr val="tx1"/>
+                </a:solidFill>
+              </a:endParaRPr>
+            </a:p>
+          </p:txBody>
+        </p:sp>
+      </p:grpSp>
+      <p:grpSp>
+        <p:nvGrpSpPr>
+          <p:cNvPr id="14" name="Group 13">
+            <a:extLst>
+              <a:ext uri="{FF2B5EF4-FFF2-40B4-BE49-F238E27FC236}">
+                <a16:creationId xmlns:a16="http://schemas.microsoft.com/office/drawing/2014/main" id="{A635BBF2-6AEB-AD05-1DD4-7CE4687B9AD6}"/>
+              </a:ext>
+            </a:extLst>
+          </p:cNvPr>
+          <p:cNvGrpSpPr/>
+          <p:nvPr/>
+        </p:nvGrpSpPr>
+        <p:grpSpPr>
+          <a:xfrm>
+            <a:off x="5842835" y="5412258"/>
+            <a:ext cx="264403" cy="269557"/>
+            <a:chOff x="1728227" y="384811"/>
+            <a:chExt cx="264403" cy="269557"/>
+          </a:xfrm>
+        </p:grpSpPr>
+        <p:cxnSp>
+          <p:nvCxnSpPr>
+            <p:cNvPr id="10" name="Straight Arrow Connector 9">
+              <a:extLst>
+                <a:ext uri="{FF2B5EF4-FFF2-40B4-BE49-F238E27FC236}">
+                  <a16:creationId xmlns:a16="http://schemas.microsoft.com/office/drawing/2014/main" id="{9524FBAA-E2E2-8EA8-C3CA-9FCC9579597D}"/>
+                </a:ext>
+              </a:extLst>
+            </p:cNvPr>
+            <p:cNvCxnSpPr>
+              <a:cxnSpLocks/>
+            </p:cNvCxnSpPr>
+            <p:nvPr/>
+          </p:nvCxnSpPr>
+          <p:spPr>
+            <a:xfrm>
+              <a:off x="1809750" y="471488"/>
+              <a:ext cx="182880" cy="182880"/>
+            </a:xfrm>
+            <a:prstGeom prst="straightConnector1">
+              <a:avLst/>
+            </a:prstGeom>
+            <a:ln w="38100">
+              <a:solidFill>
+                <a:srgbClr val="C00000"/>
+              </a:solidFill>
+              <a:tailEnd type="triangle"/>
+            </a:ln>
+          </p:spPr>
+          <p:style>
+            <a:lnRef idx="1">
+              <a:schemeClr val="accent1"/>
+            </a:lnRef>
+            <a:fillRef idx="0">
+              <a:schemeClr val="accent1"/>
+            </a:fillRef>
+            <a:effectRef idx="0">
+              <a:schemeClr val="accent1"/>
+            </a:effectRef>
+            <a:fontRef idx="minor">
+              <a:schemeClr val="tx1"/>
+            </a:fontRef>
+          </p:style>
+        </p:cxnSp>
+        <p:cxnSp>
+          <p:nvCxnSpPr>
+            <p:cNvPr id="13" name="Straight Arrow Connector 12">
+              <a:extLst>
+                <a:ext uri="{FF2B5EF4-FFF2-40B4-BE49-F238E27FC236}">
+                  <a16:creationId xmlns:a16="http://schemas.microsoft.com/office/drawing/2014/main" id="{6CF2B8E3-9A13-9248-5D09-5B9C495FE1B2}"/>
+                </a:ext>
+              </a:extLst>
+            </p:cNvPr>
+            <p:cNvCxnSpPr>
+              <a:cxnSpLocks/>
+            </p:cNvCxnSpPr>
+            <p:nvPr/>
+          </p:nvCxnSpPr>
+          <p:spPr>
+            <a:xfrm rot="10800000">
+              <a:off x="1728227" y="384811"/>
+              <a:ext cx="182880" cy="182880"/>
+            </a:xfrm>
+            <a:prstGeom prst="straightConnector1">
+              <a:avLst/>
+            </a:prstGeom>
+            <a:ln w="38100">
+              <a:solidFill>
+                <a:srgbClr val="C00000"/>
+              </a:solidFill>
+              <a:tailEnd type="triangle"/>
+            </a:ln>
+          </p:spPr>
+          <p:style>
+            <a:lnRef idx="1">
+              <a:schemeClr val="accent1"/>
+            </a:lnRef>
+            <a:fillRef idx="0">
+              <a:schemeClr val="accent1"/>
+            </a:fillRef>
+            <a:effectRef idx="0">
+              <a:schemeClr val="accent1"/>
+            </a:effectRef>
+            <a:fontRef idx="minor">
+              <a:schemeClr val="tx1"/>
+            </a:fontRef>
+          </p:style>
+        </p:cxnSp>
+      </p:grpSp>
+      <p:grpSp>
+        <p:nvGrpSpPr>
+          <p:cNvPr id="54" name="Group 53">
+            <a:extLst>
+              <a:ext uri="{FF2B5EF4-FFF2-40B4-BE49-F238E27FC236}">
+                <a16:creationId xmlns:a16="http://schemas.microsoft.com/office/drawing/2014/main" id="{F97E7594-7761-92B5-D593-BE843F5E3313}"/>
+              </a:ext>
+            </a:extLst>
+          </p:cNvPr>
+          <p:cNvGrpSpPr/>
+          <p:nvPr/>
+        </p:nvGrpSpPr>
+        <p:grpSpPr>
+          <a:xfrm rot="5400000">
+            <a:off x="5124735" y="4660942"/>
+            <a:ext cx="1300402" cy="45719"/>
+            <a:chOff x="1453906" y="470424"/>
+            <a:chExt cx="640080" cy="0"/>
+          </a:xfrm>
+        </p:grpSpPr>
+        <p:cxnSp>
+          <p:nvCxnSpPr>
+            <p:cNvPr id="55" name="Straight Arrow Connector 54">
+              <a:extLst>
+                <a:ext uri="{FF2B5EF4-FFF2-40B4-BE49-F238E27FC236}">
+                  <a16:creationId xmlns:a16="http://schemas.microsoft.com/office/drawing/2014/main" id="{7507FB30-687D-F579-3A8E-2E0593201A09}"/>
+                </a:ext>
+              </a:extLst>
+            </p:cNvPr>
+            <p:cNvCxnSpPr>
+              <a:cxnSpLocks/>
+            </p:cNvCxnSpPr>
+            <p:nvPr/>
+          </p:nvCxnSpPr>
+          <p:spPr>
+            <a:xfrm>
+              <a:off x="1911106" y="470424"/>
+              <a:ext cx="182880" cy="0"/>
+            </a:xfrm>
+            <a:prstGeom prst="straightConnector1">
+              <a:avLst/>
+            </a:prstGeom>
+            <a:ln w="38100">
+              <a:solidFill>
+                <a:srgbClr val="C00000"/>
+              </a:solidFill>
+              <a:tailEnd type="triangle"/>
+            </a:ln>
+          </p:spPr>
+          <p:style>
+            <a:lnRef idx="1">
+              <a:schemeClr val="accent1"/>
+            </a:lnRef>
+            <a:fillRef idx="0">
+              <a:schemeClr val="accent1"/>
+            </a:fillRef>
+            <a:effectRef idx="0">
+              <a:schemeClr val="accent1"/>
+            </a:effectRef>
+            <a:fontRef idx="minor">
+              <a:schemeClr val="tx1"/>
+            </a:fontRef>
+          </p:style>
+        </p:cxnSp>
+        <p:cxnSp>
+          <p:nvCxnSpPr>
+            <p:cNvPr id="56" name="Straight Arrow Connector 55">
+              <a:extLst>
+                <a:ext uri="{FF2B5EF4-FFF2-40B4-BE49-F238E27FC236}">
+                  <a16:creationId xmlns:a16="http://schemas.microsoft.com/office/drawing/2014/main" id="{EA067385-D44E-442D-DB14-148C6BFEE34F}"/>
+                </a:ext>
+              </a:extLst>
+            </p:cNvPr>
+            <p:cNvCxnSpPr>
+              <a:cxnSpLocks/>
+            </p:cNvCxnSpPr>
+            <p:nvPr/>
+          </p:nvCxnSpPr>
+          <p:spPr>
+            <a:xfrm rot="10800000">
+              <a:off x="1453906" y="470424"/>
+              <a:ext cx="457200" cy="0"/>
+            </a:xfrm>
+            <a:prstGeom prst="straightConnector1">
+              <a:avLst/>
+            </a:prstGeom>
+            <a:ln w="38100">
+              <a:solidFill>
+                <a:srgbClr val="C00000"/>
+              </a:solidFill>
+              <a:tailEnd type="triangle"/>
+            </a:ln>
+          </p:spPr>
+          <p:style>
+            <a:lnRef idx="1">
+              <a:schemeClr val="accent1"/>
+            </a:lnRef>
+            <a:fillRef idx="0">
+              <a:schemeClr val="accent1"/>
+            </a:fillRef>
+            <a:effectRef idx="0">
+              <a:schemeClr val="accent1"/>
+            </a:effectRef>
+            <a:fontRef idx="minor">
+              <a:schemeClr val="tx1"/>
+            </a:fontRef>
+          </p:style>
+        </p:cxnSp>
+      </p:grpSp>
+      <p:sp>
+        <p:nvSpPr>
+          <p:cNvPr id="58" name="Oval 57">
+            <a:extLst>
+              <a:ext uri="{FF2B5EF4-FFF2-40B4-BE49-F238E27FC236}">
+                <a16:creationId xmlns:a16="http://schemas.microsoft.com/office/drawing/2014/main" id="{FB1476A5-0984-9990-5934-F0ECA09E7C70}"/>
+              </a:ext>
+            </a:extLst>
+          </p:cNvPr>
+          <p:cNvSpPr/>
+          <p:nvPr/>
+        </p:nvSpPr>
+        <p:spPr>
+          <a:xfrm>
+            <a:off x="5295598" y="4179615"/>
+            <a:ext cx="320040" cy="320040"/>
+          </a:xfrm>
+          <a:prstGeom prst="ellipse">
+            <a:avLst/>
+          </a:prstGeom>
+          <a:solidFill>
+            <a:schemeClr val="bg1"/>
+          </a:solidFill>
+          <a:ln w="28575">
+            <a:solidFill>
+              <a:schemeClr val="tx1"/>
+            </a:solidFill>
+            <a:prstDash val="sysDot"/>
+          </a:ln>
+        </p:spPr>
+        <p:style>
+          <a:lnRef idx="2">
+            <a:schemeClr val="accent1">
+              <a:shade val="50000"/>
+            </a:schemeClr>
+          </a:lnRef>
+          <a:fillRef idx="1">
+            <a:schemeClr val="accent1"/>
+          </a:fillRef>
+          <a:effectRef idx="0">
+            <a:schemeClr val="accent1"/>
+          </a:effectRef>
+          <a:fontRef idx="minor">
+            <a:schemeClr val="lt1"/>
+          </a:fontRef>
+        </p:style>
+        <p:txBody>
+          <a:bodyPr rtlCol="0" anchor="ctr"/>
+          <a:lstStyle/>
+          <a:p>
+            <a:pPr algn="ctr"/>
+            <a:endParaRPr lang="en-US"/>
+          </a:p>
+        </p:txBody>
+      </p:sp>
+      <p:grpSp>
+        <p:nvGrpSpPr>
+          <p:cNvPr id="59" name="Group 58">
+            <a:extLst>
+              <a:ext uri="{FF2B5EF4-FFF2-40B4-BE49-F238E27FC236}">
+                <a16:creationId xmlns:a16="http://schemas.microsoft.com/office/drawing/2014/main" id="{8F8112B1-2D97-DF36-41B9-080BFEE1D37B}"/>
+              </a:ext>
+            </a:extLst>
+          </p:cNvPr>
+          <p:cNvGrpSpPr/>
+          <p:nvPr/>
+        </p:nvGrpSpPr>
+        <p:grpSpPr>
+          <a:xfrm>
+            <a:off x="5159159" y="621343"/>
+            <a:ext cx="264403" cy="269557"/>
+            <a:chOff x="1728227" y="384811"/>
+            <a:chExt cx="264403" cy="269557"/>
+          </a:xfrm>
+        </p:grpSpPr>
+        <p:cxnSp>
+          <p:nvCxnSpPr>
+            <p:cNvPr id="60" name="Straight Arrow Connector 59">
+              <a:extLst>
+                <a:ext uri="{FF2B5EF4-FFF2-40B4-BE49-F238E27FC236}">
+                  <a16:creationId xmlns:a16="http://schemas.microsoft.com/office/drawing/2014/main" id="{4BAAE568-21C7-B189-141F-AFFE0F369611}"/>
+                </a:ext>
+              </a:extLst>
+            </p:cNvPr>
+            <p:cNvCxnSpPr>
+              <a:cxnSpLocks/>
+            </p:cNvCxnSpPr>
+            <p:nvPr/>
+          </p:nvCxnSpPr>
+          <p:spPr>
+            <a:xfrm>
+              <a:off x="1809750" y="471488"/>
+              <a:ext cx="182880" cy="182880"/>
+            </a:xfrm>
+            <a:prstGeom prst="straightConnector1">
+              <a:avLst/>
+            </a:prstGeom>
+            <a:ln w="38100">
+              <a:solidFill>
+                <a:srgbClr val="0070C0"/>
+              </a:solidFill>
+              <a:tailEnd type="triangle"/>
+            </a:ln>
+          </p:spPr>
+          <p:style>
+            <a:lnRef idx="1">
+              <a:schemeClr val="accent1"/>
+            </a:lnRef>
+            <a:fillRef idx="0">
+              <a:schemeClr val="accent1"/>
+            </a:fillRef>
+            <a:effectRef idx="0">
+              <a:schemeClr val="accent1"/>
+            </a:effectRef>
+            <a:fontRef idx="minor">
+              <a:schemeClr val="tx1"/>
+            </a:fontRef>
+          </p:style>
+        </p:cxnSp>
+        <p:cxnSp>
+          <p:nvCxnSpPr>
+            <p:cNvPr id="61" name="Straight Arrow Connector 60">
+              <a:extLst>
+                <a:ext uri="{FF2B5EF4-FFF2-40B4-BE49-F238E27FC236}">
+                  <a16:creationId xmlns:a16="http://schemas.microsoft.com/office/drawing/2014/main" id="{7B1F62AF-89FC-8A14-A8AA-CB07CB8D8370}"/>
+                </a:ext>
+              </a:extLst>
+            </p:cNvPr>
+            <p:cNvCxnSpPr>
+              <a:cxnSpLocks/>
+            </p:cNvCxnSpPr>
+            <p:nvPr/>
+          </p:nvCxnSpPr>
+          <p:spPr>
+            <a:xfrm rot="10800000">
+              <a:off x="1728227" y="384811"/>
+              <a:ext cx="182880" cy="182880"/>
+            </a:xfrm>
+            <a:prstGeom prst="straightConnector1">
+              <a:avLst/>
+            </a:prstGeom>
+            <a:ln w="38100">
+              <a:solidFill>
+                <a:srgbClr val="0070C0"/>
+              </a:solidFill>
+              <a:tailEnd type="triangle"/>
+            </a:ln>
+          </p:spPr>
+          <p:style>
+            <a:lnRef idx="1">
+              <a:schemeClr val="accent1"/>
+            </a:lnRef>
+            <a:fillRef idx="0">
+              <a:schemeClr val="accent1"/>
+            </a:fillRef>
+            <a:effectRef idx="0">
+              <a:schemeClr val="accent1"/>
+            </a:effectRef>
+            <a:fontRef idx="minor">
+              <a:schemeClr val="tx1"/>
+            </a:fontRef>
+          </p:style>
+        </p:cxnSp>
+      </p:grpSp>
+      <p:grpSp>
+        <p:nvGrpSpPr>
+          <p:cNvPr id="62" name="Group 61">
+            <a:extLst>
+              <a:ext uri="{FF2B5EF4-FFF2-40B4-BE49-F238E27FC236}">
+                <a16:creationId xmlns:a16="http://schemas.microsoft.com/office/drawing/2014/main" id="{22BD7D73-DB93-6FF1-A45B-5F2CB68D30DF}"/>
+              </a:ext>
+            </a:extLst>
+          </p:cNvPr>
+          <p:cNvGrpSpPr/>
+          <p:nvPr/>
+        </p:nvGrpSpPr>
+        <p:grpSpPr>
+          <a:xfrm rot="5400000">
+            <a:off x="3772333" y="1914683"/>
+            <a:ext cx="2632400" cy="45719"/>
+            <a:chOff x="1453906" y="470424"/>
+            <a:chExt cx="640080" cy="0"/>
+          </a:xfrm>
+        </p:grpSpPr>
+        <p:cxnSp>
+          <p:nvCxnSpPr>
+            <p:cNvPr id="63" name="Straight Arrow Connector 62">
+              <a:extLst>
+                <a:ext uri="{FF2B5EF4-FFF2-40B4-BE49-F238E27FC236}">
+                  <a16:creationId xmlns:a16="http://schemas.microsoft.com/office/drawing/2014/main" id="{2F591738-D6EE-EDD1-B5FF-E07F5DBCE4EF}"/>
+                </a:ext>
+              </a:extLst>
+            </p:cNvPr>
+            <p:cNvCxnSpPr>
+              <a:cxnSpLocks/>
+            </p:cNvCxnSpPr>
+            <p:nvPr/>
+          </p:nvCxnSpPr>
+          <p:spPr>
+            <a:xfrm>
+              <a:off x="1911106" y="470424"/>
+              <a:ext cx="182880" cy="0"/>
+            </a:xfrm>
+            <a:prstGeom prst="straightConnector1">
+              <a:avLst/>
+            </a:prstGeom>
+            <a:ln w="38100">
+              <a:solidFill>
+                <a:srgbClr val="0070C0"/>
+              </a:solidFill>
+              <a:tailEnd type="triangle"/>
+            </a:ln>
+          </p:spPr>
+          <p:style>
+            <a:lnRef idx="1">
+              <a:schemeClr val="accent1"/>
+            </a:lnRef>
+            <a:fillRef idx="0">
+              <a:schemeClr val="accent1"/>
+            </a:fillRef>
+            <a:effectRef idx="0">
+              <a:schemeClr val="accent1"/>
+            </a:effectRef>
+            <a:fontRef idx="minor">
+              <a:schemeClr val="tx1"/>
+            </a:fontRef>
+          </p:style>
+        </p:cxnSp>
+        <p:cxnSp>
+          <p:nvCxnSpPr>
+            <p:cNvPr id="64" name="Straight Arrow Connector 63">
+              <a:extLst>
+                <a:ext uri="{FF2B5EF4-FFF2-40B4-BE49-F238E27FC236}">
+                  <a16:creationId xmlns:a16="http://schemas.microsoft.com/office/drawing/2014/main" id="{71CF2FEE-7380-FC4E-3B02-648A3CDF15B7}"/>
+                </a:ext>
+              </a:extLst>
+            </p:cNvPr>
+            <p:cNvCxnSpPr>
+              <a:cxnSpLocks/>
+            </p:cNvCxnSpPr>
+            <p:nvPr/>
+          </p:nvCxnSpPr>
+          <p:spPr>
+            <a:xfrm rot="10800000">
+              <a:off x="1453906" y="470424"/>
+              <a:ext cx="457200" cy="0"/>
+            </a:xfrm>
+            <a:prstGeom prst="straightConnector1">
+              <a:avLst/>
+            </a:prstGeom>
+            <a:ln w="38100">
+              <a:solidFill>
+                <a:srgbClr val="0070C0"/>
+              </a:solidFill>
+              <a:tailEnd type="triangle"/>
+            </a:ln>
+          </p:spPr>
+          <p:style>
+            <a:lnRef idx="1">
+              <a:schemeClr val="accent1"/>
+            </a:lnRef>
+            <a:fillRef idx="0">
+              <a:schemeClr val="accent1"/>
+            </a:fillRef>
+            <a:effectRef idx="0">
+              <a:schemeClr val="accent1"/>
+            </a:effectRef>
+            <a:fontRef idx="minor">
+              <a:schemeClr val="tx1"/>
+            </a:fontRef>
+          </p:style>
+        </p:cxnSp>
+      </p:grpSp>
+      <p:grpSp>
+        <p:nvGrpSpPr>
+          <p:cNvPr id="65" name="Group 64">
+            <a:extLst>
+              <a:ext uri="{FF2B5EF4-FFF2-40B4-BE49-F238E27FC236}">
+                <a16:creationId xmlns:a16="http://schemas.microsoft.com/office/drawing/2014/main" id="{76596474-00FE-DB01-E42C-EDF68C3A4C99}"/>
+              </a:ext>
+            </a:extLst>
+          </p:cNvPr>
+          <p:cNvGrpSpPr/>
+          <p:nvPr/>
+        </p:nvGrpSpPr>
+        <p:grpSpPr>
+          <a:xfrm rot="10800000">
+            <a:off x="2433272" y="3260574"/>
+            <a:ext cx="2632400" cy="45719"/>
+            <a:chOff x="1453906" y="470424"/>
+            <a:chExt cx="640080" cy="0"/>
+          </a:xfrm>
+        </p:grpSpPr>
+        <p:cxnSp>
+          <p:nvCxnSpPr>
+            <p:cNvPr id="66" name="Straight Arrow Connector 65">
+              <a:extLst>
+                <a:ext uri="{FF2B5EF4-FFF2-40B4-BE49-F238E27FC236}">
+                  <a16:creationId xmlns:a16="http://schemas.microsoft.com/office/drawing/2014/main" id="{2AFD9E1B-657B-ECE2-1EB5-8B4D429A8E2D}"/>
+                </a:ext>
+              </a:extLst>
+            </p:cNvPr>
+            <p:cNvCxnSpPr>
+              <a:cxnSpLocks/>
+            </p:cNvCxnSpPr>
+            <p:nvPr/>
+          </p:nvCxnSpPr>
+          <p:spPr>
+            <a:xfrm>
+              <a:off x="1911106" y="470424"/>
+              <a:ext cx="182880" cy="0"/>
+            </a:xfrm>
+            <a:prstGeom prst="straightConnector1">
+              <a:avLst/>
+            </a:prstGeom>
+            <a:ln w="38100">
+              <a:solidFill>
+                <a:srgbClr val="0070C0"/>
+              </a:solidFill>
+              <a:tailEnd type="triangle"/>
+            </a:ln>
+          </p:spPr>
+          <p:style>
+            <a:lnRef idx="1">
+              <a:schemeClr val="accent1"/>
+            </a:lnRef>
+            <a:fillRef idx="0">
+              <a:schemeClr val="accent1"/>
+            </a:fillRef>
+            <a:effectRef idx="0">
+              <a:schemeClr val="accent1"/>
+            </a:effectRef>
+            <a:fontRef idx="minor">
+              <a:schemeClr val="tx1"/>
+            </a:fontRef>
+          </p:style>
+        </p:cxnSp>
+        <p:cxnSp>
+          <p:nvCxnSpPr>
+            <p:cNvPr id="67" name="Straight Arrow Connector 66">
+              <a:extLst>
+                <a:ext uri="{FF2B5EF4-FFF2-40B4-BE49-F238E27FC236}">
+                  <a16:creationId xmlns:a16="http://schemas.microsoft.com/office/drawing/2014/main" id="{7D11D14E-D13F-F6C8-B8FF-EE6F254C07FB}"/>
+                </a:ext>
+              </a:extLst>
+            </p:cNvPr>
+            <p:cNvCxnSpPr>
+              <a:cxnSpLocks/>
+            </p:cNvCxnSpPr>
+            <p:nvPr/>
+          </p:nvCxnSpPr>
+          <p:spPr>
+            <a:xfrm rot="10800000">
+              <a:off x="1453906" y="470424"/>
+              <a:ext cx="457200" cy="0"/>
+            </a:xfrm>
+            <a:prstGeom prst="straightConnector1">
+              <a:avLst/>
+            </a:prstGeom>
+            <a:ln w="38100">
+              <a:solidFill>
+                <a:srgbClr val="0070C0"/>
+              </a:solidFill>
+              <a:tailEnd type="triangle"/>
+            </a:ln>
+          </p:spPr>
+          <p:style>
+            <a:lnRef idx="1">
+              <a:schemeClr val="accent1"/>
+            </a:lnRef>
+            <a:fillRef idx="0">
+              <a:schemeClr val="accent1"/>
+            </a:fillRef>
+            <a:effectRef idx="0">
+              <a:schemeClr val="accent1"/>
+            </a:effectRef>
+            <a:fontRef idx="minor">
+              <a:schemeClr val="tx1"/>
+            </a:fontRef>
+          </p:style>
+        </p:cxnSp>
+      </p:grpSp>
+      <p:sp>
+        <p:nvSpPr>
+          <p:cNvPr id="71" name="Oval 70">
+            <a:extLst>
+              <a:ext uri="{FF2B5EF4-FFF2-40B4-BE49-F238E27FC236}">
+                <a16:creationId xmlns:a16="http://schemas.microsoft.com/office/drawing/2014/main" id="{15DF38B0-890D-DA25-7916-30B916108307}"/>
+              </a:ext>
+            </a:extLst>
+          </p:cNvPr>
+          <p:cNvSpPr/>
+          <p:nvPr/>
+        </p:nvSpPr>
+        <p:spPr>
+          <a:xfrm>
+            <a:off x="2555781" y="3484065"/>
+            <a:ext cx="320040" cy="320040"/>
+          </a:xfrm>
+          <a:prstGeom prst="ellipse">
+            <a:avLst/>
+          </a:prstGeom>
+          <a:solidFill>
+            <a:schemeClr val="bg1"/>
+          </a:solidFill>
+          <a:ln w="28575">
+            <a:solidFill>
+              <a:schemeClr val="tx1"/>
+            </a:solidFill>
+            <a:prstDash val="sysDot"/>
+          </a:ln>
+        </p:spPr>
+        <p:style>
+          <a:lnRef idx="2">
+            <a:schemeClr val="accent1">
+              <a:shade val="50000"/>
+            </a:schemeClr>
+          </a:lnRef>
+          <a:fillRef idx="1">
+            <a:schemeClr val="accent1"/>
+          </a:fillRef>
+          <a:effectRef idx="0">
+            <a:schemeClr val="accent1"/>
+          </a:effectRef>
+          <a:fontRef idx="minor">
+            <a:schemeClr val="lt1"/>
+          </a:fontRef>
+        </p:style>
+        <p:txBody>
+          <a:bodyPr rtlCol="0" anchor="ctr"/>
+          <a:lstStyle/>
+          <a:p>
+            <a:pPr algn="ctr"/>
+            <a:endParaRPr lang="en-US"/>
+          </a:p>
+        </p:txBody>
+      </p:sp>
+      <p:grpSp>
+        <p:nvGrpSpPr>
+          <p:cNvPr id="68" name="Group 67">
+            <a:extLst>
+              <a:ext uri="{FF2B5EF4-FFF2-40B4-BE49-F238E27FC236}">
+                <a16:creationId xmlns:a16="http://schemas.microsoft.com/office/drawing/2014/main" id="{2191E142-2C35-3A5A-3271-35788639BA47}"/>
+              </a:ext>
+            </a:extLst>
+          </p:cNvPr>
+          <p:cNvGrpSpPr/>
+          <p:nvPr/>
+        </p:nvGrpSpPr>
+        <p:grpSpPr>
+          <a:xfrm>
+            <a:off x="2410109" y="3347531"/>
+            <a:ext cx="264403" cy="269557"/>
+            <a:chOff x="1728227" y="384811"/>
+            <a:chExt cx="264403" cy="269557"/>
+          </a:xfrm>
+        </p:grpSpPr>
+        <p:cxnSp>
+          <p:nvCxnSpPr>
+            <p:cNvPr id="69" name="Straight Arrow Connector 68">
+              <a:extLst>
+                <a:ext uri="{FF2B5EF4-FFF2-40B4-BE49-F238E27FC236}">
+                  <a16:creationId xmlns:a16="http://schemas.microsoft.com/office/drawing/2014/main" id="{90AD769A-080F-0F65-D193-5D654142C60A}"/>
+                </a:ext>
+              </a:extLst>
+            </p:cNvPr>
+            <p:cNvCxnSpPr>
+              <a:cxnSpLocks/>
+            </p:cNvCxnSpPr>
+            <p:nvPr/>
+          </p:nvCxnSpPr>
+          <p:spPr>
+            <a:xfrm>
+              <a:off x="1809750" y="471488"/>
+              <a:ext cx="182880" cy="182880"/>
+            </a:xfrm>
+            <a:prstGeom prst="straightConnector1">
+              <a:avLst/>
+            </a:prstGeom>
+            <a:ln w="38100">
+              <a:solidFill>
+                <a:srgbClr val="0070C0"/>
+              </a:solidFill>
+              <a:tailEnd type="triangle"/>
+            </a:ln>
+          </p:spPr>
+          <p:style>
+            <a:lnRef idx="1">
+              <a:schemeClr val="accent1"/>
+            </a:lnRef>
+            <a:fillRef idx="0">
+              <a:schemeClr val="accent1"/>
+            </a:fillRef>
+            <a:effectRef idx="0">
+              <a:schemeClr val="accent1"/>
+            </a:effectRef>
+            <a:fontRef idx="minor">
+              <a:schemeClr val="tx1"/>
+            </a:fontRef>
+          </p:style>
+        </p:cxnSp>
+        <p:cxnSp>
+          <p:nvCxnSpPr>
+            <p:cNvPr id="70" name="Straight Arrow Connector 69">
+              <a:extLst>
+                <a:ext uri="{FF2B5EF4-FFF2-40B4-BE49-F238E27FC236}">
+                  <a16:creationId xmlns:a16="http://schemas.microsoft.com/office/drawing/2014/main" id="{29C82E09-B013-6261-60FC-F91536818C72}"/>
+                </a:ext>
+              </a:extLst>
+            </p:cNvPr>
+            <p:cNvCxnSpPr>
+              <a:cxnSpLocks/>
+            </p:cNvCxnSpPr>
+            <p:nvPr/>
+          </p:nvCxnSpPr>
+          <p:spPr>
+            <a:xfrm rot="10800000">
+              <a:off x="1728227" y="384811"/>
+              <a:ext cx="182880" cy="182880"/>
+            </a:xfrm>
+            <a:prstGeom prst="straightConnector1">
+              <a:avLst/>
+            </a:prstGeom>
+            <a:ln w="38100">
+              <a:solidFill>
+                <a:srgbClr val="0070C0"/>
+              </a:solidFill>
+              <a:tailEnd type="triangle"/>
+            </a:ln>
+          </p:spPr>
+          <p:style>
+            <a:lnRef idx="1">
+              <a:schemeClr val="accent1"/>
+            </a:lnRef>
+            <a:fillRef idx="0">
+              <a:schemeClr val="accent1"/>
+            </a:fillRef>
+            <a:effectRef idx="0">
+              <a:schemeClr val="accent1"/>
+            </a:effectRef>
+            <a:fontRef idx="minor">
+              <a:schemeClr val="tx1"/>
+            </a:fontRef>
+          </p:style>
+        </p:cxnSp>
+      </p:grpSp>
+      <p:grpSp>
+        <p:nvGrpSpPr>
+          <p:cNvPr id="75" name="Group 74">
+            <a:extLst>
+              <a:ext uri="{FF2B5EF4-FFF2-40B4-BE49-F238E27FC236}">
+                <a16:creationId xmlns:a16="http://schemas.microsoft.com/office/drawing/2014/main" id="{B5E32DE0-8C25-3C5F-051B-52500002B7EC}"/>
+              </a:ext>
+            </a:extLst>
+          </p:cNvPr>
+          <p:cNvGrpSpPr/>
+          <p:nvPr/>
+        </p:nvGrpSpPr>
+        <p:grpSpPr>
+          <a:xfrm rot="10800000">
+            <a:off x="5135789" y="3940440"/>
+            <a:ext cx="641811" cy="45719"/>
+            <a:chOff x="1453906" y="470424"/>
+            <a:chExt cx="640080" cy="0"/>
+          </a:xfrm>
+        </p:grpSpPr>
+        <p:cxnSp>
+          <p:nvCxnSpPr>
+            <p:cNvPr id="76" name="Straight Arrow Connector 75">
+              <a:extLst>
+                <a:ext uri="{FF2B5EF4-FFF2-40B4-BE49-F238E27FC236}">
+                  <a16:creationId xmlns:a16="http://schemas.microsoft.com/office/drawing/2014/main" id="{23E0F640-0758-1276-A89F-21E0CFD36A8F}"/>
+                </a:ext>
+              </a:extLst>
+            </p:cNvPr>
+            <p:cNvCxnSpPr>
+              <a:cxnSpLocks/>
+            </p:cNvCxnSpPr>
+            <p:nvPr/>
+          </p:nvCxnSpPr>
+          <p:spPr>
+            <a:xfrm>
+              <a:off x="1911106" y="470424"/>
+              <a:ext cx="182880" cy="0"/>
+            </a:xfrm>
+            <a:prstGeom prst="straightConnector1">
+              <a:avLst/>
+            </a:prstGeom>
+            <a:ln w="38100">
+              <a:solidFill>
+                <a:srgbClr val="C00000"/>
+              </a:solidFill>
+              <a:tailEnd type="triangle"/>
+            </a:ln>
+          </p:spPr>
+          <p:style>
+            <a:lnRef idx="1">
+              <a:schemeClr val="accent1"/>
+            </a:lnRef>
+            <a:fillRef idx="0">
+              <a:schemeClr val="accent1"/>
+            </a:fillRef>
+            <a:effectRef idx="0">
+              <a:schemeClr val="accent1"/>
+            </a:effectRef>
+            <a:fontRef idx="minor">
+              <a:schemeClr val="tx1"/>
+            </a:fontRef>
+          </p:style>
+        </p:cxnSp>
+        <p:cxnSp>
+          <p:nvCxnSpPr>
+            <p:cNvPr id="77" name="Straight Arrow Connector 76">
+              <a:extLst>
+                <a:ext uri="{FF2B5EF4-FFF2-40B4-BE49-F238E27FC236}">
+                  <a16:creationId xmlns:a16="http://schemas.microsoft.com/office/drawing/2014/main" id="{8BDDB395-D0BB-6E24-EB0A-171CC4F9E7F2}"/>
+                </a:ext>
+              </a:extLst>
+            </p:cNvPr>
+            <p:cNvCxnSpPr>
+              <a:cxnSpLocks/>
+            </p:cNvCxnSpPr>
+            <p:nvPr/>
+          </p:nvCxnSpPr>
+          <p:spPr>
+            <a:xfrm rot="10800000">
+              <a:off x="1453906" y="470424"/>
+              <a:ext cx="457200" cy="0"/>
+            </a:xfrm>
+            <a:prstGeom prst="straightConnector1">
+              <a:avLst/>
+            </a:prstGeom>
+            <a:ln w="38100">
+              <a:solidFill>
+                <a:srgbClr val="C00000"/>
+              </a:solidFill>
+              <a:tailEnd type="triangle"/>
+            </a:ln>
+          </p:spPr>
+          <p:style>
+            <a:lnRef idx="1">
+              <a:schemeClr val="accent1"/>
+            </a:lnRef>
+            <a:fillRef idx="0">
+              <a:schemeClr val="accent1"/>
+            </a:fillRef>
+            <a:effectRef idx="0">
+              <a:schemeClr val="accent1"/>
+            </a:effectRef>
+            <a:fontRef idx="minor">
+              <a:schemeClr val="tx1"/>
+            </a:fontRef>
+          </p:style>
+        </p:cxnSp>
+      </p:grpSp>
+      <p:grpSp>
+        <p:nvGrpSpPr>
+          <p:cNvPr id="78" name="Group 77">
+            <a:extLst>
+              <a:ext uri="{FF2B5EF4-FFF2-40B4-BE49-F238E27FC236}">
+                <a16:creationId xmlns:a16="http://schemas.microsoft.com/office/drawing/2014/main" id="{D915DD2C-0BD3-C35C-AFCF-2FF83146C2DF}"/>
+              </a:ext>
+            </a:extLst>
+          </p:cNvPr>
+          <p:cNvGrpSpPr/>
+          <p:nvPr/>
+        </p:nvGrpSpPr>
+        <p:grpSpPr>
+          <a:xfrm>
+            <a:off x="5151539" y="4048208"/>
+            <a:ext cx="264403" cy="269557"/>
+            <a:chOff x="1728227" y="384811"/>
+            <a:chExt cx="264403" cy="269557"/>
+          </a:xfrm>
+        </p:grpSpPr>
+        <p:cxnSp>
+          <p:nvCxnSpPr>
+            <p:cNvPr id="79" name="Straight Arrow Connector 78">
+              <a:extLst>
+                <a:ext uri="{FF2B5EF4-FFF2-40B4-BE49-F238E27FC236}">
+                  <a16:creationId xmlns:a16="http://schemas.microsoft.com/office/drawing/2014/main" id="{C5AFF88C-43AF-5DA5-7375-E92D8BAEB8C9}"/>
+                </a:ext>
+              </a:extLst>
+            </p:cNvPr>
+            <p:cNvCxnSpPr>
+              <a:cxnSpLocks/>
+            </p:cNvCxnSpPr>
+            <p:nvPr/>
+          </p:nvCxnSpPr>
+          <p:spPr>
+            <a:xfrm>
+              <a:off x="1809750" y="471488"/>
+              <a:ext cx="182880" cy="182880"/>
+            </a:xfrm>
+            <a:prstGeom prst="straightConnector1">
+              <a:avLst/>
+            </a:prstGeom>
+            <a:ln w="38100">
+              <a:solidFill>
+                <a:srgbClr val="C00000"/>
+              </a:solidFill>
+              <a:tailEnd type="triangle"/>
+            </a:ln>
+          </p:spPr>
+          <p:style>
+            <a:lnRef idx="1">
+              <a:schemeClr val="accent1"/>
+            </a:lnRef>
+            <a:fillRef idx="0">
+              <a:schemeClr val="accent1"/>
+            </a:fillRef>
+            <a:effectRef idx="0">
+              <a:schemeClr val="accent1"/>
+            </a:effectRef>
+            <a:fontRef idx="minor">
+              <a:schemeClr val="tx1"/>
+            </a:fontRef>
+          </p:style>
+        </p:cxnSp>
+        <p:cxnSp>
+          <p:nvCxnSpPr>
+            <p:cNvPr id="80" name="Straight Arrow Connector 79">
+              <a:extLst>
+                <a:ext uri="{FF2B5EF4-FFF2-40B4-BE49-F238E27FC236}">
+                  <a16:creationId xmlns:a16="http://schemas.microsoft.com/office/drawing/2014/main" id="{BD8CB371-FA47-1CA1-ADC2-77D1EFE1D7DC}"/>
+                </a:ext>
+              </a:extLst>
+            </p:cNvPr>
+            <p:cNvCxnSpPr>
+              <a:cxnSpLocks/>
+            </p:cNvCxnSpPr>
+            <p:nvPr/>
+          </p:nvCxnSpPr>
+          <p:spPr>
+            <a:xfrm rot="10800000">
+              <a:off x="1728227" y="384811"/>
+              <a:ext cx="182880" cy="182880"/>
+            </a:xfrm>
+            <a:prstGeom prst="straightConnector1">
+              <a:avLst/>
+            </a:prstGeom>
+            <a:ln w="38100">
+              <a:solidFill>
+                <a:srgbClr val="C00000"/>
+              </a:solidFill>
+              <a:tailEnd type="triangle"/>
+            </a:ln>
+          </p:spPr>
+          <p:style>
+            <a:lnRef idx="1">
+              <a:schemeClr val="accent1"/>
+            </a:lnRef>
+            <a:fillRef idx="0">
+              <a:schemeClr val="accent1"/>
+            </a:fillRef>
+            <a:effectRef idx="0">
+              <a:schemeClr val="accent1"/>
+            </a:effectRef>
+            <a:fontRef idx="minor">
+              <a:schemeClr val="tx1"/>
+            </a:fontRef>
+          </p:style>
+        </p:cxnSp>
+      </p:grpSp>
+      <p:cxnSp>
+        <p:nvCxnSpPr>
+          <p:cNvPr id="86" name="Straight Arrow Connector 85">
+            <a:extLst>
+              <a:ext uri="{FF2B5EF4-FFF2-40B4-BE49-F238E27FC236}">
+                <a16:creationId xmlns:a16="http://schemas.microsoft.com/office/drawing/2014/main" id="{FC215644-45AF-51EA-7C8D-9A756FC1612E}"/>
+              </a:ext>
+            </a:extLst>
+          </p:cNvPr>
+          <p:cNvCxnSpPr/>
+          <p:nvPr/>
+        </p:nvCxnSpPr>
+        <p:spPr>
+          <a:xfrm>
+            <a:off x="1698531" y="6188075"/>
+            <a:ext cx="638269" cy="0"/>
+          </a:xfrm>
+          <a:prstGeom prst="straightConnector1">
+            <a:avLst/>
+          </a:prstGeom>
+          <a:ln w="28575">
+            <a:solidFill>
+              <a:schemeClr val="tx1"/>
+            </a:solidFill>
+            <a:headEnd type="triangle"/>
+            <a:tailEnd type="triangle"/>
+          </a:ln>
+        </p:spPr>
+        <p:style>
+          <a:lnRef idx="1">
+            <a:schemeClr val="accent1"/>
+          </a:lnRef>
+          <a:fillRef idx="0">
+            <a:schemeClr val="accent1"/>
+          </a:fillRef>
+          <a:effectRef idx="0">
+            <a:schemeClr val="accent1"/>
+          </a:effectRef>
+          <a:fontRef idx="minor">
+            <a:schemeClr val="tx1"/>
+          </a:fontRef>
+        </p:style>
+      </p:cxnSp>
+      <p:sp>
+        <p:nvSpPr>
+          <p:cNvPr id="88" name="TextBox 87">
+            <a:extLst>
+              <a:ext uri="{FF2B5EF4-FFF2-40B4-BE49-F238E27FC236}">
+                <a16:creationId xmlns:a16="http://schemas.microsoft.com/office/drawing/2014/main" id="{DF912B80-FAD2-85A7-B24B-EAAD6DE2017F}"/>
+              </a:ext>
+            </a:extLst>
+          </p:cNvPr>
+          <p:cNvSpPr txBox="1"/>
+          <p:nvPr/>
+        </p:nvSpPr>
+        <p:spPr>
+          <a:xfrm>
+            <a:off x="1851292" y="6124401"/>
+            <a:ext cx="351256" cy="369332"/>
+          </a:xfrm>
+          <a:prstGeom prst="rect">
+            <a:avLst/>
+          </a:prstGeom>
+          <a:noFill/>
+        </p:spPr>
+        <p:txBody>
+          <a:bodyPr wrap="square">
+            <a:spAutoFit/>
+          </a:bodyPr>
+          <a:lstStyle/>
+          <a:p>
+            <a:r>
+              <a:rPr lang="en-GB" dirty="0"/>
+              <a:t>d</a:t>
+            </a:r>
+          </a:p>
+        </p:txBody>
+      </p:sp>
+    </p:spTree>
+    <p:extLst>
+      <p:ext uri="{BB962C8B-B14F-4D97-AF65-F5344CB8AC3E}">
+        <p14:creationId xmlns:p14="http://schemas.microsoft.com/office/powerpoint/2010/main" val="2829514116"/>
+      </p:ext>
+    </p:extLst>
+  </p:cSld>
+  <p:clrMapOvr>
+    <a:masterClrMapping/>
+  </p:clrMapOvr>
+</p:sld>
+</file>
+
 <file path=ppt/theme/theme1.xml><?xml version="1.0" encoding="utf-8"?>
 <a:theme xmlns:a="http://schemas.openxmlformats.org/drawingml/2006/main" name="Office Theme">
   <a:themeElements>
